--- a/doc/intro/slides/lesson_10_security.pptx
+++ b/doc/intro/slides/lesson_10_security.pptx
@@ -5,7 +5,7 @@
     <p:sldMasterId id="2147483648" r:id="rId1"/>
   </p:sldMasterIdLst>
   <p:notesMasterIdLst>
-    <p:notesMasterId r:id="rId30"/>
+    <p:notesMasterId r:id="rId32"/>
   </p:notesMasterIdLst>
   <p:sldIdLst>
     <p:sldId id="256" r:id="rId2"/>
@@ -35,7 +35,9 @@
     <p:sldId id="275" r:id="rId26"/>
     <p:sldId id="298" r:id="rId27"/>
     <p:sldId id="300" r:id="rId28"/>
-    <p:sldId id="271" r:id="rId29"/>
+    <p:sldId id="301" r:id="rId29"/>
+    <p:sldId id="302" r:id="rId30"/>
+    <p:sldId id="271" r:id="rId31"/>
   </p:sldIdLst>
   <p:sldSz cx="12192000" cy="6858000"/>
   <p:notesSz cx="6858000" cy="9144000"/>
@@ -224,7 +226,7 @@
           <a:p>
             <a:fld id="{9B5B52BA-3295-0343-9E28-A260A811DD10}" type="datetimeFigureOut">
               <a:rPr lang="en-US" smtClean="0"/>
-              <a:t>21-Feb-18</a:t>
+              <a:t>2/25/18</a:t>
             </a:fld>
             <a:endParaRPr lang="en-US"/>
           </a:p>
@@ -707,7 +709,7 @@
           <a:p>
             <a:fld id="{04F1D4A2-813C-F741-B481-C92B3A596030}" type="datetimeFigureOut">
               <a:rPr lang="en-US" smtClean="0"/>
-              <a:t>21-Feb-18</a:t>
+              <a:t>2/25/18</a:t>
             </a:fld>
             <a:endParaRPr lang="en-US"/>
           </a:p>
@@ -877,7 +879,7 @@
           <a:p>
             <a:fld id="{04F1D4A2-813C-F741-B481-C92B3A596030}" type="datetimeFigureOut">
               <a:rPr lang="en-US" smtClean="0"/>
-              <a:t>21-Feb-18</a:t>
+              <a:t>2/25/18</a:t>
             </a:fld>
             <a:endParaRPr lang="en-US"/>
           </a:p>
@@ -1057,7 +1059,7 @@
           <a:p>
             <a:fld id="{04F1D4A2-813C-F741-B481-C92B3A596030}" type="datetimeFigureOut">
               <a:rPr lang="en-US" smtClean="0"/>
-              <a:t>21-Feb-18</a:t>
+              <a:t>2/25/18</a:t>
             </a:fld>
             <a:endParaRPr lang="en-US"/>
           </a:p>
@@ -1238,7 +1240,7 @@
           <a:p>
             <a:fld id="{04F1D4A2-813C-F741-B481-C92B3A596030}" type="datetimeFigureOut">
               <a:rPr lang="en-US" smtClean="0"/>
-              <a:t>21-Feb-18</a:t>
+              <a:t>2/25/18</a:t>
             </a:fld>
             <a:endParaRPr lang="en-US"/>
           </a:p>
@@ -1484,7 +1486,7 @@
           <a:p>
             <a:fld id="{04F1D4A2-813C-F741-B481-C92B3A596030}" type="datetimeFigureOut">
               <a:rPr lang="en-US" smtClean="0"/>
-              <a:t>21-Feb-18</a:t>
+              <a:t>2/25/18</a:t>
             </a:fld>
             <a:endParaRPr lang="en-US"/>
           </a:p>
@@ -1716,7 +1718,7 @@
           <a:p>
             <a:fld id="{04F1D4A2-813C-F741-B481-C92B3A596030}" type="datetimeFigureOut">
               <a:rPr lang="en-US" smtClean="0"/>
-              <a:t>21-Feb-18</a:t>
+              <a:t>2/25/18</a:t>
             </a:fld>
             <a:endParaRPr lang="en-US"/>
           </a:p>
@@ -2083,7 +2085,7 @@
           <a:p>
             <a:fld id="{04F1D4A2-813C-F741-B481-C92B3A596030}" type="datetimeFigureOut">
               <a:rPr lang="en-US" smtClean="0"/>
-              <a:t>21-Feb-18</a:t>
+              <a:t>2/25/18</a:t>
             </a:fld>
             <a:endParaRPr lang="en-US"/>
           </a:p>
@@ -2201,7 +2203,7 @@
           <a:p>
             <a:fld id="{04F1D4A2-813C-F741-B481-C92B3A596030}" type="datetimeFigureOut">
               <a:rPr lang="en-US" smtClean="0"/>
-              <a:t>21-Feb-18</a:t>
+              <a:t>2/25/18</a:t>
             </a:fld>
             <a:endParaRPr lang="en-US"/>
           </a:p>
@@ -2296,7 +2298,7 @@
           <a:p>
             <a:fld id="{04F1D4A2-813C-F741-B481-C92B3A596030}" type="datetimeFigureOut">
               <a:rPr lang="en-US" smtClean="0"/>
-              <a:t>21-Feb-18</a:t>
+              <a:t>2/25/18</a:t>
             </a:fld>
             <a:endParaRPr lang="en-US"/>
           </a:p>
@@ -2573,7 +2575,7 @@
           <a:p>
             <a:fld id="{04F1D4A2-813C-F741-B481-C92B3A596030}" type="datetimeFigureOut">
               <a:rPr lang="en-US" smtClean="0"/>
-              <a:t>21-Feb-18</a:t>
+              <a:t>2/25/18</a:t>
             </a:fld>
             <a:endParaRPr lang="en-US"/>
           </a:p>
@@ -2826,7 +2828,7 @@
           <a:p>
             <a:fld id="{04F1D4A2-813C-F741-B481-C92B3A596030}" type="datetimeFigureOut">
               <a:rPr lang="en-US" smtClean="0"/>
-              <a:t>21-Feb-18</a:t>
+              <a:t>2/25/18</a:t>
             </a:fld>
             <a:endParaRPr lang="en-US"/>
           </a:p>
@@ -3039,7 +3041,7 @@
           <a:p>
             <a:fld id="{04F1D4A2-813C-F741-B481-C92B3A596030}" type="datetimeFigureOut">
               <a:rPr lang="en-US" smtClean="0"/>
-              <a:t>21-Feb-18</a:t>
+              <a:t>2/25/18</a:t>
             </a:fld>
             <a:endParaRPr lang="en-US"/>
           </a:p>
@@ -3484,15 +3486,7 @@
             </a:br>
             <a:r>
               <a:rPr lang="en-US" dirty="0" smtClean="0"/>
-              <a:t>Lesson </a:t>
-            </a:r>
-            <a:r>
-              <a:rPr lang="en-US" dirty="0" smtClean="0"/>
-              <a:t>10</a:t>
-            </a:r>
-            <a:r>
-              <a:rPr lang="en-US" dirty="0" smtClean="0"/>
-              <a:t>: Security</a:t>
+              <a:t>Lesson 10: Security</a:t>
             </a:r>
             <a:endParaRPr lang="en-US" dirty="0"/>
           </a:p>
@@ -3774,11 +3768,7 @@
             </a:r>
             <a:r>
               <a:rPr lang="en-US" dirty="0" smtClean="0"/>
-              <a:t> </a:t>
-            </a:r>
-            <a:r>
-              <a:rPr lang="en-US" dirty="0" smtClean="0"/>
-              <a:t>cookies used to define “sessions”</a:t>
+              <a:t> cookies used to define “sessions”</a:t>
             </a:r>
           </a:p>
           <a:p>
@@ -4726,13 +4716,8 @@
           <a:p>
             <a:r>
               <a:rPr lang="en-US" dirty="0" smtClean="0"/>
-              <a:t>When creating new user, need to save password somewhere, usually a </a:t>
-            </a:r>
-            <a:r>
-              <a:rPr lang="en-US" dirty="0" smtClean="0"/>
-              <a:t>database</a:t>
-            </a:r>
-            <a:endParaRPr lang="en-US" dirty="0" smtClean="0"/>
+              <a:t>When creating new user, need to save password somewhere, usually a database</a:t>
+            </a:r>
           </a:p>
           <a:p>
             <a:r>
@@ -5078,11 +5063,7 @@
             </a:r>
             <a:r>
               <a:rPr lang="en-US" i="1" dirty="0" smtClean="0"/>
-              <a:t>y = h(z</a:t>
-            </a:r>
-            <a:r>
-              <a:rPr lang="en-US" i="1" dirty="0" smtClean="0"/>
-              <a:t>)</a:t>
+              <a:t>y = h(z)</a:t>
             </a:r>
             <a:endParaRPr lang="en-US" i="1" dirty="0"/>
           </a:p>
@@ -5303,15 +5284,7 @@
           <a:p>
             <a:r>
               <a:rPr lang="en-US" dirty="0" smtClean="0"/>
-              <a:t>How can server verify the login of user A with password X, if the server does not know </a:t>
-            </a:r>
-            <a:r>
-              <a:rPr lang="en-US" dirty="0" smtClean="0"/>
-              <a:t>the password X</a:t>
-            </a:r>
-            <a:r>
-              <a:rPr lang="en-US" dirty="0" smtClean="0"/>
-              <a:t>, but only the hash Y=h(X)?</a:t>
+              <a:t>How can server verify the login of user A with password X, if the server does not know the password X, but only the hash Y=h(X)?</a:t>
             </a:r>
           </a:p>
           <a:p>
@@ -5978,23 +5951,7 @@
           <a:p>
             <a:r>
               <a:rPr lang="en-US" dirty="0" smtClean="0"/>
-              <a:t>These </a:t>
-            </a:r>
-            <a:r>
-              <a:rPr lang="en-US" dirty="0" smtClean="0"/>
-              <a:t>few slides on Spring Security are </a:t>
-            </a:r>
-            <a:r>
-              <a:rPr lang="en-US" dirty="0" smtClean="0"/>
-              <a:t>just high level overviews of </a:t>
-            </a:r>
-            <a:r>
-              <a:rPr lang="en-US" dirty="0" smtClean="0"/>
-              <a:t>what covered </a:t>
-            </a:r>
-            <a:r>
-              <a:rPr lang="en-US" dirty="0" smtClean="0"/>
-              <a:t>in class</a:t>
+              <a:t>These few slides on Spring Security are just high level overviews of what covered in class</a:t>
             </a:r>
           </a:p>
           <a:p>
@@ -6394,12 +6351,8 @@
           <a:lstStyle/>
           <a:p>
             <a:r>
-              <a:rPr lang="en-US" dirty="0" err="1" smtClean="0"/>
-              <a:t>Git</a:t>
-            </a:r>
-            <a:r>
-              <a:rPr lang="en-US" dirty="0" smtClean="0"/>
-              <a:t> Repository Modules</a:t>
+              <a:rPr lang="en-US" dirty="0" smtClean="0"/>
+              <a:t>OWASP</a:t>
             </a:r>
             <a:endParaRPr lang="en-US" dirty="0"/>
           </a:p>
@@ -6407,73 +6360,173 @@
       </p:sp>
       <p:sp>
         <p:nvSpPr>
-          <p:cNvPr id="5" name="Content Placeholder 4"/>
-          <p:cNvSpPr>
-            <a:spLocks noGrp="1"/>
-          </p:cNvSpPr>
-          <p:nvPr>
-            <p:ph idx="1"/>
-          </p:nvPr>
-        </p:nvSpPr>
-        <p:spPr>
-          <a:xfrm>
-            <a:off x="838200" y="1825625"/>
-            <a:ext cx="10515600" cy="4972740"/>
-          </a:xfrm>
-        </p:spPr>
-        <p:txBody>
-          <a:bodyPr>
-            <a:normAutofit/>
-          </a:bodyPr>
-          <a:lstStyle/>
-          <a:p>
-            <a:r>
-              <a:rPr lang="en-US" i="1" dirty="0" smtClean="0"/>
-              <a:t>NOTE: most of the explanations will be directly in the code as comments, and not here in the slides</a:t>
-            </a:r>
-          </a:p>
-          <a:p>
-            <a:r>
-              <a:rPr lang="en-US" b="1" dirty="0" smtClean="0"/>
-              <a:t>intro/spring/security/manual</a:t>
-            </a:r>
-          </a:p>
-          <a:p>
-            <a:r>
-              <a:rPr lang="en-US" b="1" dirty="0" smtClean="0"/>
-              <a:t>intro/spring/security/authorization</a:t>
-            </a:r>
-            <a:endParaRPr lang="en-US" b="1" dirty="0" smtClean="0"/>
-          </a:p>
-          <a:p>
-            <a:r>
-              <a:rPr lang="en-US" dirty="0" smtClean="0"/>
-              <a:t>Exercises </a:t>
-            </a:r>
-            <a:r>
-              <a:rPr lang="en-US" dirty="0" smtClean="0"/>
-              <a:t>for Lesson </a:t>
-            </a:r>
-            <a:r>
-              <a:rPr lang="en-US" dirty="0" smtClean="0"/>
-              <a:t>10</a:t>
-            </a:r>
-            <a:r>
-              <a:rPr lang="en-US" dirty="0" smtClean="0"/>
-              <a:t> </a:t>
-            </a:r>
-            <a:r>
-              <a:rPr lang="en-US" dirty="0" smtClean="0"/>
-              <a:t>(see documentation)</a:t>
-            </a:r>
-            <a:endParaRPr lang="en-US" dirty="0"/>
+          <p:cNvPr id="5" name="Text Placeholder 4"/>
+          <p:cNvSpPr>
+            <a:spLocks noGrp="1"/>
+          </p:cNvSpPr>
+          <p:nvPr>
+            <p:ph type="body" idx="1"/>
+          </p:nvPr>
+        </p:nvSpPr>
+        <p:spPr/>
+        <p:txBody>
+          <a:bodyPr/>
+          <a:lstStyle/>
+          <a:p>
+            <a:endParaRPr lang="en-US"/>
           </a:p>
         </p:txBody>
       </p:sp>
     </p:spTree>
     <p:extLst>
       <p:ext uri="{BB962C8B-B14F-4D97-AF65-F5344CB8AC3E}">
-        <p14:creationId xmlns:p14="http://schemas.microsoft.com/office/powerpoint/2010/main" val="1023732187"/>
+        <p14:creationId xmlns:p14="http://schemas.microsoft.com/office/powerpoint/2010/main" val="151532738"/>
+      </p:ext>
+    </p:extLst>
+  </p:cSld>
+  <p:clrMapOvr>
+    <a:masterClrMapping/>
+  </p:clrMapOvr>
+</p:sld>
+</file>
+
+<file path=ppt/slides/slide29.xml><?xml version="1.0" encoding="utf-8"?>
+<p:sld xmlns:a="http://schemas.openxmlformats.org/drawingml/2006/main" xmlns:r="http://schemas.openxmlformats.org/officeDocument/2006/relationships" xmlns:p="http://schemas.openxmlformats.org/presentationml/2006/main">
+  <p:cSld>
+    <p:spTree>
+      <p:nvGrpSpPr>
+        <p:cNvPr id="1" name=""/>
+        <p:cNvGrpSpPr/>
+        <p:nvPr/>
+      </p:nvGrpSpPr>
+      <p:grpSpPr>
+        <a:xfrm>
+          <a:off x="0" y="0"/>
+          <a:ext cx="0" cy="0"/>
+          <a:chOff x="0" y="0"/>
+          <a:chExt cx="0" cy="0"/>
+        </a:xfrm>
+      </p:grpSpPr>
+      <p:sp>
+        <p:nvSpPr>
+          <p:cNvPr id="2" name="Title 1"/>
+          <p:cNvSpPr>
+            <a:spLocks noGrp="1"/>
+          </p:cNvSpPr>
+          <p:nvPr>
+            <p:ph type="title"/>
+          </p:nvPr>
+        </p:nvSpPr>
+        <p:spPr>
+          <a:xfrm>
+            <a:off x="182880" y="365125"/>
+            <a:ext cx="11762072" cy="1325563"/>
+          </a:xfrm>
+        </p:spPr>
+        <p:txBody>
+          <a:bodyPr>
+            <a:normAutofit fontScale="90000"/>
+          </a:bodyPr>
+          <a:lstStyle/>
+          <a:p>
+            <a:r>
+              <a:rPr lang="en-US"/>
+              <a:t>Open Web Application Security Project (OWASP) </a:t>
+            </a:r>
+            <a:endParaRPr lang="en-US" dirty="0"/>
+          </a:p>
+        </p:txBody>
+      </p:sp>
+      <p:sp>
+        <p:nvSpPr>
+          <p:cNvPr id="3" name="Content Placeholder 2"/>
+          <p:cNvSpPr>
+            <a:spLocks noGrp="1"/>
+          </p:cNvSpPr>
+          <p:nvPr>
+            <p:ph idx="1"/>
+          </p:nvPr>
+        </p:nvSpPr>
+        <p:spPr>
+          <a:xfrm>
+            <a:off x="182880" y="1970003"/>
+            <a:ext cx="11762072" cy="4777305"/>
+          </a:xfrm>
+        </p:spPr>
+        <p:txBody>
+          <a:bodyPr/>
+          <a:lstStyle/>
+          <a:p>
+            <a:r>
+              <a:rPr lang="en-US" dirty="0" smtClean="0">
+                <a:hlinkClick r:id="rId2"/>
+              </a:rPr>
+              <a:t>www.owasp.org</a:t>
+            </a:r>
+            <a:endParaRPr lang="en-US" dirty="0" smtClean="0"/>
+          </a:p>
+          <a:p>
+            <a:r>
+              <a:rPr lang="en-US" dirty="0" smtClean="0"/>
+              <a:t>A non-profit organization dedicated to software security</a:t>
+            </a:r>
+          </a:p>
+          <a:p>
+            <a:r>
+              <a:rPr lang="en-US" dirty="0" smtClean="0"/>
+              <a:t>One of the main resources to learn about software security</a:t>
+            </a:r>
+          </a:p>
+          <a:p>
+            <a:r>
+              <a:rPr lang="en-US" dirty="0" smtClean="0"/>
+              <a:t>Also produces some open-source tools (</a:t>
+            </a:r>
+            <a:r>
+              <a:rPr lang="en-US" dirty="0" err="1" smtClean="0"/>
+              <a:t>eg</a:t>
+            </a:r>
+            <a:r>
+              <a:rPr lang="en-US" dirty="0" smtClean="0"/>
+              <a:t> ZAP </a:t>
+            </a:r>
+            <a:r>
+              <a:rPr lang="en-US" smtClean="0"/>
+              <a:t>for penetration testing)</a:t>
+            </a:r>
+            <a:endParaRPr lang="en-US" dirty="0" smtClean="0"/>
+          </a:p>
+          <a:p>
+            <a:r>
+              <a:rPr lang="en-US" dirty="0" smtClean="0"/>
+              <a:t>Maven plugin </a:t>
+            </a:r>
+            <a:r>
+              <a:rPr lang="en-US" i="1" dirty="0" smtClean="0"/>
+              <a:t>dependency-check-maven</a:t>
+            </a:r>
+          </a:p>
+          <a:p>
+            <a:pPr lvl="1"/>
+            <a:r>
+              <a:rPr lang="en-US" dirty="0" smtClean="0"/>
+              <a:t>Scan your third-party dependency libraries for known vulnerability</a:t>
+            </a:r>
+          </a:p>
+          <a:p>
+            <a:pPr lvl="1"/>
+            <a:r>
+              <a:rPr lang="en-US" dirty="0" smtClean="0"/>
+              <a:t>Automatically connect to an updated database</a:t>
+            </a:r>
+            <a:endParaRPr lang="en-US" dirty="0"/>
+          </a:p>
+        </p:txBody>
+      </p:sp>
+    </p:spTree>
+    <p:extLst>
+      <p:ext uri="{BB962C8B-B14F-4D97-AF65-F5344CB8AC3E}">
+        <p14:creationId xmlns:p14="http://schemas.microsoft.com/office/powerpoint/2010/main" val="2042605871"/>
       </p:ext>
     </p:extLst>
   </p:cSld>
@@ -6637,6 +6690,118 @@
     <p:extLst>
       <p:ext uri="{BB962C8B-B14F-4D97-AF65-F5344CB8AC3E}">
         <p14:creationId xmlns:p14="http://schemas.microsoft.com/office/powerpoint/2010/main" val="3489912102"/>
+      </p:ext>
+    </p:extLst>
+  </p:cSld>
+  <p:clrMapOvr>
+    <a:masterClrMapping/>
+  </p:clrMapOvr>
+</p:sld>
+</file>
+
+<file path=ppt/slides/slide30.xml><?xml version="1.0" encoding="utf-8"?>
+<p:sld xmlns:a="http://schemas.openxmlformats.org/drawingml/2006/main" xmlns:r="http://schemas.openxmlformats.org/officeDocument/2006/relationships" xmlns:p="http://schemas.openxmlformats.org/presentationml/2006/main">
+  <p:cSld>
+    <p:spTree>
+      <p:nvGrpSpPr>
+        <p:cNvPr id="1" name=""/>
+        <p:cNvGrpSpPr/>
+        <p:nvPr/>
+      </p:nvGrpSpPr>
+      <p:grpSpPr>
+        <a:xfrm>
+          <a:off x="0" y="0"/>
+          <a:ext cx="0" cy="0"/>
+          <a:chOff x="0" y="0"/>
+          <a:chExt cx="0" cy="0"/>
+        </a:xfrm>
+      </p:grpSpPr>
+      <p:sp>
+        <p:nvSpPr>
+          <p:cNvPr id="4" name="Title 3"/>
+          <p:cNvSpPr>
+            <a:spLocks noGrp="1"/>
+          </p:cNvSpPr>
+          <p:nvPr>
+            <p:ph type="title"/>
+          </p:nvPr>
+        </p:nvSpPr>
+        <p:spPr/>
+        <p:txBody>
+          <a:bodyPr/>
+          <a:lstStyle/>
+          <a:p>
+            <a:r>
+              <a:rPr lang="en-US" dirty="0" err="1" smtClean="0"/>
+              <a:t>Git</a:t>
+            </a:r>
+            <a:r>
+              <a:rPr lang="en-US" dirty="0" smtClean="0"/>
+              <a:t> Repository Modules</a:t>
+            </a:r>
+            <a:endParaRPr lang="en-US" dirty="0"/>
+          </a:p>
+        </p:txBody>
+      </p:sp>
+      <p:sp>
+        <p:nvSpPr>
+          <p:cNvPr id="5" name="Content Placeholder 4"/>
+          <p:cNvSpPr>
+            <a:spLocks noGrp="1"/>
+          </p:cNvSpPr>
+          <p:nvPr>
+            <p:ph idx="1"/>
+          </p:nvPr>
+        </p:nvSpPr>
+        <p:spPr>
+          <a:xfrm>
+            <a:off x="838200" y="1825625"/>
+            <a:ext cx="10515600" cy="4972740"/>
+          </a:xfrm>
+        </p:spPr>
+        <p:txBody>
+          <a:bodyPr>
+            <a:normAutofit/>
+          </a:bodyPr>
+          <a:lstStyle/>
+          <a:p>
+            <a:r>
+              <a:rPr lang="en-US" i="1" dirty="0" smtClean="0"/>
+              <a:t>NOTE: most of the explanations will be directly in the code as comments, and not here in the slides</a:t>
+            </a:r>
+          </a:p>
+          <a:p>
+            <a:r>
+              <a:rPr lang="en-US" b="1" dirty="0" smtClean="0"/>
+              <a:t>intro/spring/security/manual</a:t>
+            </a:r>
+          </a:p>
+          <a:p>
+            <a:r>
+              <a:rPr lang="en-US" b="1" dirty="0" smtClean="0"/>
+              <a:t>intro/spring/security/authorization</a:t>
+            </a:r>
+          </a:p>
+          <a:p>
+            <a:r>
+              <a:rPr lang="en-US" b="1" dirty="0"/>
+              <a:t>intro/spring/security/dependencies</a:t>
+            </a:r>
+            <a:endParaRPr lang="en-US" b="1" dirty="0" smtClean="0"/>
+          </a:p>
+          <a:p>
+            <a:r>
+              <a:rPr lang="en-US" dirty="0" smtClean="0"/>
+              <a:t>Exercises for Lesson 10 (see documentation)</a:t>
+            </a:r>
+            <a:endParaRPr lang="en-US" dirty="0"/>
+          </a:p>
+        </p:txBody>
+      </p:sp>
+    </p:spTree>
+    <p:extLst>
+      <p:ext uri="{BB962C8B-B14F-4D97-AF65-F5344CB8AC3E}">
+        <p14:creationId xmlns:p14="http://schemas.microsoft.com/office/powerpoint/2010/main" val="1023732187"/>
       </p:ext>
     </p:extLst>
   </p:cSld>
@@ -7134,13 +7299,8 @@
           <a:p>
             <a:r>
               <a:rPr lang="en-US" dirty="0" smtClean="0"/>
-              <a:t>When talking about security and what to implement on the server, think about HTTP/S messages, not necessarily coming from </a:t>
-            </a:r>
-            <a:r>
-              <a:rPr lang="en-US" dirty="0" smtClean="0"/>
-              <a:t>browsers</a:t>
-            </a:r>
-            <a:endParaRPr lang="en-US" dirty="0" smtClean="0"/>
+              <a:t>When talking about security and what to implement on the server, think about HTTP/S messages, not necessarily coming from browsers</a:t>
+            </a:r>
           </a:p>
           <a:p>
             <a:r>

--- a/doc/intro/slides/lesson_10_security.pptx
+++ b/doc/intro/slides/lesson_10_security.pptx
@@ -226,7 +226,7 @@
           <a:p>
             <a:fld id="{9B5B52BA-3295-0343-9E28-A260A811DD10}" type="datetimeFigureOut">
               <a:rPr lang="en-US" smtClean="0"/>
-              <a:t>2/25/18</a:t>
+              <a:t>28-Nov-18</a:t>
             </a:fld>
             <a:endParaRPr lang="en-US"/>
           </a:p>
@@ -709,7 +709,7 @@
           <a:p>
             <a:fld id="{04F1D4A2-813C-F741-B481-C92B3A596030}" type="datetimeFigureOut">
               <a:rPr lang="en-US" smtClean="0"/>
-              <a:t>2/25/18</a:t>
+              <a:t>28-Nov-18</a:t>
             </a:fld>
             <a:endParaRPr lang="en-US"/>
           </a:p>
@@ -879,7 +879,7 @@
           <a:p>
             <a:fld id="{04F1D4A2-813C-F741-B481-C92B3A596030}" type="datetimeFigureOut">
               <a:rPr lang="en-US" smtClean="0"/>
-              <a:t>2/25/18</a:t>
+              <a:t>28-Nov-18</a:t>
             </a:fld>
             <a:endParaRPr lang="en-US"/>
           </a:p>
@@ -1059,7 +1059,7 @@
           <a:p>
             <a:fld id="{04F1D4A2-813C-F741-B481-C92B3A596030}" type="datetimeFigureOut">
               <a:rPr lang="en-US" smtClean="0"/>
-              <a:t>2/25/18</a:t>
+              <a:t>28-Nov-18</a:t>
             </a:fld>
             <a:endParaRPr lang="en-US"/>
           </a:p>
@@ -1240,7 +1240,7 @@
           <a:p>
             <a:fld id="{04F1D4A2-813C-F741-B481-C92B3A596030}" type="datetimeFigureOut">
               <a:rPr lang="en-US" smtClean="0"/>
-              <a:t>2/25/18</a:t>
+              <a:t>28-Nov-18</a:t>
             </a:fld>
             <a:endParaRPr lang="en-US"/>
           </a:p>
@@ -1486,7 +1486,7 @@
           <a:p>
             <a:fld id="{04F1D4A2-813C-F741-B481-C92B3A596030}" type="datetimeFigureOut">
               <a:rPr lang="en-US" smtClean="0"/>
-              <a:t>2/25/18</a:t>
+              <a:t>28-Nov-18</a:t>
             </a:fld>
             <a:endParaRPr lang="en-US"/>
           </a:p>
@@ -1718,7 +1718,7 @@
           <a:p>
             <a:fld id="{04F1D4A2-813C-F741-B481-C92B3A596030}" type="datetimeFigureOut">
               <a:rPr lang="en-US" smtClean="0"/>
-              <a:t>2/25/18</a:t>
+              <a:t>28-Nov-18</a:t>
             </a:fld>
             <a:endParaRPr lang="en-US"/>
           </a:p>
@@ -2085,7 +2085,7 @@
           <a:p>
             <a:fld id="{04F1D4A2-813C-F741-B481-C92B3A596030}" type="datetimeFigureOut">
               <a:rPr lang="en-US" smtClean="0"/>
-              <a:t>2/25/18</a:t>
+              <a:t>28-Nov-18</a:t>
             </a:fld>
             <a:endParaRPr lang="en-US"/>
           </a:p>
@@ -2203,7 +2203,7 @@
           <a:p>
             <a:fld id="{04F1D4A2-813C-F741-B481-C92B3A596030}" type="datetimeFigureOut">
               <a:rPr lang="en-US" smtClean="0"/>
-              <a:t>2/25/18</a:t>
+              <a:t>28-Nov-18</a:t>
             </a:fld>
             <a:endParaRPr lang="en-US"/>
           </a:p>
@@ -2298,7 +2298,7 @@
           <a:p>
             <a:fld id="{04F1D4A2-813C-F741-B481-C92B3A596030}" type="datetimeFigureOut">
               <a:rPr lang="en-US" smtClean="0"/>
-              <a:t>2/25/18</a:t>
+              <a:t>28-Nov-18</a:t>
             </a:fld>
             <a:endParaRPr lang="en-US"/>
           </a:p>
@@ -2575,7 +2575,7 @@
           <a:p>
             <a:fld id="{04F1D4A2-813C-F741-B481-C92B3A596030}" type="datetimeFigureOut">
               <a:rPr lang="en-US" smtClean="0"/>
-              <a:t>2/25/18</a:t>
+              <a:t>28-Nov-18</a:t>
             </a:fld>
             <a:endParaRPr lang="en-US"/>
           </a:p>
@@ -2828,7 +2828,7 @@
           <a:p>
             <a:fld id="{04F1D4A2-813C-F741-B481-C92B3A596030}" type="datetimeFigureOut">
               <a:rPr lang="en-US" smtClean="0"/>
-              <a:t>2/25/18</a:t>
+              <a:t>28-Nov-18</a:t>
             </a:fld>
             <a:endParaRPr lang="en-US"/>
           </a:p>
@@ -3041,7 +3041,7 @@
           <a:p>
             <a:fld id="{04F1D4A2-813C-F741-B481-C92B3A596030}" type="datetimeFigureOut">
               <a:rPr lang="en-US" smtClean="0"/>
-              <a:t>2/25/18</a:t>
+              <a:t>28-Nov-18</a:t>
             </a:fld>
             <a:endParaRPr lang="en-US"/>
           </a:p>
@@ -3459,7 +3459,7 @@
         <p:spPr>
           <a:xfrm>
             <a:off x="210393" y="1122363"/>
-            <a:ext cx="11814372" cy="2387600"/>
+            <a:ext cx="11814372" cy="3324946"/>
           </a:xfrm>
         </p:spPr>
         <p:txBody>
@@ -3479,7 +3479,18 @@
             </a:r>
             <a:r>
               <a:rPr lang="en-US" dirty="0" smtClean="0"/>
-              <a:t> 1</a:t>
+              <a:t> </a:t>
+            </a:r>
+            <a:r>
+              <a:rPr lang="en-US" dirty="0" smtClean="0"/>
+              <a:t>1</a:t>
+            </a:r>
+            <a:br>
+              <a:rPr lang="en-US" dirty="0" smtClean="0"/>
+            </a:br>
+            <a:r>
+              <a:rPr lang="en-US" dirty="0" smtClean="0"/>
+              <a:t/>
             </a:r>
             <a:br>
               <a:rPr lang="en-US" dirty="0" smtClean="0"/>
@@ -3504,36 +3515,26 @@
         </p:nvSpPr>
         <p:spPr>
           <a:xfrm>
-            <a:off x="1524000" y="3920358"/>
+            <a:off x="1524000" y="5009325"/>
             <a:ext cx="9144000" cy="1337441"/>
           </a:xfrm>
         </p:spPr>
         <p:txBody>
           <a:bodyPr>
-            <a:normAutofit fontScale="92500" lnSpcReduction="10000"/>
+            <a:normAutofit/>
           </a:bodyPr>
           <a:lstStyle/>
           <a:p>
             <a:pPr algn="r"/>
             <a:r>
               <a:rPr lang="en-US" dirty="0" smtClean="0"/>
-              <a:t>Dr. Andrea Arcuri</a:t>
-            </a:r>
-          </a:p>
-          <a:p>
-            <a:pPr algn="r"/>
-            <a:r>
-              <a:rPr lang="en-US" dirty="0" smtClean="0"/>
-              <a:t>Westerdals Oslo ACT</a:t>
-            </a:r>
-          </a:p>
-          <a:p>
-            <a:pPr algn="r"/>
-            <a:r>
-              <a:rPr lang="en-US" dirty="0" smtClean="0"/>
-              <a:t>University of Luxembourg</a:t>
-            </a:r>
-            <a:endParaRPr lang="en-US" dirty="0"/>
+              <a:t>Dr. Andrea </a:t>
+            </a:r>
+            <a:r>
+              <a:rPr lang="en-US" dirty="0" smtClean="0"/>
+              <a:t>Arcuri</a:t>
+            </a:r>
+            <a:endParaRPr lang="en-US" dirty="0" smtClean="0"/>
           </a:p>
         </p:txBody>
       </p:sp>
@@ -3627,7 +3628,15 @@
           <a:p>
             <a:r>
               <a:rPr lang="en-US" dirty="0" smtClean="0"/>
-              <a:t>Server: if login is successful, respond to the POST with a “Set-Cookie” header, with some unique identifier Y</a:t>
+              <a:t>Server: if login is successful, respond to the POST with a “</a:t>
+            </a:r>
+            <a:r>
+              <a:rPr lang="en-US" i="1" dirty="0" smtClean="0"/>
+              <a:t>Set-Cookie</a:t>
+            </a:r>
+            <a:r>
+              <a:rPr lang="en-US" dirty="0" smtClean="0"/>
+              <a:t>” header, with some unique identifier Y</a:t>
             </a:r>
           </a:p>
           <a:p>

--- a/doc/intro/slides/lesson_10_security.pptx
+++ b/doc/intro/slides/lesson_10_security.pptx
@@ -226,7 +226,7 @@
           <a:p>
             <a:fld id="{9B5B52BA-3295-0343-9E28-A260A811DD10}" type="datetimeFigureOut">
               <a:rPr lang="en-US" smtClean="0"/>
-              <a:t>28-Nov-18</a:t>
+              <a:t>12/26/18</a:t>
             </a:fld>
             <a:endParaRPr lang="en-US"/>
           </a:p>
@@ -709,7 +709,7 @@
           <a:p>
             <a:fld id="{04F1D4A2-813C-F741-B481-C92B3A596030}" type="datetimeFigureOut">
               <a:rPr lang="en-US" smtClean="0"/>
-              <a:t>28-Nov-18</a:t>
+              <a:t>12/26/18</a:t>
             </a:fld>
             <a:endParaRPr lang="en-US"/>
           </a:p>
@@ -879,7 +879,7 @@
           <a:p>
             <a:fld id="{04F1D4A2-813C-F741-B481-C92B3A596030}" type="datetimeFigureOut">
               <a:rPr lang="en-US" smtClean="0"/>
-              <a:t>28-Nov-18</a:t>
+              <a:t>12/26/18</a:t>
             </a:fld>
             <a:endParaRPr lang="en-US"/>
           </a:p>
@@ -1059,7 +1059,7 @@
           <a:p>
             <a:fld id="{04F1D4A2-813C-F741-B481-C92B3A596030}" type="datetimeFigureOut">
               <a:rPr lang="en-US" smtClean="0"/>
-              <a:t>28-Nov-18</a:t>
+              <a:t>12/26/18</a:t>
             </a:fld>
             <a:endParaRPr lang="en-US"/>
           </a:p>
@@ -1240,7 +1240,7 @@
           <a:p>
             <a:fld id="{04F1D4A2-813C-F741-B481-C92B3A596030}" type="datetimeFigureOut">
               <a:rPr lang="en-US" smtClean="0"/>
-              <a:t>28-Nov-18</a:t>
+              <a:t>12/26/18</a:t>
             </a:fld>
             <a:endParaRPr lang="en-US"/>
           </a:p>
@@ -1486,7 +1486,7 @@
           <a:p>
             <a:fld id="{04F1D4A2-813C-F741-B481-C92B3A596030}" type="datetimeFigureOut">
               <a:rPr lang="en-US" smtClean="0"/>
-              <a:t>28-Nov-18</a:t>
+              <a:t>12/26/18</a:t>
             </a:fld>
             <a:endParaRPr lang="en-US"/>
           </a:p>
@@ -1718,7 +1718,7 @@
           <a:p>
             <a:fld id="{04F1D4A2-813C-F741-B481-C92B3A596030}" type="datetimeFigureOut">
               <a:rPr lang="en-US" smtClean="0"/>
-              <a:t>28-Nov-18</a:t>
+              <a:t>12/26/18</a:t>
             </a:fld>
             <a:endParaRPr lang="en-US"/>
           </a:p>
@@ -2085,7 +2085,7 @@
           <a:p>
             <a:fld id="{04F1D4A2-813C-F741-B481-C92B3A596030}" type="datetimeFigureOut">
               <a:rPr lang="en-US" smtClean="0"/>
-              <a:t>28-Nov-18</a:t>
+              <a:t>12/26/18</a:t>
             </a:fld>
             <a:endParaRPr lang="en-US"/>
           </a:p>
@@ -2203,7 +2203,7 @@
           <a:p>
             <a:fld id="{04F1D4A2-813C-F741-B481-C92B3A596030}" type="datetimeFigureOut">
               <a:rPr lang="en-US" smtClean="0"/>
-              <a:t>28-Nov-18</a:t>
+              <a:t>12/26/18</a:t>
             </a:fld>
             <a:endParaRPr lang="en-US"/>
           </a:p>
@@ -2298,7 +2298,7 @@
           <a:p>
             <a:fld id="{04F1D4A2-813C-F741-B481-C92B3A596030}" type="datetimeFigureOut">
               <a:rPr lang="en-US" smtClean="0"/>
-              <a:t>28-Nov-18</a:t>
+              <a:t>12/26/18</a:t>
             </a:fld>
             <a:endParaRPr lang="en-US"/>
           </a:p>
@@ -2575,7 +2575,7 @@
           <a:p>
             <a:fld id="{04F1D4A2-813C-F741-B481-C92B3A596030}" type="datetimeFigureOut">
               <a:rPr lang="en-US" smtClean="0"/>
-              <a:t>28-Nov-18</a:t>
+              <a:t>12/26/18</a:t>
             </a:fld>
             <a:endParaRPr lang="en-US"/>
           </a:p>
@@ -2828,7 +2828,7 @@
           <a:p>
             <a:fld id="{04F1D4A2-813C-F741-B481-C92B3A596030}" type="datetimeFigureOut">
               <a:rPr lang="en-US" smtClean="0"/>
-              <a:t>28-Nov-18</a:t>
+              <a:t>12/26/18</a:t>
             </a:fld>
             <a:endParaRPr lang="en-US"/>
           </a:p>
@@ -3041,7 +3041,7 @@
           <a:p>
             <a:fld id="{04F1D4A2-813C-F741-B481-C92B3A596030}" type="datetimeFigureOut">
               <a:rPr lang="en-US" smtClean="0"/>
-              <a:t>28-Nov-18</a:t>
+              <a:t>12/26/18</a:t>
             </a:fld>
             <a:endParaRPr lang="en-US"/>
           </a:p>
@@ -3479,11 +3479,7 @@
             </a:r>
             <a:r>
               <a:rPr lang="en-US" dirty="0" smtClean="0"/>
-              <a:t> </a:t>
-            </a:r>
-            <a:r>
-              <a:rPr lang="en-US" dirty="0" smtClean="0"/>
-              <a:t>1</a:t>
+              <a:t> 1</a:t>
             </a:r>
             <a:br>
               <a:rPr lang="en-US" dirty="0" smtClean="0"/>
@@ -3527,14 +3523,17 @@
           <a:p>
             <a:pPr algn="r"/>
             <a:r>
-              <a:rPr lang="en-US" dirty="0" smtClean="0"/>
-              <a:t>Dr. Andrea </a:t>
-            </a:r>
-            <a:r>
-              <a:rPr lang="en-US" dirty="0" smtClean="0"/>
-              <a:t>Arcuri</a:t>
-            </a:r>
-            <a:endParaRPr lang="en-US" dirty="0" smtClean="0"/>
+              <a:rPr lang="en-US" smtClean="0"/>
+              <a:t>Prof</a:t>
+            </a:r>
+            <a:r>
+              <a:rPr lang="en-US" smtClean="0"/>
+              <a:t>. </a:t>
+            </a:r>
+            <a:r>
+              <a:rPr lang="en-US" dirty="0" smtClean="0"/>
+              <a:t>Andrea Arcuri</a:t>
+            </a:r>
           </a:p>
         </p:txBody>
       </p:sp>

--- a/doc/intro/slides/lesson_10_security.pptx
+++ b/doc/intro/slides/lesson_10_security.pptx
@@ -226,7 +226,7 @@
           <a:p>
             <a:fld id="{9B5B52BA-3295-0343-9E28-A260A811DD10}" type="datetimeFigureOut">
               <a:rPr lang="en-US" smtClean="0"/>
-              <a:t>12/26/18</a:t>
+              <a:t>25-Feb-19</a:t>
             </a:fld>
             <a:endParaRPr lang="en-US"/>
           </a:p>
@@ -578,6 +578,90 @@
 </p:notes>
 </file>
 
+<file path=ppt/notesSlides/notesSlide2.xml><?xml version="1.0" encoding="utf-8"?>
+<p:notes xmlns:a="http://schemas.openxmlformats.org/drawingml/2006/main" xmlns:r="http://schemas.openxmlformats.org/officeDocument/2006/relationships" xmlns:p="http://schemas.openxmlformats.org/presentationml/2006/main">
+  <p:cSld>
+    <p:spTree>
+      <p:nvGrpSpPr>
+        <p:cNvPr id="1" name=""/>
+        <p:cNvGrpSpPr/>
+        <p:nvPr/>
+      </p:nvGrpSpPr>
+      <p:grpSpPr>
+        <a:xfrm>
+          <a:off x="0" y="0"/>
+          <a:ext cx="0" cy="0"/>
+          <a:chOff x="0" y="0"/>
+          <a:chExt cx="0" cy="0"/>
+        </a:xfrm>
+      </p:grpSpPr>
+      <p:sp>
+        <p:nvSpPr>
+          <p:cNvPr id="2" name="Slide Image Placeholder 1"/>
+          <p:cNvSpPr>
+            <a:spLocks noGrp="1" noRot="1" noChangeAspect="1"/>
+          </p:cNvSpPr>
+          <p:nvPr>
+            <p:ph type="sldImg"/>
+          </p:nvPr>
+        </p:nvSpPr>
+        <p:spPr/>
+      </p:sp>
+      <p:sp>
+        <p:nvSpPr>
+          <p:cNvPr id="3" name="Notes Placeholder 2"/>
+          <p:cNvSpPr>
+            <a:spLocks noGrp="1"/>
+          </p:cNvSpPr>
+          <p:nvPr>
+            <p:ph type="body" idx="1"/>
+          </p:nvPr>
+        </p:nvSpPr>
+        <p:spPr/>
+        <p:txBody>
+          <a:bodyPr/>
+          <a:lstStyle/>
+          <a:p>
+            <a:endParaRPr lang="en-US" dirty="0"/>
+          </a:p>
+        </p:txBody>
+      </p:sp>
+      <p:sp>
+        <p:nvSpPr>
+          <p:cNvPr id="4" name="Slide Number Placeholder 3"/>
+          <p:cNvSpPr>
+            <a:spLocks noGrp="1"/>
+          </p:cNvSpPr>
+          <p:nvPr>
+            <p:ph type="sldNum" sz="quarter" idx="10"/>
+          </p:nvPr>
+        </p:nvSpPr>
+        <p:spPr/>
+        <p:txBody>
+          <a:bodyPr/>
+          <a:lstStyle/>
+          <a:p>
+            <a:fld id="{D6FB5A5B-CC88-B64A-8F56-0DBE0ACA83DE}" type="slidenum">
+              <a:rPr lang="en-US" smtClean="0"/>
+              <a:t>24</a:t>
+            </a:fld>
+            <a:endParaRPr lang="en-US"/>
+          </a:p>
+        </p:txBody>
+      </p:sp>
+    </p:spTree>
+    <p:extLst>
+      <p:ext uri="{BB962C8B-B14F-4D97-AF65-F5344CB8AC3E}">
+        <p14:creationId xmlns:p14="http://schemas.microsoft.com/office/powerpoint/2010/main" val="1335363849"/>
+      </p:ext>
+    </p:extLst>
+  </p:cSld>
+  <p:clrMapOvr>
+    <a:masterClrMapping/>
+  </p:clrMapOvr>
+</p:notes>
+</file>
+
 <file path=ppt/slideLayouts/slideLayout1.xml><?xml version="1.0" encoding="utf-8"?>
 <p:sldLayout xmlns:a="http://schemas.openxmlformats.org/drawingml/2006/main" xmlns:r="http://schemas.openxmlformats.org/officeDocument/2006/relationships" xmlns:p="http://schemas.openxmlformats.org/presentationml/2006/main" type="title" preserve="1">
   <p:cSld name="Title Slide">
@@ -709,7 +793,7 @@
           <a:p>
             <a:fld id="{04F1D4A2-813C-F741-B481-C92B3A596030}" type="datetimeFigureOut">
               <a:rPr lang="en-US" smtClean="0"/>
-              <a:t>12/26/18</a:t>
+              <a:t>25-Feb-19</a:t>
             </a:fld>
             <a:endParaRPr lang="en-US"/>
           </a:p>
@@ -879,7 +963,7 @@
           <a:p>
             <a:fld id="{04F1D4A2-813C-F741-B481-C92B3A596030}" type="datetimeFigureOut">
               <a:rPr lang="en-US" smtClean="0"/>
-              <a:t>12/26/18</a:t>
+              <a:t>25-Feb-19</a:t>
             </a:fld>
             <a:endParaRPr lang="en-US"/>
           </a:p>
@@ -1059,7 +1143,7 @@
           <a:p>
             <a:fld id="{04F1D4A2-813C-F741-B481-C92B3A596030}" type="datetimeFigureOut">
               <a:rPr lang="en-US" smtClean="0"/>
-              <a:t>12/26/18</a:t>
+              <a:t>25-Feb-19</a:t>
             </a:fld>
             <a:endParaRPr lang="en-US"/>
           </a:p>
@@ -1240,7 +1324,7 @@
           <a:p>
             <a:fld id="{04F1D4A2-813C-F741-B481-C92B3A596030}" type="datetimeFigureOut">
               <a:rPr lang="en-US" smtClean="0"/>
-              <a:t>12/26/18</a:t>
+              <a:t>25-Feb-19</a:t>
             </a:fld>
             <a:endParaRPr lang="en-US"/>
           </a:p>
@@ -1486,7 +1570,7 @@
           <a:p>
             <a:fld id="{04F1D4A2-813C-F741-B481-C92B3A596030}" type="datetimeFigureOut">
               <a:rPr lang="en-US" smtClean="0"/>
-              <a:t>12/26/18</a:t>
+              <a:t>25-Feb-19</a:t>
             </a:fld>
             <a:endParaRPr lang="en-US"/>
           </a:p>
@@ -1718,7 +1802,7 @@
           <a:p>
             <a:fld id="{04F1D4A2-813C-F741-B481-C92B3A596030}" type="datetimeFigureOut">
               <a:rPr lang="en-US" smtClean="0"/>
-              <a:t>12/26/18</a:t>
+              <a:t>25-Feb-19</a:t>
             </a:fld>
             <a:endParaRPr lang="en-US"/>
           </a:p>
@@ -2085,7 +2169,7 @@
           <a:p>
             <a:fld id="{04F1D4A2-813C-F741-B481-C92B3A596030}" type="datetimeFigureOut">
               <a:rPr lang="en-US" smtClean="0"/>
-              <a:t>12/26/18</a:t>
+              <a:t>25-Feb-19</a:t>
             </a:fld>
             <a:endParaRPr lang="en-US"/>
           </a:p>
@@ -2203,7 +2287,7 @@
           <a:p>
             <a:fld id="{04F1D4A2-813C-F741-B481-C92B3A596030}" type="datetimeFigureOut">
               <a:rPr lang="en-US" smtClean="0"/>
-              <a:t>12/26/18</a:t>
+              <a:t>25-Feb-19</a:t>
             </a:fld>
             <a:endParaRPr lang="en-US"/>
           </a:p>
@@ -2298,7 +2382,7 @@
           <a:p>
             <a:fld id="{04F1D4A2-813C-F741-B481-C92B3A596030}" type="datetimeFigureOut">
               <a:rPr lang="en-US" smtClean="0"/>
-              <a:t>12/26/18</a:t>
+              <a:t>25-Feb-19</a:t>
             </a:fld>
             <a:endParaRPr lang="en-US"/>
           </a:p>
@@ -2575,7 +2659,7 @@
           <a:p>
             <a:fld id="{04F1D4A2-813C-F741-B481-C92B3A596030}" type="datetimeFigureOut">
               <a:rPr lang="en-US" smtClean="0"/>
-              <a:t>12/26/18</a:t>
+              <a:t>25-Feb-19</a:t>
             </a:fld>
             <a:endParaRPr lang="en-US"/>
           </a:p>
@@ -2828,7 +2912,7 @@
           <a:p>
             <a:fld id="{04F1D4A2-813C-F741-B481-C92B3A596030}" type="datetimeFigureOut">
               <a:rPr lang="en-US" smtClean="0"/>
-              <a:t>12/26/18</a:t>
+              <a:t>25-Feb-19</a:t>
             </a:fld>
             <a:endParaRPr lang="en-US"/>
           </a:p>
@@ -3041,7 +3125,7 @@
           <a:p>
             <a:fld id="{04F1D4A2-813C-F741-B481-C92B3A596030}" type="datetimeFigureOut">
               <a:rPr lang="en-US" smtClean="0"/>
-              <a:t>12/26/18</a:t>
+              <a:t>25-Feb-19</a:t>
             </a:fld>
             <a:endParaRPr lang="en-US"/>
           </a:p>
@@ -3524,11 +3608,7 @@
             <a:pPr algn="r"/>
             <a:r>
               <a:rPr lang="en-US" smtClean="0"/>
-              <a:t>Prof</a:t>
-            </a:r>
-            <a:r>
-              <a:rPr lang="en-US" smtClean="0"/>
-              <a:t>. </a:t>
+              <a:t>Prof. </a:t>
             </a:r>
             <a:r>
               <a:rPr lang="en-US" dirty="0" smtClean="0"/>
@@ -3648,14 +3728,22 @@
           <a:p>
             <a:pPr lvl="1"/>
             <a:r>
-              <a:rPr lang="en-US" dirty="0" smtClean="0"/>
+              <a:rPr lang="en-US" i="1" dirty="0" smtClean="0"/>
               <a:t>Set-Cookie: &lt;cookie-name&gt;=&lt;cookie-value&gt;</a:t>
             </a:r>
           </a:p>
           <a:p>
             <a:r>
               <a:rPr lang="en-US" dirty="0" smtClean="0"/>
-              <a:t>Browser: from now on, each following HTTP request will have “Cookie: Y” in the headers</a:t>
+              <a:t>Browser: from now on, each following HTTP request will have “</a:t>
+            </a:r>
+            <a:r>
+              <a:rPr lang="en-US" i="1" dirty="0" smtClean="0"/>
+              <a:t>Cookie: Y</a:t>
+            </a:r>
+            <a:r>
+              <a:rPr lang="en-US" dirty="0" smtClean="0"/>
+              <a:t>” in the headers</a:t>
             </a:r>
           </a:p>
           <a:p>
@@ -3754,7 +3842,15 @@
           <a:p>
             <a:r>
               <a:rPr lang="en-US" dirty="0" smtClean="0"/>
-              <a:t>Servers would usually send a “Set-Cookie” regardless of login</a:t>
+              <a:t>Servers would usually send a “</a:t>
+            </a:r>
+            <a:r>
+              <a:rPr lang="en-US" i="1" dirty="0" smtClean="0"/>
+              <a:t>Set-Cookie</a:t>
+            </a:r>
+            <a:r>
+              <a:rPr lang="en-US" dirty="0" smtClean="0"/>
+              <a:t>” regardless of login</a:t>
             </a:r>
           </a:p>
           <a:p>
@@ -5292,13 +5388,61 @@
           <a:p>
             <a:r>
               <a:rPr lang="en-US" dirty="0" smtClean="0"/>
-              <a:t>How can server verify the login of user A with password X, if the server does not know the password X, but only the hash Y=h(X)?</a:t>
-            </a:r>
-          </a:p>
-          <a:p>
-            <a:r>
-              <a:rPr lang="en-US" dirty="0" smtClean="0"/>
-              <a:t>Server needs to retrieve from database the hash Y for given user A, </a:t>
+              <a:t>How can server verify the login of user </a:t>
+            </a:r>
+            <a:r>
+              <a:rPr lang="en-US" i="1" dirty="0" smtClean="0"/>
+              <a:t>A</a:t>
+            </a:r>
+            <a:r>
+              <a:rPr lang="en-US" dirty="0" smtClean="0"/>
+              <a:t> with password </a:t>
+            </a:r>
+            <a:r>
+              <a:rPr lang="en-US" i="1" dirty="0" smtClean="0"/>
+              <a:t>X</a:t>
+            </a:r>
+            <a:r>
+              <a:rPr lang="en-US" dirty="0" smtClean="0"/>
+              <a:t>, if the server does not know the password </a:t>
+            </a:r>
+            <a:r>
+              <a:rPr lang="en-US" i="1" dirty="0" smtClean="0"/>
+              <a:t>X</a:t>
+            </a:r>
+            <a:r>
+              <a:rPr lang="en-US" dirty="0" smtClean="0"/>
+              <a:t>, but only the hash </a:t>
+            </a:r>
+            <a:r>
+              <a:rPr lang="en-US" i="1" dirty="0" smtClean="0"/>
+              <a:t>Y=h(X)</a:t>
+            </a:r>
+            <a:r>
+              <a:rPr lang="en-US" dirty="0" smtClean="0"/>
+              <a:t>?</a:t>
+            </a:r>
+          </a:p>
+          <a:p>
+            <a:r>
+              <a:rPr lang="en-US" dirty="0" smtClean="0"/>
+              <a:t>Server needs to retrieve from database the hash </a:t>
+            </a:r>
+            <a:r>
+              <a:rPr lang="en-US" i="1" dirty="0" smtClean="0"/>
+              <a:t>Y</a:t>
+            </a:r>
+            <a:r>
+              <a:rPr lang="en-US" dirty="0" smtClean="0"/>
+              <a:t> for given user </a:t>
+            </a:r>
+            <a:r>
+              <a:rPr lang="en-US" i="1" dirty="0" smtClean="0"/>
+              <a:t>A</a:t>
+            </a:r>
+            <a:r>
+              <a:rPr lang="en-US" dirty="0" smtClean="0"/>
+              <a:t>, </a:t>
             </a:r>
             <a:r>
               <a:rPr lang="en-US" dirty="0" err="1" smtClean="0"/>
@@ -5306,7 +5450,31 @@
             </a:r>
             <a:r>
               <a:rPr lang="en-US" dirty="0" smtClean="0"/>
-              <a:t> the hash h(X) from the input password X, and then verify that the new hash does match Y, </a:t>
+              <a:t> the hash </a:t>
+            </a:r>
+            <a:r>
+              <a:rPr lang="en-US" i="1" dirty="0" smtClean="0"/>
+              <a:t>h(X)</a:t>
+            </a:r>
+            <a:r>
+              <a:rPr lang="en-US" dirty="0" smtClean="0"/>
+              <a:t> from the input password </a:t>
+            </a:r>
+            <a:r>
+              <a:rPr lang="en-US" i="1" dirty="0" smtClean="0"/>
+              <a:t>X</a:t>
+            </a:r>
+            <a:r>
+              <a:rPr lang="en-US" dirty="0" smtClean="0"/>
+              <a:t>, and then verify that the new hash does match </a:t>
+            </a:r>
+            <a:r>
+              <a:rPr lang="en-US" i="1" dirty="0" smtClean="0"/>
+              <a:t>Y</a:t>
+            </a:r>
+            <a:r>
+              <a:rPr lang="en-US" dirty="0" smtClean="0"/>
+              <a:t>, </a:t>
             </a:r>
             <a:r>
               <a:rPr lang="en-US" dirty="0" err="1" smtClean="0"/>
@@ -5314,7 +5482,11 @@
             </a:r>
             <a:r>
               <a:rPr lang="en-US" dirty="0" smtClean="0"/>
-              <a:t> Y == h(X)</a:t>
+              <a:t> </a:t>
+            </a:r>
+            <a:r>
+              <a:rPr lang="en-US" i="1" dirty="0" smtClean="0"/>
+              <a:t>Y == h(X)</a:t>
             </a:r>
           </a:p>
           <a:p>
@@ -5409,7 +5581,15 @@
           <a:p>
             <a:r>
               <a:rPr lang="en-US" dirty="0" smtClean="0"/>
-              <a:t>If hacker has access to DB, from a hash Y, can calculate </a:t>
+              <a:t>If hacker has access to DB, from a hash </a:t>
+            </a:r>
+            <a:r>
+              <a:rPr lang="en-US" i="1" dirty="0" smtClean="0"/>
+              <a:t>Y</a:t>
+            </a:r>
+            <a:r>
+              <a:rPr lang="en-US" dirty="0" smtClean="0"/>
+              <a:t>, can calculate </a:t>
             </a:r>
             <a:r>
               <a:rPr lang="en-US" i="1" dirty="0" smtClean="0"/>
@@ -6496,13 +6676,16 @@
             </a:r>
             <a:r>
               <a:rPr lang="en-US" dirty="0" smtClean="0"/>
-              <a:t> ZAP </a:t>
-            </a:r>
-            <a:r>
-              <a:rPr lang="en-US" smtClean="0"/>
-              <a:t>for penetration testing)</a:t>
-            </a:r>
-            <a:endParaRPr lang="en-US" dirty="0" smtClean="0"/>
+              <a:t> </a:t>
+            </a:r>
+            <a:r>
+              <a:rPr lang="en-US" i="1" dirty="0" smtClean="0"/>
+              <a:t>ZAP</a:t>
+            </a:r>
+            <a:r>
+              <a:rPr lang="en-US" dirty="0" smtClean="0"/>
+              <a:t> for penetration testing)</a:t>
+            </a:r>
           </a:p>
           <a:p>
             <a:r>

--- a/doc/intro/slides/lesson_10_security.pptx
+++ b/doc/intro/slides/lesson_10_security.pptx
@@ -5,7 +5,7 @@
     <p:sldMasterId id="2147483648" r:id="rId1"/>
   </p:sldMasterIdLst>
   <p:notesMasterIdLst>
-    <p:notesMasterId r:id="rId32"/>
+    <p:notesMasterId r:id="rId33"/>
   </p:notesMasterIdLst>
   <p:sldIdLst>
     <p:sldId id="256" r:id="rId2"/>
@@ -26,18 +26,19 @@
     <p:sldId id="290" r:id="rId17"/>
     <p:sldId id="291" r:id="rId18"/>
     <p:sldId id="292" r:id="rId19"/>
-    <p:sldId id="293" r:id="rId20"/>
-    <p:sldId id="294" r:id="rId21"/>
-    <p:sldId id="295" r:id="rId22"/>
-    <p:sldId id="296" r:id="rId23"/>
-    <p:sldId id="299" r:id="rId24"/>
-    <p:sldId id="297" r:id="rId25"/>
-    <p:sldId id="275" r:id="rId26"/>
-    <p:sldId id="298" r:id="rId27"/>
-    <p:sldId id="300" r:id="rId28"/>
-    <p:sldId id="301" r:id="rId29"/>
-    <p:sldId id="302" r:id="rId30"/>
-    <p:sldId id="271" r:id="rId31"/>
+    <p:sldId id="303" r:id="rId20"/>
+    <p:sldId id="293" r:id="rId21"/>
+    <p:sldId id="294" r:id="rId22"/>
+    <p:sldId id="295" r:id="rId23"/>
+    <p:sldId id="296" r:id="rId24"/>
+    <p:sldId id="299" r:id="rId25"/>
+    <p:sldId id="297" r:id="rId26"/>
+    <p:sldId id="275" r:id="rId27"/>
+    <p:sldId id="298" r:id="rId28"/>
+    <p:sldId id="300" r:id="rId29"/>
+    <p:sldId id="301" r:id="rId30"/>
+    <p:sldId id="302" r:id="rId31"/>
+    <p:sldId id="271" r:id="rId32"/>
   </p:sldIdLst>
   <p:sldSz cx="12192000" cy="6858000"/>
   <p:notesSz cx="6858000" cy="9144000"/>
@@ -226,7 +227,7 @@
           <a:p>
             <a:fld id="{9B5B52BA-3295-0343-9E28-A260A811DD10}" type="datetimeFigureOut">
               <a:rPr lang="en-US" smtClean="0"/>
-              <a:t>25-Feb-19</a:t>
+              <a:t>20-Dec-19</a:t>
             </a:fld>
             <a:endParaRPr lang="en-US"/>
           </a:p>
@@ -643,7 +644,7 @@
           <a:p>
             <a:fld id="{D6FB5A5B-CC88-B64A-8F56-0DBE0ACA83DE}" type="slidenum">
               <a:rPr lang="en-US" smtClean="0"/>
-              <a:t>24</a:t>
+              <a:t>25</a:t>
             </a:fld>
             <a:endParaRPr lang="en-US"/>
           </a:p>
@@ -793,7 +794,7 @@
           <a:p>
             <a:fld id="{04F1D4A2-813C-F741-B481-C92B3A596030}" type="datetimeFigureOut">
               <a:rPr lang="en-US" smtClean="0"/>
-              <a:t>25-Feb-19</a:t>
+              <a:t>20-Dec-19</a:t>
             </a:fld>
             <a:endParaRPr lang="en-US"/>
           </a:p>
@@ -963,7 +964,7 @@
           <a:p>
             <a:fld id="{04F1D4A2-813C-F741-B481-C92B3A596030}" type="datetimeFigureOut">
               <a:rPr lang="en-US" smtClean="0"/>
-              <a:t>25-Feb-19</a:t>
+              <a:t>20-Dec-19</a:t>
             </a:fld>
             <a:endParaRPr lang="en-US"/>
           </a:p>
@@ -1143,7 +1144,7 @@
           <a:p>
             <a:fld id="{04F1D4A2-813C-F741-B481-C92B3A596030}" type="datetimeFigureOut">
               <a:rPr lang="en-US" smtClean="0"/>
-              <a:t>25-Feb-19</a:t>
+              <a:t>20-Dec-19</a:t>
             </a:fld>
             <a:endParaRPr lang="en-US"/>
           </a:p>
@@ -1324,7 +1325,7 @@
           <a:p>
             <a:fld id="{04F1D4A2-813C-F741-B481-C92B3A596030}" type="datetimeFigureOut">
               <a:rPr lang="en-US" smtClean="0"/>
-              <a:t>25-Feb-19</a:t>
+              <a:t>20-Dec-19</a:t>
             </a:fld>
             <a:endParaRPr lang="en-US"/>
           </a:p>
@@ -1570,7 +1571,7 @@
           <a:p>
             <a:fld id="{04F1D4A2-813C-F741-B481-C92B3A596030}" type="datetimeFigureOut">
               <a:rPr lang="en-US" smtClean="0"/>
-              <a:t>25-Feb-19</a:t>
+              <a:t>20-Dec-19</a:t>
             </a:fld>
             <a:endParaRPr lang="en-US"/>
           </a:p>
@@ -1802,7 +1803,7 @@
           <a:p>
             <a:fld id="{04F1D4A2-813C-F741-B481-C92B3A596030}" type="datetimeFigureOut">
               <a:rPr lang="en-US" smtClean="0"/>
-              <a:t>25-Feb-19</a:t>
+              <a:t>20-Dec-19</a:t>
             </a:fld>
             <a:endParaRPr lang="en-US"/>
           </a:p>
@@ -2169,7 +2170,7 @@
           <a:p>
             <a:fld id="{04F1D4A2-813C-F741-B481-C92B3A596030}" type="datetimeFigureOut">
               <a:rPr lang="en-US" smtClean="0"/>
-              <a:t>25-Feb-19</a:t>
+              <a:t>20-Dec-19</a:t>
             </a:fld>
             <a:endParaRPr lang="en-US"/>
           </a:p>
@@ -2287,7 +2288,7 @@
           <a:p>
             <a:fld id="{04F1D4A2-813C-F741-B481-C92B3A596030}" type="datetimeFigureOut">
               <a:rPr lang="en-US" smtClean="0"/>
-              <a:t>25-Feb-19</a:t>
+              <a:t>20-Dec-19</a:t>
             </a:fld>
             <a:endParaRPr lang="en-US"/>
           </a:p>
@@ -2382,7 +2383,7 @@
           <a:p>
             <a:fld id="{04F1D4A2-813C-F741-B481-C92B3A596030}" type="datetimeFigureOut">
               <a:rPr lang="en-US" smtClean="0"/>
-              <a:t>25-Feb-19</a:t>
+              <a:t>20-Dec-19</a:t>
             </a:fld>
             <a:endParaRPr lang="en-US"/>
           </a:p>
@@ -2659,7 +2660,7 @@
           <a:p>
             <a:fld id="{04F1D4A2-813C-F741-B481-C92B3A596030}" type="datetimeFigureOut">
               <a:rPr lang="en-US" smtClean="0"/>
-              <a:t>25-Feb-19</a:t>
+              <a:t>20-Dec-19</a:t>
             </a:fld>
             <a:endParaRPr lang="en-US"/>
           </a:p>
@@ -2912,7 +2913,7 @@
           <a:p>
             <a:fld id="{04F1D4A2-813C-F741-B481-C92B3A596030}" type="datetimeFigureOut">
               <a:rPr lang="en-US" smtClean="0"/>
-              <a:t>25-Feb-19</a:t>
+              <a:t>20-Dec-19</a:t>
             </a:fld>
             <a:endParaRPr lang="en-US"/>
           </a:p>
@@ -3125,7 +3126,7 @@
           <a:p>
             <a:fld id="{04F1D4A2-813C-F741-B481-C92B3A596030}" type="datetimeFigureOut">
               <a:rPr lang="en-US" smtClean="0"/>
-              <a:t>25-Feb-19</a:t>
+              <a:t>20-Dec-19</a:t>
             </a:fld>
             <a:endParaRPr lang="en-US"/>
           </a:p>
@@ -4936,247 +4937,54 @@
             <p:ph type="title"/>
           </p:nvPr>
         </p:nvSpPr>
-        <p:spPr/>
-        <p:txBody>
-          <a:bodyPr/>
-          <a:lstStyle/>
-          <a:p>
-            <a:r>
-              <a:rPr lang="en-US" dirty="0" smtClean="0"/>
-              <a:t>Hash Functions</a:t>
-            </a:r>
-            <a:endParaRPr lang="en-US" dirty="0"/>
-          </a:p>
-        </p:txBody>
-      </p:sp>
-      <p:sp>
-        <p:nvSpPr>
-          <p:cNvPr id="3" name="Content Placeholder 2"/>
-          <p:cNvSpPr>
-            <a:spLocks noGrp="1"/>
-          </p:cNvSpPr>
-          <p:nvPr>
-            <p:ph idx="1"/>
-          </p:nvPr>
-        </p:nvSpPr>
         <p:spPr>
           <a:xfrm>
-            <a:off x="251460" y="1825624"/>
-            <a:ext cx="11772900" cy="4758055"/>
+            <a:off x="146088" y="137877"/>
+            <a:ext cx="11903432" cy="673720"/>
           </a:xfrm>
         </p:spPr>
         <p:txBody>
           <a:bodyPr>
-            <a:normAutofit fontScale="92500" lnSpcReduction="10000"/>
+            <a:normAutofit fontScale="90000"/>
           </a:bodyPr>
           <a:lstStyle/>
           <a:p>
             <a:r>
-              <a:rPr lang="en-US" i="1" dirty="0" smtClean="0"/>
-              <a:t>h(x) = y</a:t>
-            </a:r>
-          </a:p>
-          <a:p>
-            <a:r>
-              <a:rPr lang="en-US" dirty="0" smtClean="0"/>
-              <a:t>It is just a mathematical function from </a:t>
-            </a:r>
-            <a:r>
-              <a:rPr lang="en-US" i="1" dirty="0" smtClean="0"/>
-              <a:t>x</a:t>
-            </a:r>
-            <a:r>
-              <a:rPr lang="en-US" dirty="0" smtClean="0"/>
-              <a:t> to </a:t>
-            </a:r>
-            <a:r>
-              <a:rPr lang="en-US" i="1" dirty="0" smtClean="0"/>
-              <a:t>y</a:t>
-            </a:r>
-          </a:p>
-          <a:p>
-            <a:pPr lvl="1"/>
-            <a:r>
-              <a:rPr lang="en-US" dirty="0" smtClean="0"/>
-              <a:t>In our case, </a:t>
-            </a:r>
-            <a:r>
-              <a:rPr lang="en-US" i="1" dirty="0" smtClean="0"/>
-              <a:t>x </a:t>
-            </a:r>
-            <a:r>
-              <a:rPr lang="en-US" dirty="0" smtClean="0"/>
-              <a:t>is the password, and </a:t>
-            </a:r>
-            <a:r>
-              <a:rPr lang="en-US" i="1" dirty="0" smtClean="0"/>
-              <a:t>y</a:t>
-            </a:r>
-            <a:r>
-              <a:rPr lang="en-US" dirty="0" smtClean="0"/>
-              <a:t> is its hashed value</a:t>
-            </a:r>
-          </a:p>
-          <a:p>
-            <a:r>
-              <a:rPr lang="en-US" dirty="0" smtClean="0"/>
-              <a:t>Deterministic: always same </a:t>
-            </a:r>
-            <a:r>
-              <a:rPr lang="en-US" i="1" dirty="0" smtClean="0"/>
-              <a:t>y</a:t>
-            </a:r>
-            <a:r>
-              <a:rPr lang="en-US" dirty="0" smtClean="0"/>
-              <a:t> from same input </a:t>
-            </a:r>
-            <a:r>
-              <a:rPr lang="en-US" i="1" dirty="0" smtClean="0"/>
-              <a:t>x</a:t>
-            </a:r>
-            <a:endParaRPr lang="en-US" dirty="0" smtClean="0"/>
-          </a:p>
-          <a:p>
-            <a:r>
-              <a:rPr lang="en-US" dirty="0" smtClean="0"/>
-              <a:t>Shouldn’t be able to recover </a:t>
-            </a:r>
-            <a:r>
-              <a:rPr lang="en-US" i="1" dirty="0" smtClean="0"/>
-              <a:t>x </a:t>
-            </a:r>
-            <a:r>
-              <a:rPr lang="en-US" dirty="0" smtClean="0"/>
-              <a:t>from </a:t>
-            </a:r>
-            <a:r>
-              <a:rPr lang="en-US" i="1" dirty="0" smtClean="0"/>
-              <a:t>y, </a:t>
-            </a:r>
-            <a:r>
-              <a:rPr lang="en-US" dirty="0" smtClean="0"/>
-              <a:t>even if you have full knowledge of how </a:t>
-            </a:r>
-            <a:r>
-              <a:rPr lang="en-US" i="1" dirty="0" smtClean="0"/>
-              <a:t>h()</a:t>
-            </a:r>
-            <a:r>
-              <a:rPr lang="en-US" dirty="0" smtClean="0"/>
-              <a:t> is implemented</a:t>
+              <a:rPr lang="en-US" dirty="0" smtClean="0"/>
+              <a:t>Plain-text Passwords? GDPR fines…</a:t>
             </a:r>
             <a:endParaRPr lang="en-US" dirty="0"/>
           </a:p>
-          <a:p>
-            <a:r>
-              <a:rPr lang="en-US" dirty="0" smtClean="0"/>
-              <a:t>Small change </a:t>
-            </a:r>
-            <a:r>
-              <a:rPr lang="en-US" i="1" dirty="0" smtClean="0"/>
-              <a:t>x’ </a:t>
-            </a:r>
-            <a:r>
-              <a:rPr lang="en-US" dirty="0" smtClean="0"/>
-              <a:t>to </a:t>
-            </a:r>
-            <a:r>
-              <a:rPr lang="en-US" i="1" dirty="0" smtClean="0"/>
-              <a:t>x </a:t>
-            </a:r>
-            <a:r>
-              <a:rPr lang="en-US" dirty="0" smtClean="0"/>
-              <a:t>should lead to big different between </a:t>
-            </a:r>
-            <a:r>
-              <a:rPr lang="en-US" i="1" dirty="0" smtClean="0"/>
-              <a:t>y </a:t>
-            </a:r>
-            <a:r>
-              <a:rPr lang="en-US" dirty="0" smtClean="0"/>
-              <a:t>and </a:t>
-            </a:r>
-            <a:r>
-              <a:rPr lang="en-US" i="1" dirty="0" smtClean="0"/>
-              <a:t>y’</a:t>
-            </a:r>
-          </a:p>
-          <a:p>
-            <a:pPr lvl="1"/>
-            <a:r>
-              <a:rPr lang="en-US" dirty="0" err="1"/>
-              <a:t>i</a:t>
-            </a:r>
-            <a:r>
-              <a:rPr lang="en-US" dirty="0" err="1" smtClean="0"/>
-              <a:t>e</a:t>
-            </a:r>
-            <a:r>
-              <a:rPr lang="en-US" dirty="0" smtClean="0"/>
-              <a:t>, </a:t>
-            </a:r>
-            <a:r>
-              <a:rPr lang="en-US" i="1" dirty="0" smtClean="0"/>
-              <a:t>y </a:t>
-            </a:r>
-            <a:r>
-              <a:rPr lang="en-US" dirty="0" smtClean="0"/>
-              <a:t>and </a:t>
-            </a:r>
-            <a:r>
-              <a:rPr lang="en-US" i="1" dirty="0" smtClean="0"/>
-              <a:t>y’ </a:t>
-            </a:r>
-            <a:r>
-              <a:rPr lang="en-US" dirty="0" smtClean="0"/>
-              <a:t>should look uncorrelated, and so cannot say if </a:t>
-            </a:r>
-            <a:r>
-              <a:rPr lang="en-US" i="1" dirty="0" smtClean="0"/>
-              <a:t>x </a:t>
-            </a:r>
-            <a:r>
-              <a:rPr lang="en-US" dirty="0" smtClean="0"/>
-              <a:t>and </a:t>
-            </a:r>
-            <a:r>
-              <a:rPr lang="en-US" i="1" dirty="0" smtClean="0"/>
-              <a:t>x’</a:t>
-            </a:r>
-            <a:r>
-              <a:rPr lang="en-US" dirty="0" smtClean="0"/>
-              <a:t> are similar </a:t>
-            </a:r>
-          </a:p>
-          <a:p>
-            <a:r>
-              <a:rPr lang="en-US" dirty="0" smtClean="0"/>
-              <a:t>No collision: no two values should have same hash, </a:t>
-            </a:r>
-            <a:r>
-              <a:rPr lang="en-US" dirty="0" err="1" smtClean="0"/>
-              <a:t>ie</a:t>
-            </a:r>
-            <a:r>
-              <a:rPr lang="en-US" dirty="0" smtClean="0"/>
-              <a:t> </a:t>
-            </a:r>
-            <a:r>
-              <a:rPr lang="en-US" i="1" dirty="0"/>
-              <a:t>h(x) = </a:t>
-            </a:r>
-            <a:r>
-              <a:rPr lang="en-US" i="1" dirty="0" smtClean="0"/>
-              <a:t>y = h(z)</a:t>
-            </a:r>
-            <a:endParaRPr lang="en-US" i="1" dirty="0"/>
-          </a:p>
-        </p:txBody>
-      </p:sp>
+        </p:txBody>
+      </p:sp>
+      <p:pic>
+        <p:nvPicPr>
+          <p:cNvPr id="4" name="Picture 3"/>
+          <p:cNvPicPr>
+            <a:picLocks noChangeAspect="1"/>
+          </p:cNvPicPr>
+          <p:nvPr/>
+        </p:nvPicPr>
+        <p:blipFill>
+          <a:blip r:embed="rId2"/>
+          <a:stretch>
+            <a:fillRect/>
+          </a:stretch>
+        </p:blipFill>
+        <p:spPr>
+          <a:xfrm>
+            <a:off x="2663775" y="992221"/>
+            <a:ext cx="6759826" cy="6928728"/>
+          </a:xfrm>
+          <a:prstGeom prst="rect">
+            <a:avLst/>
+          </a:prstGeom>
+        </p:spPr>
+      </p:pic>
     </p:spTree>
     <p:extLst>
       <p:ext uri="{BB962C8B-B14F-4D97-AF65-F5344CB8AC3E}">
-        <p14:creationId xmlns:p14="http://schemas.microsoft.com/office/powerpoint/2010/main" val="1438618307"/>
+        <p14:creationId xmlns:p14="http://schemas.microsoft.com/office/powerpoint/2010/main" val="594928808"/>
       </p:ext>
     </p:extLst>
   </p:cSld>
@@ -5360,7 +5168,7 @@
           <a:p>
             <a:r>
               <a:rPr lang="en-US" dirty="0" smtClean="0"/>
-              <a:t>Login with Hashed Passwords</a:t>
+              <a:t>Hash Functions</a:t>
             </a:r>
             <a:endParaRPr lang="en-US" dirty="0"/>
           </a:p>
@@ -5378,103 +5186,197 @@
         </p:nvSpPr>
         <p:spPr>
           <a:xfrm>
-            <a:off x="269507" y="1825624"/>
-            <a:ext cx="11694695" cy="4777307"/>
+            <a:off x="251460" y="1825624"/>
+            <a:ext cx="11772900" cy="4758055"/>
           </a:xfrm>
         </p:spPr>
         <p:txBody>
-          <a:bodyPr/>
-          <a:lstStyle/>
-          <a:p>
-            <a:r>
-              <a:rPr lang="en-US" dirty="0" smtClean="0"/>
-              <a:t>How can server verify the login of user </a:t>
-            </a:r>
+          <a:bodyPr>
+            <a:normAutofit fontScale="92500" lnSpcReduction="10000"/>
+          </a:bodyPr>
+          <a:lstStyle/>
+          <a:p>
             <a:r>
               <a:rPr lang="en-US" i="1" dirty="0" smtClean="0"/>
-              <a:t>A</a:t>
-            </a:r>
-            <a:r>
-              <a:rPr lang="en-US" dirty="0" smtClean="0"/>
-              <a:t> with password </a:t>
+              <a:t>h(x) = y</a:t>
+            </a:r>
+          </a:p>
+          <a:p>
+            <a:r>
+              <a:rPr lang="en-US" dirty="0" smtClean="0"/>
+              <a:t>It is just a mathematical function from </a:t>
             </a:r>
             <a:r>
               <a:rPr lang="en-US" i="1" dirty="0" smtClean="0"/>
-              <a:t>X</a:t>
-            </a:r>
-            <a:r>
-              <a:rPr lang="en-US" dirty="0" smtClean="0"/>
-              <a:t>, if the server does not know the password </a:t>
+              <a:t>x</a:t>
+            </a:r>
+            <a:r>
+              <a:rPr lang="en-US" dirty="0" smtClean="0"/>
+              <a:t> to </a:t>
             </a:r>
             <a:r>
               <a:rPr lang="en-US" i="1" dirty="0" smtClean="0"/>
-              <a:t>X</a:t>
-            </a:r>
-            <a:r>
-              <a:rPr lang="en-US" dirty="0" smtClean="0"/>
-              <a:t>, but only the hash </a:t>
+              <a:t>y</a:t>
+            </a:r>
+          </a:p>
+          <a:p>
+            <a:pPr lvl="1"/>
+            <a:r>
+              <a:rPr lang="en-US" dirty="0" smtClean="0"/>
+              <a:t>In our case, </a:t>
             </a:r>
             <a:r>
               <a:rPr lang="en-US" i="1" dirty="0" smtClean="0"/>
-              <a:t>Y=h(X)</a:t>
-            </a:r>
-            <a:r>
-              <a:rPr lang="en-US" dirty="0" smtClean="0"/>
-              <a:t>?</a:t>
-            </a:r>
-          </a:p>
-          <a:p>
-            <a:r>
-              <a:rPr lang="en-US" dirty="0" smtClean="0"/>
-              <a:t>Server needs to retrieve from database the hash </a:t>
+              <a:t>x </a:t>
+            </a:r>
+            <a:r>
+              <a:rPr lang="en-US" dirty="0" smtClean="0"/>
+              <a:t>is the password, and </a:t>
             </a:r>
             <a:r>
               <a:rPr lang="en-US" i="1" dirty="0" smtClean="0"/>
-              <a:t>Y</a:t>
-            </a:r>
-            <a:r>
-              <a:rPr lang="en-US" dirty="0" smtClean="0"/>
-              <a:t> for given user </a:t>
+              <a:t>y</a:t>
+            </a:r>
+            <a:r>
+              <a:rPr lang="en-US" dirty="0" smtClean="0"/>
+              <a:t> is its hashed value</a:t>
+            </a:r>
+          </a:p>
+          <a:p>
+            <a:r>
+              <a:rPr lang="en-US" dirty="0" smtClean="0"/>
+              <a:t>Deterministic: always same </a:t>
             </a:r>
             <a:r>
               <a:rPr lang="en-US" i="1" dirty="0" smtClean="0"/>
-              <a:t>A</a:t>
+              <a:t>y</a:t>
+            </a:r>
+            <a:r>
+              <a:rPr lang="en-US" dirty="0" smtClean="0"/>
+              <a:t> from same input </a:t>
+            </a:r>
+            <a:r>
+              <a:rPr lang="en-US" i="1" dirty="0" smtClean="0"/>
+              <a:t>x</a:t>
+            </a:r>
+            <a:endParaRPr lang="en-US" dirty="0" smtClean="0"/>
+          </a:p>
+          <a:p>
+            <a:r>
+              <a:rPr lang="en-US" dirty="0" smtClean="0"/>
+              <a:t>Shouldn’t be able to recover </a:t>
+            </a:r>
+            <a:r>
+              <a:rPr lang="en-US" i="1" dirty="0" smtClean="0"/>
+              <a:t>x </a:t>
+            </a:r>
+            <a:r>
+              <a:rPr lang="en-US" dirty="0" smtClean="0"/>
+              <a:t>from </a:t>
+            </a:r>
+            <a:r>
+              <a:rPr lang="en-US" i="1" dirty="0" smtClean="0"/>
+              <a:t>y, </a:t>
+            </a:r>
+            <a:r>
+              <a:rPr lang="en-US" dirty="0" smtClean="0"/>
+              <a:t>even if you have full knowledge of how </a:t>
+            </a:r>
+            <a:r>
+              <a:rPr lang="en-US" i="1" dirty="0" smtClean="0"/>
+              <a:t>h()</a:t>
+            </a:r>
+            <a:r>
+              <a:rPr lang="en-US" dirty="0" smtClean="0"/>
+              <a:t> is implemented</a:t>
+            </a:r>
+            <a:endParaRPr lang="en-US" dirty="0"/>
+          </a:p>
+          <a:p>
+            <a:r>
+              <a:rPr lang="en-US" dirty="0" smtClean="0"/>
+              <a:t>Small change </a:t>
+            </a:r>
+            <a:r>
+              <a:rPr lang="en-US" i="1" dirty="0" smtClean="0"/>
+              <a:t>x’ </a:t>
+            </a:r>
+            <a:r>
+              <a:rPr lang="en-US" dirty="0" smtClean="0"/>
+              <a:t>to </a:t>
+            </a:r>
+            <a:r>
+              <a:rPr lang="en-US" i="1" dirty="0" smtClean="0"/>
+              <a:t>x </a:t>
+            </a:r>
+            <a:r>
+              <a:rPr lang="en-US" dirty="0" smtClean="0"/>
+              <a:t>should lead to big different between </a:t>
+            </a:r>
+            <a:r>
+              <a:rPr lang="en-US" i="1" dirty="0" smtClean="0"/>
+              <a:t>y </a:t>
+            </a:r>
+            <a:r>
+              <a:rPr lang="en-US" dirty="0" smtClean="0"/>
+              <a:t>and </a:t>
+            </a:r>
+            <a:r>
+              <a:rPr lang="en-US" i="1" dirty="0" smtClean="0"/>
+              <a:t>y’</a:t>
+            </a:r>
+          </a:p>
+          <a:p>
+            <a:pPr lvl="1"/>
+            <a:r>
+              <a:rPr lang="en-US" dirty="0" err="1"/>
+              <a:t>i</a:t>
+            </a:r>
+            <a:r>
+              <a:rPr lang="en-US" dirty="0" err="1" smtClean="0"/>
+              <a:t>e</a:t>
             </a:r>
             <a:r>
               <a:rPr lang="en-US" dirty="0" smtClean="0"/>
               <a:t>, </a:t>
             </a:r>
             <a:r>
-              <a:rPr lang="en-US" dirty="0" err="1" smtClean="0"/>
-              <a:t>recompute</a:t>
-            </a:r>
-            <a:r>
-              <a:rPr lang="en-US" dirty="0" smtClean="0"/>
-              <a:t> the hash </a:t>
-            </a:r>
-            <a:r>
               <a:rPr lang="en-US" i="1" dirty="0" smtClean="0"/>
-              <a:t>h(X)</a:t>
-            </a:r>
-            <a:r>
-              <a:rPr lang="en-US" dirty="0" smtClean="0"/>
-              <a:t> from the input password </a:t>
+              <a:t>y </a:t>
+            </a:r>
+            <a:r>
+              <a:rPr lang="en-US" dirty="0" smtClean="0"/>
+              <a:t>and </a:t>
             </a:r>
             <a:r>
               <a:rPr lang="en-US" i="1" dirty="0" smtClean="0"/>
-              <a:t>X</a:t>
-            </a:r>
-            <a:r>
-              <a:rPr lang="en-US" dirty="0" smtClean="0"/>
-              <a:t>, and then verify that the new hash does match </a:t>
+              <a:t>y’ </a:t>
+            </a:r>
+            <a:r>
+              <a:rPr lang="en-US" dirty="0" smtClean="0"/>
+              <a:t>should look uncorrelated, and so cannot say if </a:t>
             </a:r>
             <a:r>
               <a:rPr lang="en-US" i="1" dirty="0" smtClean="0"/>
-              <a:t>Y</a:t>
-            </a:r>
-            <a:r>
-              <a:rPr lang="en-US" dirty="0" smtClean="0"/>
-              <a:t>, </a:t>
+              <a:t>x </a:t>
+            </a:r>
+            <a:r>
+              <a:rPr lang="en-US" dirty="0" smtClean="0"/>
+              <a:t>and </a:t>
+            </a:r>
+            <a:r>
+              <a:rPr lang="en-US" i="1" dirty="0" smtClean="0"/>
+              <a:t>x’</a:t>
+            </a:r>
+            <a:r>
+              <a:rPr lang="en-US" dirty="0" smtClean="0"/>
+              <a:t> are similar </a:t>
+            </a:r>
+          </a:p>
+          <a:p>
+            <a:r>
+              <a:rPr lang="en-US" dirty="0" smtClean="0"/>
+              <a:t>No collision: no two values should have same hash, </a:t>
             </a:r>
             <a:r>
               <a:rPr lang="en-US" dirty="0" err="1" smtClean="0"/>
@@ -5485,19 +5387,21 @@
               <a:t> </a:t>
             </a:r>
             <a:r>
+              <a:rPr lang="en-US" i="1" dirty="0"/>
+              <a:t>h(x) = </a:t>
+            </a:r>
+            <a:r>
               <a:rPr lang="en-US" i="1" dirty="0" smtClean="0"/>
-              <a:t>Y == h(X)</a:t>
-            </a:r>
-          </a:p>
-          <a:p>
-            <a:endParaRPr lang="en-US" dirty="0"/>
+              <a:t>y = h(z)</a:t>
+            </a:r>
+            <a:endParaRPr lang="en-US" i="1" dirty="0"/>
           </a:p>
         </p:txBody>
       </p:sp>
     </p:spTree>
     <p:extLst>
       <p:ext uri="{BB962C8B-B14F-4D97-AF65-F5344CB8AC3E}">
-        <p14:creationId xmlns:p14="http://schemas.microsoft.com/office/powerpoint/2010/main" val="42993303"/>
+        <p14:creationId xmlns:p14="http://schemas.microsoft.com/office/powerpoint/2010/main" val="1438618307"/>
       </p:ext>
     </p:extLst>
   </p:cSld>
@@ -5540,12 +5444,8 @@
           <a:lstStyle/>
           <a:p>
             <a:r>
-              <a:rPr lang="en-US" i="1" dirty="0" smtClean="0"/>
-              <a:t>Salted</a:t>
-            </a:r>
-            <a:r>
-              <a:rPr lang="en-US" dirty="0" smtClean="0"/>
-              <a:t> Passwords</a:t>
+              <a:rPr lang="en-US" dirty="0" smtClean="0"/>
+              <a:t>Login with Hashed Passwords</a:t>
             </a:r>
             <a:endParaRPr lang="en-US" dirty="0"/>
           </a:p>
@@ -5563,25 +5463,55 @@
         </p:nvSpPr>
         <p:spPr>
           <a:xfrm>
-            <a:off x="308008" y="1825624"/>
-            <a:ext cx="11704320" cy="4883184"/>
+            <a:off x="269507" y="1825624"/>
+            <a:ext cx="11694695" cy="4777307"/>
           </a:xfrm>
         </p:spPr>
         <p:txBody>
-          <a:bodyPr>
-            <a:normAutofit fontScale="85000" lnSpcReduction="20000"/>
-          </a:bodyPr>
-          <a:lstStyle/>
-          <a:p>
-            <a:r>
-              <a:rPr lang="en-US" dirty="0" smtClean="0"/>
-              <a:t>Cannot expect users to have long passwords</a:t>
-            </a:r>
-          </a:p>
-          <a:p>
-            <a:r>
-              <a:rPr lang="en-US" dirty="0" smtClean="0"/>
-              <a:t>If hacker has access to DB, from a hash </a:t>
+          <a:bodyPr/>
+          <a:lstStyle/>
+          <a:p>
+            <a:r>
+              <a:rPr lang="en-US" dirty="0" smtClean="0"/>
+              <a:t>How can server verify the login of user </a:t>
+            </a:r>
+            <a:r>
+              <a:rPr lang="en-US" i="1" dirty="0" smtClean="0"/>
+              <a:t>A</a:t>
+            </a:r>
+            <a:r>
+              <a:rPr lang="en-US" dirty="0" smtClean="0"/>
+              <a:t> with password </a:t>
+            </a:r>
+            <a:r>
+              <a:rPr lang="en-US" i="1" dirty="0" smtClean="0"/>
+              <a:t>X</a:t>
+            </a:r>
+            <a:r>
+              <a:rPr lang="en-US" dirty="0" smtClean="0"/>
+              <a:t>, if the server does not know the password </a:t>
+            </a:r>
+            <a:r>
+              <a:rPr lang="en-US" i="1" dirty="0" smtClean="0"/>
+              <a:t>X</a:t>
+            </a:r>
+            <a:r>
+              <a:rPr lang="en-US" dirty="0" smtClean="0"/>
+              <a:t>, but only the hash </a:t>
+            </a:r>
+            <a:r>
+              <a:rPr lang="en-US" i="1" dirty="0" smtClean="0"/>
+              <a:t>Y=h(X)</a:t>
+            </a:r>
+            <a:r>
+              <a:rPr lang="en-US" dirty="0" smtClean="0"/>
+              <a:t>?</a:t>
+            </a:r>
+          </a:p>
+          <a:p>
+            <a:r>
+              <a:rPr lang="en-US" dirty="0" smtClean="0"/>
+              <a:t>Server needs to retrieve from database the hash </a:t>
             </a:r>
             <a:r>
               <a:rPr lang="en-US" i="1" dirty="0" smtClean="0"/>
@@ -5589,45 +5519,47 @@
             </a:r>
             <a:r>
               <a:rPr lang="en-US" dirty="0" smtClean="0"/>
-              <a:t>, can calculate </a:t>
+              <a:t> for given user </a:t>
             </a:r>
             <a:r>
               <a:rPr lang="en-US" i="1" dirty="0" smtClean="0"/>
-              <a:t>h(K)</a:t>
-            </a:r>
-            <a:r>
-              <a:rPr lang="en-US" dirty="0" smtClean="0"/>
-              <a:t> for all strings K up to certain length N, </a:t>
+              <a:t>A</a:t>
+            </a:r>
+            <a:r>
+              <a:rPr lang="en-US" dirty="0" smtClean="0"/>
+              <a:t>, </a:t>
             </a:r>
             <a:r>
               <a:rPr lang="en-US" dirty="0" err="1" smtClean="0"/>
-              <a:t>eg</a:t>
-            </a:r>
-            <a:r>
-              <a:rPr lang="en-US" dirty="0" smtClean="0"/>
-              <a:t> N=8, and check if any </a:t>
+              <a:t>recompute</a:t>
+            </a:r>
+            <a:r>
+              <a:rPr lang="en-US" dirty="0" smtClean="0"/>
+              <a:t> the hash </a:t>
             </a:r>
             <a:r>
               <a:rPr lang="en-US" i="1" dirty="0" smtClean="0"/>
-              <a:t>h(K)</a:t>
-            </a:r>
-            <a:r>
-              <a:rPr lang="en-US" dirty="0" smtClean="0"/>
-              <a:t> does match Y</a:t>
-            </a:r>
-          </a:p>
-          <a:p>
-            <a:r>
-              <a:rPr lang="en-US" dirty="0" smtClean="0"/>
-              <a:t>For small N, this is doable. Do not even need to run </a:t>
+              <a:t>h(X)</a:t>
+            </a:r>
+            <a:r>
+              <a:rPr lang="en-US" dirty="0" smtClean="0"/>
+              <a:t> from the input password </a:t>
             </a:r>
             <a:r>
               <a:rPr lang="en-US" i="1" dirty="0" smtClean="0"/>
-              <a:t>h(), </a:t>
-            </a:r>
-            <a:r>
-              <a:rPr lang="en-US" dirty="0" smtClean="0"/>
-              <a:t>as those values can be pre-computed, </a:t>
+              <a:t>X</a:t>
+            </a:r>
+            <a:r>
+              <a:rPr lang="en-US" dirty="0" smtClean="0"/>
+              <a:t>, and then verify that the new hash does match </a:t>
+            </a:r>
+            <a:r>
+              <a:rPr lang="en-US" i="1" dirty="0" smtClean="0"/>
+              <a:t>Y</a:t>
+            </a:r>
+            <a:r>
+              <a:rPr lang="en-US" dirty="0" smtClean="0"/>
+              <a:t>, </a:t>
             </a:r>
             <a:r>
               <a:rPr lang="en-US" dirty="0" err="1" smtClean="0"/>
@@ -5639,52 +5571,10 @@
             </a:r>
             <a:r>
               <a:rPr lang="en-US" i="1" dirty="0" smtClean="0"/>
-              <a:t>Rainbow Tables</a:t>
-            </a:r>
-          </a:p>
-          <a:p>
-            <a:r>
-              <a:rPr lang="en-US" dirty="0" smtClean="0"/>
-              <a:t>Further issue: two users with same passwords will have same hash Y</a:t>
-            </a:r>
-          </a:p>
-          <a:p>
-            <a:r>
-              <a:rPr lang="en-US" dirty="0" smtClean="0"/>
-              <a:t>Solution: add a random </a:t>
-            </a:r>
-            <a:r>
-              <a:rPr lang="en-US" i="1" dirty="0" smtClean="0"/>
-              <a:t>salt</a:t>
-            </a:r>
-            <a:r>
-              <a:rPr lang="en-US" dirty="0"/>
-              <a:t> </a:t>
-            </a:r>
-            <a:r>
-              <a:rPr lang="en-US" dirty="0" smtClean="0"/>
-              <a:t>S (</a:t>
-            </a:r>
-            <a:r>
-              <a:rPr lang="en-US" dirty="0" err="1" smtClean="0"/>
-              <a:t>eg</a:t>
-            </a:r>
-            <a:r>
-              <a:rPr lang="en-US" dirty="0" smtClean="0"/>
-              <a:t> a random long string) to the password before hashing, and store the salt together with the hash in the database</a:t>
-            </a:r>
-          </a:p>
-          <a:p>
-            <a:r>
-              <a:rPr lang="en-US" i="1" dirty="0" smtClean="0"/>
-              <a:t>h(X+S)=Y</a:t>
-            </a:r>
-          </a:p>
-          <a:p>
-            <a:r>
-              <a:rPr lang="en-US" dirty="0" smtClean="0"/>
-              <a:t>Each user will have its own random salt</a:t>
-            </a:r>
+              <a:t>Y == h(X)</a:t>
+            </a:r>
+          </a:p>
+          <a:p>
             <a:endParaRPr lang="en-US" dirty="0"/>
           </a:p>
         </p:txBody>
@@ -5692,7 +5582,7 @@
     </p:spTree>
     <p:extLst>
       <p:ext uri="{BB962C8B-B14F-4D97-AF65-F5344CB8AC3E}">
-        <p14:creationId xmlns:p14="http://schemas.microsoft.com/office/powerpoint/2010/main" val="1454275460"/>
+        <p14:creationId xmlns:p14="http://schemas.microsoft.com/office/powerpoint/2010/main" val="42993303"/>
       </p:ext>
     </p:extLst>
   </p:cSld>
@@ -5735,8 +5625,12 @@
           <a:lstStyle/>
           <a:p>
             <a:r>
-              <a:rPr lang="en-US" dirty="0" smtClean="0"/>
-              <a:t>Pepper</a:t>
+              <a:rPr lang="en-US" i="1" dirty="0" smtClean="0"/>
+              <a:t>Salted</a:t>
+            </a:r>
+            <a:r>
+              <a:rPr lang="en-US" dirty="0" smtClean="0"/>
+              <a:t> Passwords</a:t>
             </a:r>
             <a:endParaRPr lang="en-US" dirty="0"/>
           </a:p>
@@ -5754,73 +5648,107 @@
         </p:nvSpPr>
         <p:spPr>
           <a:xfrm>
-            <a:off x="173255" y="1825624"/>
-            <a:ext cx="11800572" cy="4902435"/>
+            <a:off x="308008" y="1825624"/>
+            <a:ext cx="11704320" cy="4883184"/>
           </a:xfrm>
         </p:spPr>
         <p:txBody>
           <a:bodyPr>
-            <a:normAutofit fontScale="92500"/>
+            <a:normAutofit fontScale="85000" lnSpcReduction="20000"/>
           </a:bodyPr>
           <a:lstStyle/>
           <a:p>
             <a:r>
               <a:rPr lang="en-US" dirty="0" smtClean="0"/>
-              <a:t>If hacker has access to the database, s/he can read the </a:t>
+              <a:t>Cannot expect users to have long passwords</a:t>
+            </a:r>
+          </a:p>
+          <a:p>
+            <a:r>
+              <a:rPr lang="en-US" dirty="0" smtClean="0"/>
+              <a:t>If hacker has access to DB, from a hash </a:t>
+            </a:r>
+            <a:r>
+              <a:rPr lang="en-US" i="1" dirty="0" smtClean="0"/>
+              <a:t>Y</a:t>
+            </a:r>
+            <a:r>
+              <a:rPr lang="en-US" dirty="0" smtClean="0"/>
+              <a:t>, can calculate </a:t>
+            </a:r>
+            <a:r>
+              <a:rPr lang="en-US" i="1" dirty="0" smtClean="0"/>
+              <a:t>h(K)</a:t>
+            </a:r>
+            <a:r>
+              <a:rPr lang="en-US" dirty="0" smtClean="0"/>
+              <a:t> for all strings K up to certain length N, </a:t>
+            </a:r>
+            <a:r>
+              <a:rPr lang="en-US" dirty="0" err="1" smtClean="0"/>
+              <a:t>eg</a:t>
+            </a:r>
+            <a:r>
+              <a:rPr lang="en-US" dirty="0" smtClean="0"/>
+              <a:t> N=8, and check if any </a:t>
+            </a:r>
+            <a:r>
+              <a:rPr lang="en-US" i="1" dirty="0" smtClean="0"/>
+              <a:t>h(K)</a:t>
+            </a:r>
+            <a:r>
+              <a:rPr lang="en-US" dirty="0" smtClean="0"/>
+              <a:t> does match Y</a:t>
+            </a:r>
+          </a:p>
+          <a:p>
+            <a:r>
+              <a:rPr lang="en-US" dirty="0" smtClean="0"/>
+              <a:t>For small N, this is doable. Do not even need to run </a:t>
+            </a:r>
+            <a:r>
+              <a:rPr lang="en-US" i="1" dirty="0" smtClean="0"/>
+              <a:t>h(), </a:t>
+            </a:r>
+            <a:r>
+              <a:rPr lang="en-US" dirty="0" smtClean="0"/>
+              <a:t>as those values can be pre-computed, </a:t>
+            </a:r>
+            <a:r>
+              <a:rPr lang="en-US" dirty="0" err="1" smtClean="0"/>
+              <a:t>ie</a:t>
+            </a:r>
+            <a:r>
+              <a:rPr lang="en-US" dirty="0" smtClean="0"/>
+              <a:t> </a:t>
+            </a:r>
+            <a:r>
+              <a:rPr lang="en-US" i="1" dirty="0" smtClean="0"/>
+              <a:t>Rainbow Tables</a:t>
+            </a:r>
+          </a:p>
+          <a:p>
+            <a:r>
+              <a:rPr lang="en-US" dirty="0" smtClean="0"/>
+              <a:t>Further issue: two users with same passwords will have same hash Y</a:t>
+            </a:r>
+          </a:p>
+          <a:p>
+            <a:r>
+              <a:rPr lang="en-US" dirty="0" smtClean="0"/>
+              <a:t>Solution: add a random </a:t>
             </a:r>
             <a:r>
               <a:rPr lang="en-US" i="1" dirty="0" smtClean="0"/>
               <a:t>salt</a:t>
             </a:r>
             <a:r>
-              <a:rPr lang="en-US" dirty="0" smtClean="0"/>
-              <a:t> values  </a:t>
-            </a:r>
-          </a:p>
-          <a:p>
-            <a:r>
-              <a:rPr lang="en-US" dirty="0" smtClean="0"/>
-              <a:t>Still non-trivial to break the hash code, but doable</a:t>
-            </a:r>
-          </a:p>
-          <a:p>
-            <a:r>
-              <a:rPr lang="en-US" i="1" dirty="0" smtClean="0"/>
-              <a:t>Pepper</a:t>
-            </a:r>
-            <a:r>
-              <a:rPr lang="en-US" dirty="0" smtClean="0"/>
-              <a:t>: yet another random string added before calculating the hash</a:t>
-            </a:r>
-          </a:p>
-          <a:p>
-            <a:r>
-              <a:rPr lang="en-US" dirty="0" smtClean="0"/>
-              <a:t>NOT stored in the database, just somewhere else</a:t>
-            </a:r>
-          </a:p>
-          <a:p>
-            <a:pPr lvl="1"/>
-            <a:r>
-              <a:rPr lang="en-US" dirty="0" smtClean="0"/>
-              <a:t>  files, remote server, hardcoded in the source code, </a:t>
-            </a:r>
-            <a:r>
-              <a:rPr lang="en-US" dirty="0" err="1" smtClean="0"/>
-              <a:t>etc</a:t>
-            </a:r>
-            <a:endParaRPr lang="en-US" dirty="0" smtClean="0"/>
-          </a:p>
-          <a:p>
-            <a:r>
-              <a:rPr lang="en-US" dirty="0" smtClean="0"/>
-              <a:t>One single pepper string for whole application (and not per user)</a:t>
-            </a:r>
-          </a:p>
-          <a:p>
-            <a:r>
-              <a:rPr lang="en-US" dirty="0" smtClean="0"/>
-              <a:t>Help mitigating if hacker gets access to the database (</a:t>
+              <a:rPr lang="en-US" dirty="0"/>
+              <a:t> </a:t>
+            </a:r>
+            <a:r>
+              <a:rPr lang="en-US" dirty="0" smtClean="0"/>
+              <a:t>S (</a:t>
             </a:r>
             <a:r>
               <a:rPr lang="en-US" dirty="0" err="1" smtClean="0"/>
@@ -5828,7 +5756,19 @@
             </a:r>
             <a:r>
               <a:rPr lang="en-US" dirty="0" smtClean="0"/>
-              <a:t> via SQL Injection), as would not be able to read the pepper</a:t>
+              <a:t> a random long string) to the password before hashing, and store the salt together with the hash in the database</a:t>
+            </a:r>
+          </a:p>
+          <a:p>
+            <a:r>
+              <a:rPr lang="en-US" i="1" dirty="0" smtClean="0"/>
+              <a:t>h(X+S)=Y</a:t>
+            </a:r>
+          </a:p>
+          <a:p>
+            <a:r>
+              <a:rPr lang="en-US" dirty="0" smtClean="0"/>
+              <a:t>Each user will have its own random salt</a:t>
             </a:r>
             <a:endParaRPr lang="en-US" dirty="0"/>
           </a:p>
@@ -5837,7 +5777,7 @@
     </p:spTree>
     <p:extLst>
       <p:ext uri="{BB962C8B-B14F-4D97-AF65-F5344CB8AC3E}">
-        <p14:creationId xmlns:p14="http://schemas.microsoft.com/office/powerpoint/2010/main" val="1020950200"/>
+        <p14:creationId xmlns:p14="http://schemas.microsoft.com/office/powerpoint/2010/main" val="1454275460"/>
       </p:ext>
     </p:extLst>
   </p:cSld>
@@ -5881,7 +5821,7 @@
           <a:p>
             <a:r>
               <a:rPr lang="en-US" dirty="0" smtClean="0"/>
-              <a:t>Hash Function Speed</a:t>
+              <a:t>Pepper</a:t>
             </a:r>
             <a:endParaRPr lang="en-US" dirty="0"/>
           </a:p>
@@ -5899,60 +5839,73 @@
         </p:nvSpPr>
         <p:spPr>
           <a:xfrm>
-            <a:off x="211755" y="1825624"/>
-            <a:ext cx="11819823" cy="4912059"/>
+            <a:off x="173255" y="1825624"/>
+            <a:ext cx="11800572" cy="4902435"/>
           </a:xfrm>
         </p:spPr>
         <p:txBody>
-          <a:bodyPr/>
-          <a:lstStyle/>
-          <a:p>
-            <a:r>
-              <a:rPr lang="en-US" dirty="0" smtClean="0"/>
-              <a:t>You want hash functions that are </a:t>
+          <a:bodyPr>
+            <a:normAutofit fontScale="92500"/>
+          </a:bodyPr>
+          <a:lstStyle/>
+          <a:p>
+            <a:r>
+              <a:rPr lang="en-US" dirty="0" smtClean="0"/>
+              <a:t>If hacker has access to the database, s/he can read the </a:t>
             </a:r>
             <a:r>
               <a:rPr lang="en-US" i="1" dirty="0" smtClean="0"/>
-              <a:t>slow, </a:t>
-            </a:r>
-            <a:r>
-              <a:rPr lang="en-US" dirty="0" smtClean="0"/>
-              <a:t>to make it difficult for the hackers to break them </a:t>
+              <a:t>salt</a:t>
+            </a:r>
+            <a:r>
+              <a:rPr lang="en-US" dirty="0" smtClean="0"/>
+              <a:t> values  </a:t>
+            </a:r>
+          </a:p>
+          <a:p>
+            <a:r>
+              <a:rPr lang="en-US" dirty="0" smtClean="0"/>
+              <a:t>Still non-trivial to break the hash code, but doable</a:t>
+            </a:r>
+          </a:p>
+          <a:p>
+            <a:r>
+              <a:rPr lang="en-US" i="1" dirty="0" smtClean="0"/>
+              <a:t>Pepper</a:t>
+            </a:r>
+            <a:r>
+              <a:rPr lang="en-US" dirty="0" smtClean="0"/>
+              <a:t>: yet another random string added before calculating the hash</a:t>
+            </a:r>
+          </a:p>
+          <a:p>
+            <a:r>
+              <a:rPr lang="en-US" dirty="0" smtClean="0"/>
+              <a:t>NOT stored in the database, just somewhere else</a:t>
             </a:r>
           </a:p>
           <a:p>
             <a:pPr lvl="1"/>
             <a:r>
               <a:rPr lang="en-US" dirty="0" smtClean="0"/>
-              <a:t>but still manageable time on server to do authentication</a:t>
-            </a:r>
-          </a:p>
-          <a:p>
-            <a:r>
-              <a:rPr lang="en-US" i="1" dirty="0" err="1" smtClean="0"/>
-              <a:t>BCrypt</a:t>
-            </a:r>
-            <a:r>
-              <a:rPr lang="en-US" i="1" dirty="0" smtClean="0"/>
-              <a:t> </a:t>
-            </a:r>
-            <a:r>
-              <a:rPr lang="en-US" dirty="0" smtClean="0"/>
-              <a:t>is the most used hash function for passwords</a:t>
-            </a:r>
-          </a:p>
-          <a:p>
-            <a:r>
-              <a:rPr lang="en-US" dirty="0" smtClean="0"/>
-              <a:t>However, you can make </a:t>
-            </a:r>
-            <a:r>
-              <a:rPr lang="en-US" i="1" dirty="0" smtClean="0"/>
-              <a:t>slow</a:t>
-            </a:r>
-            <a:r>
-              <a:rPr lang="en-US" dirty="0" smtClean="0"/>
-              <a:t> any hash function (</a:t>
+              <a:t>  files, remote server, hardcoded in the source code, </a:t>
+            </a:r>
+            <a:r>
+              <a:rPr lang="en-US" dirty="0" err="1" smtClean="0"/>
+              <a:t>etc</a:t>
+            </a:r>
+            <a:endParaRPr lang="en-US" dirty="0" smtClean="0"/>
+          </a:p>
+          <a:p>
+            <a:r>
+              <a:rPr lang="en-US" dirty="0" smtClean="0"/>
+              <a:t>One single pepper string for whole application (and not per user)</a:t>
+            </a:r>
+          </a:p>
+          <a:p>
+            <a:r>
+              <a:rPr lang="en-US" dirty="0" smtClean="0"/>
+              <a:t>Help mitigating if hacker gets access to the database (</a:t>
             </a:r>
             <a:r>
               <a:rPr lang="en-US" dirty="0" err="1" smtClean="0"/>
@@ -5960,34 +5913,8 @@
             </a:r>
             <a:r>
               <a:rPr lang="en-US" dirty="0" smtClean="0"/>
-              <a:t> SHA256) by using a loop, in which  the output is re-hashed N times</a:t>
-            </a:r>
-          </a:p>
-          <a:p>
-            <a:pPr lvl="1"/>
-            <a:r>
-              <a:rPr lang="en-US" i="1" dirty="0" err="1"/>
-              <a:t>e</a:t>
-            </a:r>
-            <a:r>
-              <a:rPr lang="en-US" i="1" dirty="0" err="1" smtClean="0"/>
-              <a:t>g</a:t>
-            </a:r>
-            <a:r>
-              <a:rPr lang="en-US" i="1" dirty="0" smtClean="0"/>
-              <a:t>, N=6 h(h(h(h(h(h(x)))))) </a:t>
-            </a:r>
-            <a:r>
-              <a:rPr lang="en-US" i="1" dirty="0"/>
-              <a:t>= y</a:t>
-            </a:r>
-          </a:p>
-          <a:p>
-            <a:pPr lvl="1"/>
-            <a:endParaRPr lang="en-US" dirty="0" smtClean="0"/>
-          </a:p>
-          <a:p>
-            <a:pPr lvl="1"/>
+              <a:t> via SQL Injection), as would not be able to read the pepper</a:t>
+            </a:r>
             <a:endParaRPr lang="en-US" dirty="0"/>
           </a:p>
         </p:txBody>
@@ -5995,7 +5922,7 @@
     </p:spTree>
     <p:extLst>
       <p:ext uri="{BB962C8B-B14F-4D97-AF65-F5344CB8AC3E}">
-        <p14:creationId xmlns:p14="http://schemas.microsoft.com/office/powerpoint/2010/main" val="3281658189"/>
+        <p14:creationId xmlns:p14="http://schemas.microsoft.com/office/powerpoint/2010/main" val="1020950200"/>
       </p:ext>
     </p:extLst>
   </p:cSld>
@@ -6024,7 +5951,7 @@
       </p:grpSpPr>
       <p:sp>
         <p:nvSpPr>
-          <p:cNvPr id="4" name="Title 3"/>
+          <p:cNvPr id="2" name="Title 1"/>
           <p:cNvSpPr>
             <a:spLocks noGrp="1"/>
           </p:cNvSpPr>
@@ -6039,7 +5966,7 @@
           <a:p>
             <a:r>
               <a:rPr lang="en-US" dirty="0" smtClean="0"/>
-              <a:t>Spring Security</a:t>
+              <a:t>Hash Function Speed</a:t>
             </a:r>
             <a:endParaRPr lang="en-US" dirty="0"/>
           </a:p>
@@ -6047,27 +5974,121 @@
       </p:sp>
       <p:sp>
         <p:nvSpPr>
-          <p:cNvPr id="5" name="Text Placeholder 4"/>
-          <p:cNvSpPr>
-            <a:spLocks noGrp="1"/>
-          </p:cNvSpPr>
-          <p:nvPr>
-            <p:ph type="body" idx="1"/>
-          </p:nvPr>
-        </p:nvSpPr>
-        <p:spPr/>
+          <p:cNvPr id="3" name="Content Placeholder 2"/>
+          <p:cNvSpPr>
+            <a:spLocks noGrp="1"/>
+          </p:cNvSpPr>
+          <p:nvPr>
+            <p:ph idx="1"/>
+          </p:nvPr>
+        </p:nvSpPr>
+        <p:spPr>
+          <a:xfrm>
+            <a:off x="211755" y="1825624"/>
+            <a:ext cx="11819823" cy="4912059"/>
+          </a:xfrm>
+        </p:spPr>
         <p:txBody>
           <a:bodyPr/>
           <a:lstStyle/>
           <a:p>
-            <a:endParaRPr lang="en-US"/>
+            <a:r>
+              <a:rPr lang="en-US" dirty="0" smtClean="0"/>
+              <a:t>You want hash functions that are </a:t>
+            </a:r>
+            <a:r>
+              <a:rPr lang="en-US" i="1" dirty="0" smtClean="0"/>
+              <a:t>slow, </a:t>
+            </a:r>
+            <a:r>
+              <a:rPr lang="en-US" dirty="0" smtClean="0"/>
+              <a:t>to make it difficult for the hackers to break them </a:t>
+            </a:r>
+          </a:p>
+          <a:p>
+            <a:pPr lvl="1"/>
+            <a:r>
+              <a:rPr lang="en-US" dirty="0" smtClean="0"/>
+              <a:t>but still manageable time on server to do authentication</a:t>
+            </a:r>
+          </a:p>
+          <a:p>
+            <a:r>
+              <a:rPr lang="en-US" i="1" dirty="0" err="1" smtClean="0"/>
+              <a:t>BCrypt</a:t>
+            </a:r>
+            <a:r>
+              <a:rPr lang="en-US" i="1" dirty="0" smtClean="0"/>
+              <a:t> </a:t>
+            </a:r>
+            <a:r>
+              <a:rPr lang="en-US" dirty="0" smtClean="0"/>
+              <a:t>is the most used hash function for passwords</a:t>
+            </a:r>
+          </a:p>
+          <a:p>
+            <a:r>
+              <a:rPr lang="en-US" dirty="0" smtClean="0"/>
+              <a:t>However, you can make </a:t>
+            </a:r>
+            <a:r>
+              <a:rPr lang="en-US" i="1" dirty="0" smtClean="0"/>
+              <a:t>slow</a:t>
+            </a:r>
+            <a:r>
+              <a:rPr lang="en-US" dirty="0" smtClean="0"/>
+              <a:t> any hash function (</a:t>
+            </a:r>
+            <a:r>
+              <a:rPr lang="en-US" dirty="0" err="1" smtClean="0"/>
+              <a:t>eg</a:t>
+            </a:r>
+            <a:r>
+              <a:rPr lang="en-US" dirty="0" smtClean="0"/>
+              <a:t> SHA256) by using a loop, in which  the output is re-hashed N times</a:t>
+            </a:r>
+          </a:p>
+          <a:p>
+            <a:pPr lvl="1"/>
+            <a:r>
+              <a:rPr lang="en-US" i="1" dirty="0" err="1"/>
+              <a:t>e</a:t>
+            </a:r>
+            <a:r>
+              <a:rPr lang="en-US" i="1" dirty="0" err="1" smtClean="0"/>
+              <a:t>g</a:t>
+            </a:r>
+            <a:r>
+              <a:rPr lang="en-US" i="1" dirty="0" smtClean="0"/>
+              <a:t>, N=6 </a:t>
+            </a:r>
+            <a:r>
+              <a:rPr lang="en-US" i="1" dirty="0" smtClean="0"/>
+              <a:t> -&gt;   h(h(h(h(h(h(x</a:t>
+            </a:r>
+            <a:r>
+              <a:rPr lang="en-US" i="1" dirty="0" smtClean="0"/>
+              <a:t>)))))) </a:t>
+            </a:r>
+            <a:r>
+              <a:rPr lang="en-US" i="1" dirty="0"/>
+              <a:t>= y</a:t>
+            </a:r>
+          </a:p>
+          <a:p>
+            <a:pPr lvl="1"/>
+            <a:endParaRPr lang="en-US" dirty="0" smtClean="0"/>
+          </a:p>
+          <a:p>
+            <a:pPr lvl="1"/>
+            <a:endParaRPr lang="en-US" dirty="0"/>
           </a:p>
         </p:txBody>
       </p:sp>
     </p:spTree>
     <p:extLst>
       <p:ext uri="{BB962C8B-B14F-4D97-AF65-F5344CB8AC3E}">
-        <p14:creationId xmlns:p14="http://schemas.microsoft.com/office/powerpoint/2010/main" val="953139178"/>
+        <p14:creationId xmlns:p14="http://schemas.microsoft.com/office/powerpoint/2010/main" val="3281658189"/>
       </p:ext>
     </p:extLst>
   </p:cSld>
@@ -6096,7 +6117,7 @@
       </p:grpSpPr>
       <p:sp>
         <p:nvSpPr>
-          <p:cNvPr id="2" name="Title 1"/>
+          <p:cNvPr id="4" name="Title 3"/>
           <p:cNvSpPr>
             <a:spLocks noGrp="1"/>
           </p:cNvSpPr>
@@ -6111,53 +6132,7 @@
           <a:p>
             <a:r>
               <a:rPr lang="en-US" dirty="0" smtClean="0"/>
-              <a:t>About these slides</a:t>
-            </a:r>
-            <a:endParaRPr lang="en-US" dirty="0"/>
-          </a:p>
-        </p:txBody>
-      </p:sp>
-      <p:sp>
-        <p:nvSpPr>
-          <p:cNvPr id="3" name="Content Placeholder 2"/>
-          <p:cNvSpPr>
-            <a:spLocks noGrp="1"/>
-          </p:cNvSpPr>
-          <p:nvPr>
-            <p:ph idx="1"/>
-          </p:nvPr>
-        </p:nvSpPr>
-        <p:spPr>
-          <a:xfrm>
-            <a:off x="211756" y="1825625"/>
-            <a:ext cx="11142044" cy="4351338"/>
-          </a:xfrm>
-        </p:spPr>
-        <p:txBody>
-          <a:bodyPr/>
-          <a:lstStyle/>
-          <a:p>
-            <a:r>
-              <a:rPr lang="en-US" dirty="0" smtClean="0"/>
-              <a:t>These few slides on Spring Security are just high level overviews of what covered in class</a:t>
-            </a:r>
-          </a:p>
-          <a:p>
-            <a:r>
-              <a:rPr lang="en-US" dirty="0"/>
-              <a:t>T</a:t>
-            </a:r>
-            <a:r>
-              <a:rPr lang="en-US" dirty="0" smtClean="0"/>
-              <a:t>he details are directly in the code comments on the </a:t>
-            </a:r>
-            <a:r>
-              <a:rPr lang="en-US" dirty="0" err="1" smtClean="0"/>
-              <a:t>Git</a:t>
-            </a:r>
-            <a:r>
-              <a:rPr lang="en-US" dirty="0" smtClean="0"/>
-              <a:t> repository</a:t>
+              <a:t>Spring Security</a:t>
             </a:r>
             <a:endParaRPr lang="en-US" dirty="0"/>
           </a:p>
@@ -6166,7 +6141,7 @@
     </p:spTree>
     <p:extLst>
       <p:ext uri="{BB962C8B-B14F-4D97-AF65-F5344CB8AC3E}">
-        <p14:creationId xmlns:p14="http://schemas.microsoft.com/office/powerpoint/2010/main" val="1394936578"/>
+        <p14:creationId xmlns:p14="http://schemas.microsoft.com/office/powerpoint/2010/main" val="953139178"/>
       </p:ext>
     </p:extLst>
   </p:cSld>
@@ -6210,7 +6185,7 @@
           <a:p>
             <a:r>
               <a:rPr lang="en-US" dirty="0" smtClean="0"/>
-              <a:t>Security Is Hard</a:t>
+              <a:t>About these slides</a:t>
             </a:r>
             <a:endParaRPr lang="en-US" dirty="0"/>
           </a:p>
@@ -6228,8 +6203,8 @@
         </p:nvSpPr>
         <p:spPr>
           <a:xfrm>
-            <a:off x="144378" y="1825624"/>
-            <a:ext cx="11925701" cy="4912060"/>
+            <a:off x="211756" y="1825625"/>
+            <a:ext cx="11142044" cy="4351338"/>
           </a:xfrm>
         </p:spPr>
         <p:txBody>
@@ -6238,48 +6213,26 @@
           <a:p>
             <a:r>
               <a:rPr lang="en-US" dirty="0" smtClean="0"/>
-              <a:t>You should NOT roll out your own solutions for security</a:t>
-            </a:r>
-          </a:p>
-          <a:p>
-            <a:pPr lvl="1"/>
+              <a:t>These few slides on Spring Security are just high level overviews of what covered in class</a:t>
+            </a:r>
+          </a:p>
+          <a:p>
             <a:r>
               <a:rPr lang="en-US" dirty="0"/>
-              <a:t>f</a:t>
-            </a:r>
-            <a:r>
-              <a:rPr lang="en-US" dirty="0" smtClean="0"/>
-              <a:t>ar too easy to make mistakes</a:t>
-            </a:r>
-          </a:p>
-          <a:p>
-            <a:r>
-              <a:rPr lang="en-US" dirty="0" smtClean="0"/>
-              <a:t>Need to use existing, battle-tested frameworks</a:t>
-            </a:r>
-          </a:p>
-          <a:p>
-            <a:r>
-              <a:rPr lang="en-US" i="1" dirty="0" smtClean="0"/>
-              <a:t>Spring Security</a:t>
-            </a:r>
-            <a:r>
-              <a:rPr lang="en-US" dirty="0" smtClean="0"/>
-              <a:t>: the module of Spring that deals with security</a:t>
-            </a:r>
-          </a:p>
-          <a:p>
-            <a:r>
-              <a:rPr lang="en-US" dirty="0"/>
-              <a:t>However, still important to </a:t>
-            </a:r>
-            <a:r>
-              <a:rPr lang="en-US" dirty="0" smtClean="0"/>
-              <a:t>understand how they work internally</a:t>
-            </a:r>
-            <a:endParaRPr lang="en-US" dirty="0"/>
-          </a:p>
-          <a:p>
+              <a:t>T</a:t>
+            </a:r>
+            <a:r>
+              <a:rPr lang="en-US" dirty="0" smtClean="0"/>
+              <a:t>he details are directly in the code comments on the </a:t>
+            </a:r>
+            <a:r>
+              <a:rPr lang="en-US" dirty="0" err="1" smtClean="0"/>
+              <a:t>Git</a:t>
+            </a:r>
+            <a:r>
+              <a:rPr lang="en-US" dirty="0" smtClean="0"/>
+              <a:t> repository</a:t>
+            </a:r>
             <a:endParaRPr lang="en-US" dirty="0"/>
           </a:p>
         </p:txBody>
@@ -6287,7 +6240,7 @@
     </p:spTree>
     <p:extLst>
       <p:ext uri="{BB962C8B-B14F-4D97-AF65-F5344CB8AC3E}">
-        <p14:creationId xmlns:p14="http://schemas.microsoft.com/office/powerpoint/2010/main" val="4055156698"/>
+        <p14:creationId xmlns:p14="http://schemas.microsoft.com/office/powerpoint/2010/main" val="1394936578"/>
       </p:ext>
     </p:extLst>
   </p:cSld>
@@ -6331,7 +6284,7 @@
           <a:p>
             <a:r>
               <a:rPr lang="en-US" dirty="0" smtClean="0"/>
-              <a:t>Configuration</a:t>
+              <a:t>Security Is Hard</a:t>
             </a:r>
             <a:endParaRPr lang="en-US" dirty="0"/>
           </a:p>
@@ -6349,8 +6302,8 @@
         </p:nvSpPr>
         <p:spPr>
           <a:xfrm>
-            <a:off x="192505" y="1825624"/>
-            <a:ext cx="11733196" cy="4892809"/>
+            <a:off x="144378" y="1825624"/>
+            <a:ext cx="11925701" cy="4912060"/>
           </a:xfrm>
         </p:spPr>
         <p:txBody>
@@ -6359,136 +6312,48 @@
           <a:p>
             <a:r>
               <a:rPr lang="en-US" dirty="0" smtClean="0"/>
-              <a:t>Need to have a </a:t>
-            </a:r>
+              <a:t>You should NOT roll out your own solutions for security</a:t>
+            </a:r>
+          </a:p>
+          <a:p>
+            <a:pPr lvl="1"/>
+            <a:r>
+              <a:rPr lang="en-US" dirty="0"/>
+              <a:t>f</a:t>
+            </a:r>
+            <a:r>
+              <a:rPr lang="en-US" dirty="0" smtClean="0"/>
+              <a:t>ar too easy to make mistakes</a:t>
+            </a:r>
+          </a:p>
+          <a:p>
+            <a:r>
+              <a:rPr lang="en-US" dirty="0" smtClean="0"/>
+              <a:t>Need to use existing, battle-tested frameworks</a:t>
+            </a:r>
+          </a:p>
+          <a:p>
             <a:r>
               <a:rPr lang="en-US" i="1" dirty="0" smtClean="0"/>
-              <a:t>@Configuration </a:t>
-            </a:r>
-            <a:r>
-              <a:rPr lang="en-US" dirty="0" smtClean="0"/>
-              <a:t>bean that </a:t>
-            </a:r>
+              <a:t>Spring Security</a:t>
+            </a:r>
+            <a:r>
+              <a:rPr lang="en-US" dirty="0" smtClean="0"/>
+              <a:t>: the module of Spring that deals with security</a:t>
+            </a:r>
+          </a:p>
+          <a:p>
             <a:r>
               <a:rPr lang="en-US" dirty="0"/>
-              <a:t>extends </a:t>
-            </a:r>
-            <a:r>
-              <a:rPr lang="en-US" i="1" dirty="0" err="1" smtClean="0"/>
-              <a:t>WebSecurityConfigurerAdapter</a:t>
-            </a:r>
-            <a:endParaRPr lang="en-US" i="1" dirty="0" smtClean="0"/>
-          </a:p>
-          <a:p>
-            <a:r>
-              <a:rPr lang="en-US" dirty="0" smtClean="0"/>
-              <a:t>Furthermore, need to use the </a:t>
-            </a:r>
-            <a:r>
-              <a:rPr lang="en-US" dirty="0"/>
-              <a:t>annotation </a:t>
-            </a:r>
-            <a:r>
-              <a:rPr lang="en-US" i="1" dirty="0"/>
-              <a:t>@</a:t>
-            </a:r>
-            <a:r>
-              <a:rPr lang="en-US" i="1" dirty="0" err="1" smtClean="0"/>
-              <a:t>EnableWebSecurity</a:t>
-            </a:r>
-            <a:endParaRPr lang="en-US" i="1" dirty="0" smtClean="0"/>
-          </a:p>
-          <a:p>
-            <a:r>
-              <a:rPr lang="en-US" dirty="0" smtClean="0"/>
-              <a:t>Then, in such class you can override the methods:</a:t>
-            </a:r>
-          </a:p>
-          <a:p>
-            <a:pPr lvl="1"/>
-            <a:r>
-              <a:rPr lang="en-US" i="1" dirty="0"/>
-              <a:t>configure(</a:t>
-            </a:r>
-            <a:r>
-              <a:rPr lang="en-US" i="1" dirty="0" err="1"/>
-              <a:t>AuthenticationManagerBuilder</a:t>
-            </a:r>
-            <a:r>
-              <a:rPr lang="en-US" i="1" dirty="0"/>
-              <a:t> </a:t>
-            </a:r>
-            <a:r>
-              <a:rPr lang="en-US" i="1" dirty="0" err="1"/>
-              <a:t>auth</a:t>
-            </a:r>
-            <a:r>
-              <a:rPr lang="en-US" i="1" dirty="0" smtClean="0"/>
-              <a:t>) </a:t>
-            </a:r>
-            <a:r>
-              <a:rPr lang="en-US" dirty="0" smtClean="0"/>
-              <a:t>for handling </a:t>
-            </a:r>
-            <a:r>
-              <a:rPr lang="en-US" i="1" dirty="0" smtClean="0"/>
-              <a:t>authentication</a:t>
-            </a:r>
-            <a:r>
-              <a:rPr lang="en-US" dirty="0" smtClean="0"/>
-              <a:t>, </a:t>
-            </a:r>
-            <a:r>
-              <a:rPr lang="en-US" dirty="0" err="1" smtClean="0"/>
-              <a:t>ie</a:t>
-            </a:r>
-            <a:r>
-              <a:rPr lang="en-US" dirty="0" smtClean="0"/>
-              <a:t> checking of users on database and password storage</a:t>
-            </a:r>
-          </a:p>
-          <a:p>
-            <a:pPr lvl="1"/>
-            <a:r>
-              <a:rPr lang="en-US" i="1" dirty="0" smtClean="0"/>
-              <a:t>configure(</a:t>
-            </a:r>
-            <a:r>
-              <a:rPr lang="en-US" i="1" dirty="0" err="1" smtClean="0"/>
-              <a:t>HttpSecurity</a:t>
-            </a:r>
-            <a:r>
-              <a:rPr lang="en-US" i="1" dirty="0" smtClean="0"/>
-              <a:t> </a:t>
-            </a:r>
-            <a:r>
-              <a:rPr lang="en-US" i="1" dirty="0"/>
-              <a:t>http</a:t>
-            </a:r>
-            <a:r>
-              <a:rPr lang="en-US" i="1" dirty="0" smtClean="0"/>
-              <a:t>) </a:t>
-            </a:r>
-            <a:r>
-              <a:rPr lang="en-US" dirty="0" smtClean="0"/>
-              <a:t>for handling </a:t>
-            </a:r>
-            <a:r>
-              <a:rPr lang="en-US" i="1" dirty="0" smtClean="0"/>
-              <a:t>authorization</a:t>
-            </a:r>
-            <a:r>
-              <a:rPr lang="en-US" dirty="0" smtClean="0"/>
-              <a:t>, </a:t>
-            </a:r>
-            <a:r>
-              <a:rPr lang="en-US" dirty="0" err="1" smtClean="0"/>
-              <a:t>ie</a:t>
-            </a:r>
-            <a:r>
-              <a:rPr lang="en-US" dirty="0" smtClean="0"/>
-              <a:t> the access policy rules </a:t>
-            </a:r>
+              <a:t>However, still important to </a:t>
+            </a:r>
+            <a:r>
+              <a:rPr lang="en-US" dirty="0" smtClean="0"/>
+              <a:t>understand how they work internally</a:t>
+            </a:r>
+            <a:endParaRPr lang="en-US" dirty="0"/>
+          </a:p>
+          <a:p>
             <a:endParaRPr lang="en-US" dirty="0"/>
           </a:p>
         </p:txBody>
@@ -6496,7 +6361,7 @@
     </p:spTree>
     <p:extLst>
       <p:ext uri="{BB962C8B-B14F-4D97-AF65-F5344CB8AC3E}">
-        <p14:creationId xmlns:p14="http://schemas.microsoft.com/office/powerpoint/2010/main" val="1097989996"/>
+        <p14:creationId xmlns:p14="http://schemas.microsoft.com/office/powerpoint/2010/main" val="4055156698"/>
       </p:ext>
     </p:extLst>
   </p:cSld>
@@ -6525,7 +6390,7 @@
       </p:grpSpPr>
       <p:sp>
         <p:nvSpPr>
-          <p:cNvPr id="4" name="Title 3"/>
+          <p:cNvPr id="2" name="Title 1"/>
           <p:cNvSpPr>
             <a:spLocks noGrp="1"/>
           </p:cNvSpPr>
@@ -6540,7 +6405,7 @@
           <a:p>
             <a:r>
               <a:rPr lang="en-US" dirty="0" smtClean="0"/>
-              <a:t>OWASP</a:t>
+              <a:t>Configuration</a:t>
             </a:r>
             <a:endParaRPr lang="en-US" dirty="0"/>
           </a:p>
@@ -6548,27 +6413,164 @@
       </p:sp>
       <p:sp>
         <p:nvSpPr>
-          <p:cNvPr id="5" name="Text Placeholder 4"/>
-          <p:cNvSpPr>
-            <a:spLocks noGrp="1"/>
-          </p:cNvSpPr>
-          <p:nvPr>
-            <p:ph type="body" idx="1"/>
-          </p:nvPr>
-        </p:nvSpPr>
-        <p:spPr/>
+          <p:cNvPr id="3" name="Content Placeholder 2"/>
+          <p:cNvSpPr>
+            <a:spLocks noGrp="1"/>
+          </p:cNvSpPr>
+          <p:nvPr>
+            <p:ph idx="1"/>
+          </p:nvPr>
+        </p:nvSpPr>
+        <p:spPr>
+          <a:xfrm>
+            <a:off x="192505" y="1825624"/>
+            <a:ext cx="11733196" cy="4892809"/>
+          </a:xfrm>
+        </p:spPr>
         <p:txBody>
           <a:bodyPr/>
           <a:lstStyle/>
           <a:p>
-            <a:endParaRPr lang="en-US"/>
+            <a:r>
+              <a:rPr lang="en-US" dirty="0" smtClean="0"/>
+              <a:t>Need to have a </a:t>
+            </a:r>
+            <a:r>
+              <a:rPr lang="en-US" i="1" dirty="0" smtClean="0"/>
+              <a:t>@Configuration </a:t>
+            </a:r>
+            <a:r>
+              <a:rPr lang="en-US" dirty="0" smtClean="0"/>
+              <a:t>bean that </a:t>
+            </a:r>
+            <a:r>
+              <a:rPr lang="en-US" dirty="0"/>
+              <a:t>extends </a:t>
+            </a:r>
+            <a:r>
+              <a:rPr lang="en-US" i="1" dirty="0" err="1" smtClean="0"/>
+              <a:t>WebSecurityConfigurerAdapter</a:t>
+            </a:r>
+            <a:endParaRPr lang="en-US" i="1" dirty="0" smtClean="0"/>
+          </a:p>
+          <a:p>
+            <a:r>
+              <a:rPr lang="en-US" dirty="0" smtClean="0"/>
+              <a:t>Furthermore, need to use the </a:t>
+            </a:r>
+            <a:r>
+              <a:rPr lang="en-US" dirty="0"/>
+              <a:t>annotation </a:t>
+            </a:r>
+            <a:r>
+              <a:rPr lang="en-US" i="1" dirty="0"/>
+              <a:t>@</a:t>
+            </a:r>
+            <a:r>
+              <a:rPr lang="en-US" i="1" dirty="0" err="1" smtClean="0"/>
+              <a:t>EnableWebSecurity</a:t>
+            </a:r>
+            <a:endParaRPr lang="en-US" i="1" dirty="0" smtClean="0"/>
+          </a:p>
+          <a:p>
+            <a:r>
+              <a:rPr lang="en-US" dirty="0" smtClean="0"/>
+              <a:t>Then, in such class you can override the methods:</a:t>
+            </a:r>
+          </a:p>
+          <a:p>
+            <a:pPr lvl="1"/>
+            <a:r>
+              <a:rPr lang="en-US" i="1" dirty="0"/>
+              <a:t>configure(</a:t>
+            </a:r>
+            <a:r>
+              <a:rPr lang="en-US" i="1" dirty="0" err="1"/>
+              <a:t>AuthenticationManagerBuilder</a:t>
+            </a:r>
+            <a:r>
+              <a:rPr lang="en-US" i="1" dirty="0"/>
+              <a:t> </a:t>
+            </a:r>
+            <a:r>
+              <a:rPr lang="en-US" i="1" dirty="0" err="1"/>
+              <a:t>auth</a:t>
+            </a:r>
+            <a:r>
+              <a:rPr lang="en-US" i="1" dirty="0" smtClean="0"/>
+              <a:t>) </a:t>
+            </a:r>
+            <a:r>
+              <a:rPr lang="en-US" dirty="0" smtClean="0"/>
+              <a:t>for handling </a:t>
+            </a:r>
+            <a:r>
+              <a:rPr lang="en-US" i="1" dirty="0" smtClean="0"/>
+              <a:t>authentication</a:t>
+            </a:r>
+            <a:r>
+              <a:rPr lang="en-US" dirty="0" smtClean="0"/>
+              <a:t>, </a:t>
+            </a:r>
+            <a:r>
+              <a:rPr lang="en-US" dirty="0" err="1" smtClean="0"/>
+              <a:t>ie</a:t>
+            </a:r>
+            <a:r>
+              <a:rPr lang="en-US" dirty="0" smtClean="0"/>
+              <a:t> checking of users on database and password storage</a:t>
+            </a:r>
+          </a:p>
+          <a:p>
+            <a:pPr lvl="1"/>
+            <a:r>
+              <a:rPr lang="en-US" i="1" dirty="0" smtClean="0"/>
+              <a:t>configure(</a:t>
+            </a:r>
+            <a:r>
+              <a:rPr lang="en-US" i="1" dirty="0" err="1" smtClean="0"/>
+              <a:t>HttpSecurity</a:t>
+            </a:r>
+            <a:r>
+              <a:rPr lang="en-US" i="1" dirty="0" smtClean="0"/>
+              <a:t> </a:t>
+            </a:r>
+            <a:r>
+              <a:rPr lang="en-US" i="1" dirty="0"/>
+              <a:t>http</a:t>
+            </a:r>
+            <a:r>
+              <a:rPr lang="en-US" i="1" dirty="0" smtClean="0"/>
+              <a:t>) </a:t>
+            </a:r>
+            <a:r>
+              <a:rPr lang="en-US" dirty="0" smtClean="0"/>
+              <a:t>for handling </a:t>
+            </a:r>
+            <a:r>
+              <a:rPr lang="en-US" i="1" dirty="0" smtClean="0"/>
+              <a:t>authorization</a:t>
+            </a:r>
+            <a:r>
+              <a:rPr lang="en-US" dirty="0" smtClean="0"/>
+              <a:t>, </a:t>
+            </a:r>
+            <a:r>
+              <a:rPr lang="en-US" dirty="0" err="1" smtClean="0"/>
+              <a:t>ie</a:t>
+            </a:r>
+            <a:r>
+              <a:rPr lang="en-US" dirty="0" smtClean="0"/>
+              <a:t> the access policy rules </a:t>
+            </a:r>
+            <a:endParaRPr lang="en-US" dirty="0"/>
           </a:p>
         </p:txBody>
       </p:sp>
     </p:spTree>
     <p:extLst>
       <p:ext uri="{BB962C8B-B14F-4D97-AF65-F5344CB8AC3E}">
-        <p14:creationId xmlns:p14="http://schemas.microsoft.com/office/powerpoint/2010/main" val="151532738"/>
+        <p14:creationId xmlns:p14="http://schemas.microsoft.com/office/powerpoint/2010/main" val="1097989996"/>
       </p:ext>
     </p:extLst>
   </p:cSld>
@@ -6597,7 +6599,7 @@
       </p:grpSpPr>
       <p:sp>
         <p:nvSpPr>
-          <p:cNvPr id="2" name="Title 1"/>
+          <p:cNvPr id="4" name="Title 3"/>
           <p:cNvSpPr>
             <a:spLocks noGrp="1"/>
           </p:cNvSpPr>
@@ -6605,110 +6607,14 @@
             <p:ph type="title"/>
           </p:nvPr>
         </p:nvSpPr>
-        <p:spPr>
-          <a:xfrm>
-            <a:off x="182880" y="365125"/>
-            <a:ext cx="11762072" cy="1325563"/>
-          </a:xfrm>
-        </p:spPr>
-        <p:txBody>
-          <a:bodyPr>
-            <a:normAutofit fontScale="90000"/>
-          </a:bodyPr>
-          <a:lstStyle/>
-          <a:p>
-            <a:r>
-              <a:rPr lang="en-US"/>
-              <a:t>Open Web Application Security Project (OWASP) </a:t>
-            </a:r>
-            <a:endParaRPr lang="en-US" dirty="0"/>
-          </a:p>
-        </p:txBody>
-      </p:sp>
-      <p:sp>
-        <p:nvSpPr>
-          <p:cNvPr id="3" name="Content Placeholder 2"/>
-          <p:cNvSpPr>
-            <a:spLocks noGrp="1"/>
-          </p:cNvSpPr>
-          <p:nvPr>
-            <p:ph idx="1"/>
-          </p:nvPr>
-        </p:nvSpPr>
-        <p:spPr>
-          <a:xfrm>
-            <a:off x="182880" y="1970003"/>
-            <a:ext cx="11762072" cy="4777305"/>
-          </a:xfrm>
-        </p:spPr>
+        <p:spPr/>
         <p:txBody>
           <a:bodyPr/>
           <a:lstStyle/>
           <a:p>
             <a:r>
-              <a:rPr lang="en-US" dirty="0" smtClean="0">
-                <a:hlinkClick r:id="rId2"/>
-              </a:rPr>
-              <a:t>www.owasp.org</a:t>
-            </a:r>
-            <a:endParaRPr lang="en-US" dirty="0" smtClean="0"/>
-          </a:p>
-          <a:p>
-            <a:r>
-              <a:rPr lang="en-US" dirty="0" smtClean="0"/>
-              <a:t>A non-profit organization dedicated to software security</a:t>
-            </a:r>
-          </a:p>
-          <a:p>
-            <a:r>
-              <a:rPr lang="en-US" dirty="0" smtClean="0"/>
-              <a:t>One of the main resources to learn about software security</a:t>
-            </a:r>
-          </a:p>
-          <a:p>
-            <a:r>
-              <a:rPr lang="en-US" dirty="0" smtClean="0"/>
-              <a:t>Also produces some open-source tools (</a:t>
-            </a:r>
-            <a:r>
-              <a:rPr lang="en-US" dirty="0" err="1" smtClean="0"/>
-              <a:t>eg</a:t>
-            </a:r>
-            <a:r>
-              <a:rPr lang="en-US" dirty="0" smtClean="0"/>
-              <a:t> </a:t>
-            </a:r>
-            <a:r>
-              <a:rPr lang="en-US" i="1" dirty="0" smtClean="0"/>
-              <a:t>ZAP</a:t>
-            </a:r>
-            <a:r>
-              <a:rPr lang="en-US" dirty="0" smtClean="0"/>
-              <a:t> for penetration testing)</a:t>
-            </a:r>
-          </a:p>
-          <a:p>
-            <a:r>
-              <a:rPr lang="en-US" dirty="0" smtClean="0"/>
-              <a:t>Maven plugin </a:t>
-            </a:r>
-            <a:r>
-              <a:rPr lang="en-US" i="1" dirty="0" smtClean="0"/>
-              <a:t>dependency-check-maven</a:t>
-            </a:r>
-          </a:p>
-          <a:p>
-            <a:pPr lvl="1"/>
-            <a:r>
-              <a:rPr lang="en-US" dirty="0" smtClean="0"/>
-              <a:t>Scan your third-party dependency libraries for known vulnerability</a:t>
-            </a:r>
-          </a:p>
-          <a:p>
-            <a:pPr lvl="1"/>
-            <a:r>
-              <a:rPr lang="en-US" dirty="0" smtClean="0"/>
-              <a:t>Automatically connect to an updated database</a:t>
+              <a:rPr lang="en-US" dirty="0" smtClean="0"/>
+              <a:t>OWASP</a:t>
             </a:r>
             <a:endParaRPr lang="en-US" dirty="0"/>
           </a:p>
@@ -6717,7 +6623,7 @@
     </p:spTree>
     <p:extLst>
       <p:ext uri="{BB962C8B-B14F-4D97-AF65-F5344CB8AC3E}">
-        <p14:creationId xmlns:p14="http://schemas.microsoft.com/office/powerpoint/2010/main" val="2042605871"/>
+        <p14:creationId xmlns:p14="http://schemas.microsoft.com/office/powerpoint/2010/main" val="151532738"/>
       </p:ext>
     </p:extLst>
   </p:cSld>
@@ -6891,6 +6797,176 @@
 </file>
 
 <file path=ppt/slides/slide30.xml><?xml version="1.0" encoding="utf-8"?>
+<p:sld xmlns:a="http://schemas.openxmlformats.org/drawingml/2006/main" xmlns:r="http://schemas.openxmlformats.org/officeDocument/2006/relationships" xmlns:p="http://schemas.openxmlformats.org/presentationml/2006/main">
+  <p:cSld>
+    <p:spTree>
+      <p:nvGrpSpPr>
+        <p:cNvPr id="1" name=""/>
+        <p:cNvGrpSpPr/>
+        <p:nvPr/>
+      </p:nvGrpSpPr>
+      <p:grpSpPr>
+        <a:xfrm>
+          <a:off x="0" y="0"/>
+          <a:ext cx="0" cy="0"/>
+          <a:chOff x="0" y="0"/>
+          <a:chExt cx="0" cy="0"/>
+        </a:xfrm>
+      </p:grpSpPr>
+      <p:sp>
+        <p:nvSpPr>
+          <p:cNvPr id="2" name="Title 1"/>
+          <p:cNvSpPr>
+            <a:spLocks noGrp="1"/>
+          </p:cNvSpPr>
+          <p:nvPr>
+            <p:ph type="title"/>
+          </p:nvPr>
+        </p:nvSpPr>
+        <p:spPr>
+          <a:xfrm>
+            <a:off x="182880" y="365125"/>
+            <a:ext cx="11762072" cy="1325563"/>
+          </a:xfrm>
+        </p:spPr>
+        <p:txBody>
+          <a:bodyPr>
+            <a:normAutofit fontScale="90000"/>
+          </a:bodyPr>
+          <a:lstStyle/>
+          <a:p>
+            <a:r>
+              <a:rPr lang="en-US"/>
+              <a:t>Open Web Application Security Project (OWASP) </a:t>
+            </a:r>
+            <a:endParaRPr lang="en-US" dirty="0"/>
+          </a:p>
+        </p:txBody>
+      </p:sp>
+      <p:sp>
+        <p:nvSpPr>
+          <p:cNvPr id="3" name="Content Placeholder 2"/>
+          <p:cNvSpPr>
+            <a:spLocks noGrp="1"/>
+          </p:cNvSpPr>
+          <p:nvPr>
+            <p:ph idx="1"/>
+          </p:nvPr>
+        </p:nvSpPr>
+        <p:spPr>
+          <a:xfrm>
+            <a:off x="86570" y="1970003"/>
+            <a:ext cx="11988239" cy="4777305"/>
+          </a:xfrm>
+        </p:spPr>
+        <p:txBody>
+          <a:bodyPr>
+            <a:normAutofit fontScale="92500"/>
+          </a:bodyPr>
+          <a:lstStyle/>
+          <a:p>
+            <a:r>
+              <a:rPr lang="en-US" dirty="0" smtClean="0">
+                <a:hlinkClick r:id="rId2"/>
+              </a:rPr>
+              <a:t>www.owasp.org</a:t>
+            </a:r>
+            <a:endParaRPr lang="en-US" dirty="0" smtClean="0"/>
+          </a:p>
+          <a:p>
+            <a:r>
+              <a:rPr lang="en-US" dirty="0" smtClean="0"/>
+              <a:t>A non-profit organization dedicated to software security</a:t>
+            </a:r>
+          </a:p>
+          <a:p>
+            <a:r>
+              <a:rPr lang="en-US" dirty="0" smtClean="0"/>
+              <a:t>One of the main resources to learn about software security</a:t>
+            </a:r>
+          </a:p>
+          <a:p>
+            <a:r>
+              <a:rPr lang="en-US" dirty="0" smtClean="0"/>
+              <a:t>Also produces some open-source tools (</a:t>
+            </a:r>
+            <a:r>
+              <a:rPr lang="en-US" dirty="0" err="1" smtClean="0"/>
+              <a:t>eg</a:t>
+            </a:r>
+            <a:r>
+              <a:rPr lang="en-US" dirty="0" smtClean="0"/>
+              <a:t> </a:t>
+            </a:r>
+            <a:r>
+              <a:rPr lang="en-US" i="1" dirty="0" smtClean="0"/>
+              <a:t>ZAP</a:t>
+            </a:r>
+            <a:r>
+              <a:rPr lang="en-US" dirty="0" smtClean="0"/>
+              <a:t> for penetration testing)</a:t>
+            </a:r>
+          </a:p>
+          <a:p>
+            <a:r>
+              <a:rPr lang="en-US" dirty="0" smtClean="0"/>
+              <a:t>Maven plugin </a:t>
+            </a:r>
+            <a:r>
+              <a:rPr lang="en-US" i="1" dirty="0" smtClean="0"/>
+              <a:t>dependency-check-maven</a:t>
+            </a:r>
+          </a:p>
+          <a:p>
+            <a:pPr lvl="1"/>
+            <a:r>
+              <a:rPr lang="en-US" dirty="0" smtClean="0"/>
+              <a:t>Scan your third-party dependency libraries for known vulnerability</a:t>
+            </a:r>
+          </a:p>
+          <a:p>
+            <a:pPr lvl="1"/>
+            <a:r>
+              <a:rPr lang="en-US" dirty="0" smtClean="0"/>
+              <a:t>Automatically connect to an updated </a:t>
+            </a:r>
+            <a:r>
+              <a:rPr lang="en-US" dirty="0" smtClean="0"/>
+              <a:t>database</a:t>
+            </a:r>
+          </a:p>
+          <a:p>
+            <a:pPr lvl="1"/>
+            <a:r>
+              <a:rPr lang="en-US" dirty="0" smtClean="0"/>
+              <a:t>Note: nowadays hosting services like </a:t>
+            </a:r>
+            <a:r>
+              <a:rPr lang="en-US" i="1" dirty="0" smtClean="0"/>
+              <a:t>GitHub</a:t>
+            </a:r>
+            <a:r>
+              <a:rPr lang="en-US" dirty="0" smtClean="0"/>
+              <a:t> do dependency checks automatically</a:t>
+            </a:r>
+            <a:endParaRPr lang="en-US" dirty="0"/>
+          </a:p>
+        </p:txBody>
+      </p:sp>
+    </p:spTree>
+    <p:extLst>
+      <p:ext uri="{BB962C8B-B14F-4D97-AF65-F5344CB8AC3E}">
+        <p14:creationId xmlns:p14="http://schemas.microsoft.com/office/powerpoint/2010/main" val="2042605871"/>
+      </p:ext>
+    </p:extLst>
+  </p:cSld>
+  <p:clrMapOvr>
+    <a:masterClrMapping/>
+  </p:clrMapOvr>
+</p:sld>
+</file>
+
+<file path=ppt/slides/slide31.xml><?xml version="1.0" encoding="utf-8"?>
 <p:sld xmlns:a="http://schemas.openxmlformats.org/drawingml/2006/main" xmlns:r="http://schemas.openxmlformats.org/officeDocument/2006/relationships" xmlns:p="http://schemas.openxmlformats.org/presentationml/2006/main">
   <p:cSld>
     <p:spTree>

--- a/doc/intro/slides/lesson_10_security.pptx
+++ b/doc/intro/slides/lesson_10_security.pptx
@@ -227,7 +227,7 @@
           <a:p>
             <a:fld id="{9B5B52BA-3295-0343-9E28-A260A811DD10}" type="datetimeFigureOut">
               <a:rPr lang="en-US" smtClean="0"/>
-              <a:t>20-Dec-19</a:t>
+              <a:t>12/30/2020</a:t>
             </a:fld>
             <a:endParaRPr lang="en-US"/>
           </a:p>
@@ -291,38 +291,37 @@
           <a:p>
             <a:pPr lvl="0"/>
             <a:r>
-              <a:rPr lang="en-US" smtClean="0"/>
+              <a:rPr lang="en-US"/>
               <a:t>Click to edit Master text styles</a:t>
             </a:r>
           </a:p>
           <a:p>
             <a:pPr lvl="1"/>
             <a:r>
-              <a:rPr lang="en-US" smtClean="0"/>
+              <a:rPr lang="en-US"/>
               <a:t>Second level</a:t>
             </a:r>
           </a:p>
           <a:p>
             <a:pPr lvl="2"/>
             <a:r>
-              <a:rPr lang="en-US" smtClean="0"/>
+              <a:rPr lang="en-US"/>
               <a:t>Third level</a:t>
             </a:r>
           </a:p>
           <a:p>
             <a:pPr lvl="3"/>
             <a:r>
-              <a:rPr lang="en-US" smtClean="0"/>
+              <a:rPr lang="en-US"/>
               <a:t>Fourth level</a:t>
             </a:r>
           </a:p>
           <a:p>
             <a:pPr lvl="4"/>
             <a:r>
-              <a:rPr lang="en-US" smtClean="0"/>
+              <a:rPr lang="en-US"/>
               <a:t>Fifth level</a:t>
             </a:r>
-            <a:endParaRPr lang="en-US"/>
           </a:p>
         </p:txBody>
       </p:sp>
@@ -705,10 +704,9 @@
           </a:lstStyle>
           <a:p>
             <a:r>
-              <a:rPr lang="en-US" dirty="0" smtClean="0"/>
+              <a:rPr lang="en-US" dirty="0"/>
               <a:t>Click to edit Master title style</a:t>
             </a:r>
-            <a:endParaRPr lang="en-US" dirty="0"/>
           </a:p>
         </p:txBody>
       </p:sp>
@@ -770,10 +768,9 @@
           </a:lstStyle>
           <a:p>
             <a:r>
-              <a:rPr lang="en-US" dirty="0" smtClean="0"/>
+              <a:rPr lang="en-US" dirty="0"/>
               <a:t>Click to edit Master subtitle style</a:t>
             </a:r>
-            <a:endParaRPr lang="en-US" dirty="0"/>
           </a:p>
         </p:txBody>
       </p:sp>
@@ -794,7 +791,7 @@
           <a:p>
             <a:fld id="{04F1D4A2-813C-F741-B481-C92B3A596030}" type="datetimeFigureOut">
               <a:rPr lang="en-US" smtClean="0"/>
-              <a:t>20-Dec-19</a:t>
+              <a:t>12/30/2020</a:t>
             </a:fld>
             <a:endParaRPr lang="en-US"/>
           </a:p>
@@ -888,10 +885,9 @@
           <a:lstStyle/>
           <a:p>
             <a:r>
-              <a:rPr lang="en-US" smtClean="0"/>
+              <a:rPr lang="en-US"/>
               <a:t>Click to edit Master title style</a:t>
             </a:r>
-            <a:endParaRPr lang="en-US"/>
           </a:p>
         </p:txBody>
       </p:sp>
@@ -912,38 +908,37 @@
           <a:p>
             <a:pPr lvl="0"/>
             <a:r>
-              <a:rPr lang="en-US" smtClean="0"/>
+              <a:rPr lang="en-US"/>
               <a:t>Click to edit Master text styles</a:t>
             </a:r>
           </a:p>
           <a:p>
             <a:pPr lvl="1"/>
             <a:r>
-              <a:rPr lang="en-US" smtClean="0"/>
+              <a:rPr lang="en-US"/>
               <a:t>Second level</a:t>
             </a:r>
           </a:p>
           <a:p>
             <a:pPr lvl="2"/>
             <a:r>
-              <a:rPr lang="en-US" smtClean="0"/>
+              <a:rPr lang="en-US"/>
               <a:t>Third level</a:t>
             </a:r>
           </a:p>
           <a:p>
             <a:pPr lvl="3"/>
             <a:r>
-              <a:rPr lang="en-US" smtClean="0"/>
+              <a:rPr lang="en-US"/>
               <a:t>Fourth level</a:t>
             </a:r>
           </a:p>
           <a:p>
             <a:pPr lvl="4"/>
             <a:r>
-              <a:rPr lang="en-US" smtClean="0"/>
+              <a:rPr lang="en-US"/>
               <a:t>Fifth level</a:t>
             </a:r>
-            <a:endParaRPr lang="en-US"/>
           </a:p>
         </p:txBody>
       </p:sp>
@@ -964,7 +959,7 @@
           <a:p>
             <a:fld id="{04F1D4A2-813C-F741-B481-C92B3A596030}" type="datetimeFigureOut">
               <a:rPr lang="en-US" smtClean="0"/>
-              <a:t>20-Dec-19</a:t>
+              <a:t>12/30/2020</a:t>
             </a:fld>
             <a:endParaRPr lang="en-US"/>
           </a:p>
@@ -1063,10 +1058,9 @@
           <a:lstStyle/>
           <a:p>
             <a:r>
-              <a:rPr lang="en-US" smtClean="0"/>
+              <a:rPr lang="en-US"/>
               <a:t>Click to edit Master title style</a:t>
             </a:r>
-            <a:endParaRPr lang="en-US"/>
           </a:p>
         </p:txBody>
       </p:sp>
@@ -1092,38 +1086,37 @@
           <a:p>
             <a:pPr lvl="0"/>
             <a:r>
-              <a:rPr lang="en-US" smtClean="0"/>
+              <a:rPr lang="en-US"/>
               <a:t>Click to edit Master text styles</a:t>
             </a:r>
           </a:p>
           <a:p>
             <a:pPr lvl="1"/>
             <a:r>
-              <a:rPr lang="en-US" smtClean="0"/>
+              <a:rPr lang="en-US"/>
               <a:t>Second level</a:t>
             </a:r>
           </a:p>
           <a:p>
             <a:pPr lvl="2"/>
             <a:r>
-              <a:rPr lang="en-US" smtClean="0"/>
+              <a:rPr lang="en-US"/>
               <a:t>Third level</a:t>
             </a:r>
           </a:p>
           <a:p>
             <a:pPr lvl="3"/>
             <a:r>
-              <a:rPr lang="en-US" smtClean="0"/>
+              <a:rPr lang="en-US"/>
               <a:t>Fourth level</a:t>
             </a:r>
           </a:p>
           <a:p>
             <a:pPr lvl="4"/>
             <a:r>
-              <a:rPr lang="en-US" smtClean="0"/>
+              <a:rPr lang="en-US"/>
               <a:t>Fifth level</a:t>
             </a:r>
-            <a:endParaRPr lang="en-US"/>
           </a:p>
         </p:txBody>
       </p:sp>
@@ -1144,7 +1137,7 @@
           <a:p>
             <a:fld id="{04F1D4A2-813C-F741-B481-C92B3A596030}" type="datetimeFigureOut">
               <a:rPr lang="en-US" smtClean="0"/>
-              <a:t>20-Dec-19</a:t>
+              <a:t>12/30/2020</a:t>
             </a:fld>
             <a:endParaRPr lang="en-US"/>
           </a:p>
@@ -1242,10 +1235,9 @@
           </a:lstStyle>
           <a:p>
             <a:r>
-              <a:rPr lang="en-US" dirty="0" smtClean="0"/>
+              <a:rPr lang="en-US" dirty="0"/>
               <a:t>Click to edit Master title style</a:t>
             </a:r>
-            <a:endParaRPr lang="en-US" dirty="0"/>
           </a:p>
         </p:txBody>
       </p:sp>
@@ -1273,38 +1265,37 @@
           <a:p>
             <a:pPr lvl="0"/>
             <a:r>
-              <a:rPr lang="en-US" dirty="0" smtClean="0"/>
+              <a:rPr lang="en-US" dirty="0"/>
               <a:t>Click to edit Master text styles</a:t>
             </a:r>
           </a:p>
           <a:p>
             <a:pPr lvl="1"/>
             <a:r>
-              <a:rPr lang="en-US" dirty="0" smtClean="0"/>
+              <a:rPr lang="en-US" dirty="0"/>
               <a:t>Second level</a:t>
             </a:r>
           </a:p>
           <a:p>
             <a:pPr lvl="2"/>
             <a:r>
-              <a:rPr lang="en-US" dirty="0" smtClean="0"/>
+              <a:rPr lang="en-US" dirty="0"/>
               <a:t>Third level</a:t>
             </a:r>
           </a:p>
           <a:p>
             <a:pPr lvl="3"/>
             <a:r>
-              <a:rPr lang="en-US" dirty="0" smtClean="0"/>
+              <a:rPr lang="en-US" dirty="0"/>
               <a:t>Fourth level</a:t>
             </a:r>
           </a:p>
           <a:p>
             <a:pPr lvl="4"/>
             <a:r>
-              <a:rPr lang="en-US" dirty="0" smtClean="0"/>
+              <a:rPr lang="en-US" dirty="0"/>
               <a:t>Fifth level</a:t>
             </a:r>
-            <a:endParaRPr lang="en-US" dirty="0"/>
           </a:p>
         </p:txBody>
       </p:sp>
@@ -1325,7 +1316,7 @@
           <a:p>
             <a:fld id="{04F1D4A2-813C-F741-B481-C92B3A596030}" type="datetimeFigureOut">
               <a:rPr lang="en-US" smtClean="0"/>
-              <a:t>20-Dec-19</a:t>
+              <a:t>12/30/2020</a:t>
             </a:fld>
             <a:endParaRPr lang="en-US"/>
           </a:p>
@@ -1428,10 +1419,9 @@
           </a:lstStyle>
           <a:p>
             <a:r>
-              <a:rPr lang="en-US" smtClean="0"/>
+              <a:rPr lang="en-US"/>
               <a:t>Click to edit Master title style</a:t>
             </a:r>
-            <a:endParaRPr lang="en-US"/>
           </a:p>
         </p:txBody>
       </p:sp>
@@ -1548,7 +1538,7 @@
           <a:p>
             <a:pPr lvl="0"/>
             <a:r>
-              <a:rPr lang="en-US" smtClean="0"/>
+              <a:rPr lang="en-US"/>
               <a:t>Click to edit Master text styles</a:t>
             </a:r>
           </a:p>
@@ -1571,7 +1561,7 @@
           <a:p>
             <a:fld id="{04F1D4A2-813C-F741-B481-C92B3A596030}" type="datetimeFigureOut">
               <a:rPr lang="en-US" smtClean="0"/>
-              <a:t>20-Dec-19</a:t>
+              <a:t>12/30/2020</a:t>
             </a:fld>
             <a:endParaRPr lang="en-US"/>
           </a:p>
@@ -1665,10 +1655,9 @@
           <a:lstStyle/>
           <a:p>
             <a:r>
-              <a:rPr lang="en-US" smtClean="0"/>
+              <a:rPr lang="en-US"/>
               <a:t>Click to edit Master title style</a:t>
             </a:r>
-            <a:endParaRPr lang="en-US"/>
           </a:p>
         </p:txBody>
       </p:sp>
@@ -1694,38 +1683,37 @@
           <a:p>
             <a:pPr lvl="0"/>
             <a:r>
-              <a:rPr lang="en-US" smtClean="0"/>
+              <a:rPr lang="en-US"/>
               <a:t>Click to edit Master text styles</a:t>
             </a:r>
           </a:p>
           <a:p>
             <a:pPr lvl="1"/>
             <a:r>
-              <a:rPr lang="en-US" smtClean="0"/>
+              <a:rPr lang="en-US"/>
               <a:t>Second level</a:t>
             </a:r>
           </a:p>
           <a:p>
             <a:pPr lvl="2"/>
             <a:r>
-              <a:rPr lang="en-US" smtClean="0"/>
+              <a:rPr lang="en-US"/>
               <a:t>Third level</a:t>
             </a:r>
           </a:p>
           <a:p>
             <a:pPr lvl="3"/>
             <a:r>
-              <a:rPr lang="en-US" smtClean="0"/>
+              <a:rPr lang="en-US"/>
               <a:t>Fourth level</a:t>
             </a:r>
           </a:p>
           <a:p>
             <a:pPr lvl="4"/>
             <a:r>
-              <a:rPr lang="en-US" smtClean="0"/>
+              <a:rPr lang="en-US"/>
               <a:t>Fifth level</a:t>
             </a:r>
-            <a:endParaRPr lang="en-US"/>
           </a:p>
         </p:txBody>
       </p:sp>
@@ -1751,38 +1739,37 @@
           <a:p>
             <a:pPr lvl="0"/>
             <a:r>
-              <a:rPr lang="en-US" smtClean="0"/>
+              <a:rPr lang="en-US"/>
               <a:t>Click to edit Master text styles</a:t>
             </a:r>
           </a:p>
           <a:p>
             <a:pPr lvl="1"/>
             <a:r>
-              <a:rPr lang="en-US" smtClean="0"/>
+              <a:rPr lang="en-US"/>
               <a:t>Second level</a:t>
             </a:r>
           </a:p>
           <a:p>
             <a:pPr lvl="2"/>
             <a:r>
-              <a:rPr lang="en-US" smtClean="0"/>
+              <a:rPr lang="en-US"/>
               <a:t>Third level</a:t>
             </a:r>
           </a:p>
           <a:p>
             <a:pPr lvl="3"/>
             <a:r>
-              <a:rPr lang="en-US" smtClean="0"/>
+              <a:rPr lang="en-US"/>
               <a:t>Fourth level</a:t>
             </a:r>
           </a:p>
           <a:p>
             <a:pPr lvl="4"/>
             <a:r>
-              <a:rPr lang="en-US" smtClean="0"/>
+              <a:rPr lang="en-US"/>
               <a:t>Fifth level</a:t>
             </a:r>
-            <a:endParaRPr lang="en-US"/>
           </a:p>
         </p:txBody>
       </p:sp>
@@ -1803,7 +1790,7 @@
           <a:p>
             <a:fld id="{04F1D4A2-813C-F741-B481-C92B3A596030}" type="datetimeFigureOut">
               <a:rPr lang="en-US" smtClean="0"/>
-              <a:t>20-Dec-19</a:t>
+              <a:t>12/30/2020</a:t>
             </a:fld>
             <a:endParaRPr lang="en-US"/>
           </a:p>
@@ -1902,10 +1889,9 @@
           <a:lstStyle/>
           <a:p>
             <a:r>
-              <a:rPr lang="en-US" smtClean="0"/>
+              <a:rPr lang="en-US"/>
               <a:t>Click to edit Master title style</a:t>
             </a:r>
-            <a:endParaRPr lang="en-US"/>
           </a:p>
         </p:txBody>
       </p:sp>
@@ -1968,7 +1954,7 @@
           <a:p>
             <a:pPr lvl="0"/>
             <a:r>
-              <a:rPr lang="en-US" smtClean="0"/>
+              <a:rPr lang="en-US"/>
               <a:t>Click to edit Master text styles</a:t>
             </a:r>
           </a:p>
@@ -1996,38 +1982,37 @@
           <a:p>
             <a:pPr lvl="0"/>
             <a:r>
-              <a:rPr lang="en-US" smtClean="0"/>
+              <a:rPr lang="en-US"/>
               <a:t>Click to edit Master text styles</a:t>
             </a:r>
           </a:p>
           <a:p>
             <a:pPr lvl="1"/>
             <a:r>
-              <a:rPr lang="en-US" smtClean="0"/>
+              <a:rPr lang="en-US"/>
               <a:t>Second level</a:t>
             </a:r>
           </a:p>
           <a:p>
             <a:pPr lvl="2"/>
             <a:r>
-              <a:rPr lang="en-US" smtClean="0"/>
+              <a:rPr lang="en-US"/>
               <a:t>Third level</a:t>
             </a:r>
           </a:p>
           <a:p>
             <a:pPr lvl="3"/>
             <a:r>
-              <a:rPr lang="en-US" smtClean="0"/>
+              <a:rPr lang="en-US"/>
               <a:t>Fourth level</a:t>
             </a:r>
           </a:p>
           <a:p>
             <a:pPr lvl="4"/>
             <a:r>
-              <a:rPr lang="en-US" smtClean="0"/>
+              <a:rPr lang="en-US"/>
               <a:t>Fifth level</a:t>
             </a:r>
-            <a:endParaRPr lang="en-US"/>
           </a:p>
         </p:txBody>
       </p:sp>
@@ -2090,7 +2075,7 @@
           <a:p>
             <a:pPr lvl="0"/>
             <a:r>
-              <a:rPr lang="en-US" smtClean="0"/>
+              <a:rPr lang="en-US"/>
               <a:t>Click to edit Master text styles</a:t>
             </a:r>
           </a:p>
@@ -2118,38 +2103,37 @@
           <a:p>
             <a:pPr lvl="0"/>
             <a:r>
-              <a:rPr lang="en-US" smtClean="0"/>
+              <a:rPr lang="en-US"/>
               <a:t>Click to edit Master text styles</a:t>
             </a:r>
           </a:p>
           <a:p>
             <a:pPr lvl="1"/>
             <a:r>
-              <a:rPr lang="en-US" smtClean="0"/>
+              <a:rPr lang="en-US"/>
               <a:t>Second level</a:t>
             </a:r>
           </a:p>
           <a:p>
             <a:pPr lvl="2"/>
             <a:r>
-              <a:rPr lang="en-US" smtClean="0"/>
+              <a:rPr lang="en-US"/>
               <a:t>Third level</a:t>
             </a:r>
           </a:p>
           <a:p>
             <a:pPr lvl="3"/>
             <a:r>
-              <a:rPr lang="en-US" smtClean="0"/>
+              <a:rPr lang="en-US"/>
               <a:t>Fourth level</a:t>
             </a:r>
           </a:p>
           <a:p>
             <a:pPr lvl="4"/>
             <a:r>
-              <a:rPr lang="en-US" smtClean="0"/>
+              <a:rPr lang="en-US"/>
               <a:t>Fifth level</a:t>
             </a:r>
-            <a:endParaRPr lang="en-US"/>
           </a:p>
         </p:txBody>
       </p:sp>
@@ -2170,7 +2154,7 @@
           <a:p>
             <a:fld id="{04F1D4A2-813C-F741-B481-C92B3A596030}" type="datetimeFigureOut">
               <a:rPr lang="en-US" smtClean="0"/>
-              <a:t>20-Dec-19</a:t>
+              <a:t>12/30/2020</a:t>
             </a:fld>
             <a:endParaRPr lang="en-US"/>
           </a:p>
@@ -2264,10 +2248,9 @@
           <a:lstStyle/>
           <a:p>
             <a:r>
-              <a:rPr lang="en-US" smtClean="0"/>
+              <a:rPr lang="en-US"/>
               <a:t>Click to edit Master title style</a:t>
             </a:r>
-            <a:endParaRPr lang="en-US"/>
           </a:p>
         </p:txBody>
       </p:sp>
@@ -2288,7 +2271,7 @@
           <a:p>
             <a:fld id="{04F1D4A2-813C-F741-B481-C92B3A596030}" type="datetimeFigureOut">
               <a:rPr lang="en-US" smtClean="0"/>
-              <a:t>20-Dec-19</a:t>
+              <a:t>12/30/2020</a:t>
             </a:fld>
             <a:endParaRPr lang="en-US"/>
           </a:p>
@@ -2383,7 +2366,7 @@
           <a:p>
             <a:fld id="{04F1D4A2-813C-F741-B481-C92B3A596030}" type="datetimeFigureOut">
               <a:rPr lang="en-US" smtClean="0"/>
-              <a:t>20-Dec-19</a:t>
+              <a:t>12/30/2020</a:t>
             </a:fld>
             <a:endParaRPr lang="en-US"/>
           </a:p>
@@ -2486,10 +2469,9 @@
           </a:lstStyle>
           <a:p>
             <a:r>
-              <a:rPr lang="en-US" smtClean="0"/>
+              <a:rPr lang="en-US"/>
               <a:t>Click to edit Master title style</a:t>
             </a:r>
-            <a:endParaRPr lang="en-US"/>
           </a:p>
         </p:txBody>
       </p:sp>
@@ -2543,38 +2525,37 @@
           <a:p>
             <a:pPr lvl="0"/>
             <a:r>
-              <a:rPr lang="en-US" smtClean="0"/>
+              <a:rPr lang="en-US"/>
               <a:t>Click to edit Master text styles</a:t>
             </a:r>
           </a:p>
           <a:p>
             <a:pPr lvl="1"/>
             <a:r>
-              <a:rPr lang="en-US" smtClean="0"/>
+              <a:rPr lang="en-US"/>
               <a:t>Second level</a:t>
             </a:r>
           </a:p>
           <a:p>
             <a:pPr lvl="2"/>
             <a:r>
-              <a:rPr lang="en-US" smtClean="0"/>
+              <a:rPr lang="en-US"/>
               <a:t>Third level</a:t>
             </a:r>
           </a:p>
           <a:p>
             <a:pPr lvl="3"/>
             <a:r>
-              <a:rPr lang="en-US" smtClean="0"/>
+              <a:rPr lang="en-US"/>
               <a:t>Fourth level</a:t>
             </a:r>
           </a:p>
           <a:p>
             <a:pPr lvl="4"/>
             <a:r>
-              <a:rPr lang="en-US" smtClean="0"/>
+              <a:rPr lang="en-US"/>
               <a:t>Fifth level</a:t>
             </a:r>
-            <a:endParaRPr lang="en-US"/>
           </a:p>
         </p:txBody>
       </p:sp>
@@ -2637,7 +2618,7 @@
           <a:p>
             <a:pPr lvl="0"/>
             <a:r>
-              <a:rPr lang="en-US" smtClean="0"/>
+              <a:rPr lang="en-US"/>
               <a:t>Click to edit Master text styles</a:t>
             </a:r>
           </a:p>
@@ -2660,7 +2641,7 @@
           <a:p>
             <a:fld id="{04F1D4A2-813C-F741-B481-C92B3A596030}" type="datetimeFigureOut">
               <a:rPr lang="en-US" smtClean="0"/>
-              <a:t>20-Dec-19</a:t>
+              <a:t>12/30/2020</a:t>
             </a:fld>
             <a:endParaRPr lang="en-US"/>
           </a:p>
@@ -2763,10 +2744,9 @@
           </a:lstStyle>
           <a:p>
             <a:r>
-              <a:rPr lang="en-US" smtClean="0"/>
+              <a:rPr lang="en-US"/>
               <a:t>Click to edit Master title style</a:t>
             </a:r>
-            <a:endParaRPr lang="en-US"/>
           </a:p>
         </p:txBody>
       </p:sp>
@@ -2890,7 +2870,7 @@
           <a:p>
             <a:pPr lvl="0"/>
             <a:r>
-              <a:rPr lang="en-US" smtClean="0"/>
+              <a:rPr lang="en-US"/>
               <a:t>Click to edit Master text styles</a:t>
             </a:r>
           </a:p>
@@ -2913,7 +2893,7 @@
           <a:p>
             <a:fld id="{04F1D4A2-813C-F741-B481-C92B3A596030}" type="datetimeFigureOut">
               <a:rPr lang="en-US" smtClean="0"/>
-              <a:t>20-Dec-19</a:t>
+              <a:t>12/30/2020</a:t>
             </a:fld>
             <a:endParaRPr lang="en-US"/>
           </a:p>
@@ -3022,10 +3002,9 @@
           <a:lstStyle/>
           <a:p>
             <a:r>
-              <a:rPr lang="en-US" dirty="0" smtClean="0"/>
+              <a:rPr lang="en-US" dirty="0"/>
               <a:t>Click to edit Master title style</a:t>
             </a:r>
-            <a:endParaRPr lang="en-US" dirty="0"/>
           </a:p>
         </p:txBody>
       </p:sp>
@@ -3056,38 +3035,37 @@
           <a:p>
             <a:pPr lvl="0"/>
             <a:r>
-              <a:rPr lang="en-US" smtClean="0"/>
+              <a:rPr lang="en-US"/>
               <a:t>Click to edit Master text styles</a:t>
             </a:r>
           </a:p>
           <a:p>
             <a:pPr lvl="1"/>
             <a:r>
-              <a:rPr lang="en-US" smtClean="0"/>
+              <a:rPr lang="en-US"/>
               <a:t>Second level</a:t>
             </a:r>
           </a:p>
           <a:p>
             <a:pPr lvl="2"/>
             <a:r>
-              <a:rPr lang="en-US" smtClean="0"/>
+              <a:rPr lang="en-US"/>
               <a:t>Third level</a:t>
             </a:r>
           </a:p>
           <a:p>
             <a:pPr lvl="3"/>
             <a:r>
-              <a:rPr lang="en-US" smtClean="0"/>
+              <a:rPr lang="en-US"/>
               <a:t>Fourth level</a:t>
             </a:r>
           </a:p>
           <a:p>
             <a:pPr lvl="4"/>
             <a:r>
-              <a:rPr lang="en-US" smtClean="0"/>
+              <a:rPr lang="en-US"/>
               <a:t>Fifth level</a:t>
             </a:r>
-            <a:endParaRPr lang="en-US"/>
           </a:p>
         </p:txBody>
       </p:sp>
@@ -3126,7 +3104,7 @@
           <a:p>
             <a:fld id="{04F1D4A2-813C-F741-B481-C92B3A596030}" type="datetimeFigureOut">
               <a:rPr lang="en-US" smtClean="0"/>
-              <a:t>20-Dec-19</a:t>
+              <a:t>12/30/2020</a:t>
             </a:fld>
             <a:endParaRPr lang="en-US"/>
           </a:p>
@@ -3555,32 +3533,27 @@
           <a:p>
             <a:pPr algn="l"/>
             <a:r>
-              <a:rPr lang="en-US" dirty="0" smtClean="0"/>
+              <a:rPr lang="en-US" dirty="0"/>
               <a:t>Enterprise </a:t>
             </a:r>
             <a:r>
-              <a:rPr lang="en-US" dirty="0" err="1" smtClean="0"/>
+              <a:rPr lang="en-US" dirty="0" err="1"/>
               <a:t>Programmering</a:t>
             </a:r>
             <a:r>
-              <a:rPr lang="en-US" dirty="0" smtClean="0"/>
+              <a:rPr lang="en-US" dirty="0"/>
               <a:t> 1</a:t>
             </a:r>
             <a:br>
-              <a:rPr lang="en-US" dirty="0" smtClean="0"/>
+              <a:rPr lang="en-US" dirty="0"/>
             </a:br>
-            <a:r>
-              <a:rPr lang="en-US" dirty="0" smtClean="0"/>
-              <a:t/>
-            </a:r>
             <a:br>
-              <a:rPr lang="en-US" dirty="0" smtClean="0"/>
+              <a:rPr lang="en-US" dirty="0"/>
             </a:br>
             <a:r>
-              <a:rPr lang="en-US" dirty="0" smtClean="0"/>
+              <a:rPr lang="en-US" dirty="0"/>
               <a:t>Lesson 10: Security</a:t>
             </a:r>
-            <a:endParaRPr lang="en-US" dirty="0"/>
           </a:p>
         </p:txBody>
       </p:sp>
@@ -3608,11 +3581,11 @@
           <a:p>
             <a:pPr algn="r"/>
             <a:r>
-              <a:rPr lang="en-US" smtClean="0"/>
+              <a:rPr lang="en-US"/>
               <a:t>Prof. </a:t>
             </a:r>
             <a:r>
-              <a:rPr lang="en-US" dirty="0" smtClean="0"/>
+              <a:rPr lang="en-US" dirty="0"/>
               <a:t>Andrea Arcuri</a:t>
             </a:r>
           </a:p>
@@ -3664,10 +3637,9 @@
           <a:lstStyle/>
           <a:p>
             <a:r>
-              <a:rPr lang="en-US" dirty="0" smtClean="0"/>
+              <a:rPr lang="en-US" dirty="0"/>
               <a:t>Login with Cookies</a:t>
             </a:r>
-            <a:endParaRPr lang="en-US" dirty="0"/>
           </a:p>
         </p:txBody>
       </p:sp>
@@ -3694,69 +3666,68 @@
           <a:lstStyle/>
           <a:p>
             <a:r>
-              <a:rPr lang="en-US" dirty="0" smtClean="0"/>
+              <a:rPr lang="en-US" dirty="0"/>
               <a:t>Browser:  POST /login</a:t>
             </a:r>
           </a:p>
           <a:p>
             <a:pPr lvl="1"/>
             <a:r>
-              <a:rPr lang="en-US" dirty="0" smtClean="0"/>
+              <a:rPr lang="en-US" dirty="0"/>
               <a:t>Username X and password as HTTP body</a:t>
             </a:r>
           </a:p>
           <a:p>
             <a:r>
-              <a:rPr lang="en-US" dirty="0" smtClean="0"/>
+              <a:rPr lang="en-US" dirty="0"/>
               <a:t>Server: if login is successful, respond to the POST with a “</a:t>
             </a:r>
             <a:r>
-              <a:rPr lang="en-US" i="1" dirty="0" smtClean="0"/>
+              <a:rPr lang="en-US" i="1" dirty="0"/>
               <a:t>Set-Cookie</a:t>
             </a:r>
             <a:r>
-              <a:rPr lang="en-US" dirty="0" smtClean="0"/>
+              <a:rPr lang="en-US" dirty="0"/>
               <a:t>” header, with some unique identifier Y</a:t>
             </a:r>
           </a:p>
           <a:p>
             <a:pPr lvl="1"/>
             <a:r>
-              <a:rPr lang="en-US" dirty="0" smtClean="0"/>
+              <a:rPr lang="en-US" dirty="0"/>
               <a:t>Server needs to remember that cookie Y is associated with user X</a:t>
             </a:r>
           </a:p>
           <a:p>
             <a:pPr lvl="1"/>
             <a:r>
-              <a:rPr lang="en-US" i="1" dirty="0" smtClean="0"/>
+              <a:rPr lang="en-US" i="1" dirty="0"/>
               <a:t>Set-Cookie: &lt;cookie-name&gt;=&lt;cookie-value&gt;</a:t>
             </a:r>
           </a:p>
           <a:p>
             <a:r>
-              <a:rPr lang="en-US" dirty="0" smtClean="0"/>
+              <a:rPr lang="en-US" dirty="0"/>
               <a:t>Browser: from now on, each following HTTP request will have “</a:t>
             </a:r>
             <a:r>
-              <a:rPr lang="en-US" i="1" dirty="0" smtClean="0"/>
+              <a:rPr lang="en-US" i="1" dirty="0"/>
               <a:t>Cookie: Y</a:t>
             </a:r>
             <a:r>
-              <a:rPr lang="en-US" dirty="0" smtClean="0"/>
+              <a:rPr lang="en-US" dirty="0"/>
               <a:t>” in the headers</a:t>
             </a:r>
           </a:p>
           <a:p>
             <a:r>
-              <a:rPr lang="en-US" dirty="0" smtClean="0"/>
+              <a:rPr lang="en-US" dirty="0"/>
               <a:t>Logout: remove association between cookie Y and user X on server. </a:t>
             </a:r>
-            <a:endParaRPr lang="en-US" dirty="0"/>
-          </a:p>
-          <a:p>
-            <a:r>
-              <a:rPr lang="en-US" dirty="0" smtClean="0"/>
+          </a:p>
+          <a:p>
+            <a:r>
+              <a:rPr lang="en-US" dirty="0"/>
               <a:t>Server: HTTP request with no cookie of invalid/expired cookie, do 3xx redirect to login page</a:t>
             </a:r>
           </a:p>
@@ -3812,10 +3783,9 @@
           <a:lstStyle/>
           <a:p>
             <a:r>
-              <a:rPr lang="en-US" dirty="0" smtClean="0"/>
+              <a:rPr lang="en-US" dirty="0"/>
               <a:t>Cookies and Sessions</a:t>
             </a:r>
-            <a:endParaRPr lang="en-US" dirty="0"/>
           </a:p>
         </p:txBody>
       </p:sp>
@@ -3842,22 +3812,22 @@
           <a:lstStyle/>
           <a:p>
             <a:r>
-              <a:rPr lang="en-US" dirty="0" smtClean="0"/>
+              <a:rPr lang="en-US" dirty="0"/>
               <a:t>Servers would usually send a “</a:t>
             </a:r>
             <a:r>
-              <a:rPr lang="en-US" i="1" dirty="0" smtClean="0"/>
+              <a:rPr lang="en-US" i="1" dirty="0"/>
               <a:t>Set-Cookie</a:t>
             </a:r>
             <a:r>
-              <a:rPr lang="en-US" dirty="0" smtClean="0"/>
+              <a:rPr lang="en-US" dirty="0"/>
               <a:t>” regardless of login</a:t>
             </a:r>
           </a:p>
           <a:p>
             <a:pPr lvl="1"/>
             <a:r>
-              <a:rPr lang="en-US" dirty="0" smtClean="0"/>
+              <a:rPr lang="en-US" dirty="0"/>
               <a:t>want to know if requests are coming from same users, regardless if s/he is registered/authenticated</a:t>
             </a:r>
           </a:p>
@@ -3865,42 +3835,38 @@
             <a:pPr lvl="1"/>
             <a:r>
               <a:rPr lang="en-US" dirty="0" err="1"/>
-              <a:t>i</a:t>
-            </a:r>
-            <a:r>
-              <a:rPr lang="en-US" dirty="0" err="1" smtClean="0"/>
-              <a:t>e</a:t>
-            </a:r>
-            <a:r>
-              <a:rPr lang="en-US" dirty="0" smtClean="0"/>
+              <a:t>ie</a:t>
+            </a:r>
+            <a:r>
+              <a:rPr lang="en-US" dirty="0"/>
               <a:t> cookies used to define “sessions”</a:t>
             </a:r>
           </a:p>
           <a:p>
             <a:r>
-              <a:rPr lang="en-US" dirty="0" smtClean="0"/>
+              <a:rPr lang="en-US" dirty="0"/>
               <a:t>After login could create a new session (</a:t>
             </a:r>
             <a:r>
-              <a:rPr lang="en-US" dirty="0" err="1" smtClean="0"/>
+              <a:rPr lang="en-US" dirty="0" err="1"/>
               <a:t>ie</a:t>
             </a:r>
             <a:r>
-              <a:rPr lang="en-US" dirty="0" smtClean="0"/>
+              <a:rPr lang="en-US" dirty="0"/>
               <a:t>, invalidate old cookie and create a new one) or use the existing session cookie (</a:t>
             </a:r>
             <a:r>
-              <a:rPr lang="en-US" dirty="0" err="1" smtClean="0"/>
+              <a:rPr lang="en-US" dirty="0" err="1"/>
               <a:t>eg</a:t>
             </a:r>
             <a:r>
-              <a:rPr lang="en-US" dirty="0" smtClean="0"/>
+              <a:rPr lang="en-US" dirty="0"/>
               <a:t>, the one set by the server when login page was retrieved with the first GET)</a:t>
             </a:r>
           </a:p>
           <a:p>
             <a:r>
-              <a:rPr lang="en-US" dirty="0" smtClean="0"/>
+              <a:rPr lang="en-US" dirty="0"/>
               <a:t>Problem with re-using session cookies: make sure all the pages were served with HTTPS and not HTTP</a:t>
             </a:r>
           </a:p>
@@ -3908,14 +3874,10 @@
             <a:pPr lvl="1"/>
             <a:r>
               <a:rPr lang="en-US" dirty="0" err="1"/>
-              <a:t>i</a:t>
-            </a:r>
-            <a:r>
-              <a:rPr lang="en-US" dirty="0" err="1" smtClean="0"/>
-              <a:t>e</a:t>
-            </a:r>
-            <a:r>
-              <a:rPr lang="en-US" dirty="0" smtClean="0"/>
+              <a:t>ie</a:t>
+            </a:r>
+            <a:r>
+              <a:rPr lang="en-US" dirty="0"/>
               <a:t>, use HTTPS for all pages, even the login one</a:t>
             </a:r>
           </a:p>
@@ -3923,13 +3885,8 @@
             <a:pPr lvl="1"/>
             <a:r>
               <a:rPr lang="en-US" dirty="0"/>
-              <a:t>d</a:t>
-            </a:r>
-            <a:r>
-              <a:rPr lang="en-US" dirty="0" smtClean="0"/>
-              <a:t>o not use HTTP and then switch to HTTPS once login is done </a:t>
-            </a:r>
-            <a:endParaRPr lang="en-US" dirty="0"/>
+              <a:t>do not use HTTP and then switch to HTTPS once login is done </a:t>
+            </a:r>
           </a:p>
         </p:txBody>
       </p:sp>
@@ -3979,10 +3936,9 @@
           <a:lstStyle/>
           <a:p>
             <a:r>
-              <a:rPr lang="en-US" dirty="0" smtClean="0"/>
+              <a:rPr lang="en-US" dirty="0"/>
               <a:t>Storing cookies</a:t>
             </a:r>
-            <a:endParaRPr lang="en-US" dirty="0"/>
           </a:p>
         </p:txBody>
       </p:sp>
@@ -4009,49 +3965,49 @@
           <a:lstStyle/>
           <a:p>
             <a:r>
-              <a:rPr lang="en-US" dirty="0" smtClean="0"/>
+              <a:rPr lang="en-US" dirty="0"/>
               <a:t>The browser will store cookie values locally</a:t>
             </a:r>
           </a:p>
           <a:p>
             <a:r>
-              <a:rPr lang="en-US" dirty="0" smtClean="0"/>
+              <a:rPr lang="en-US" dirty="0"/>
               <a:t>At each HTTP/S request, it will send the cookies in the HTTP headers</a:t>
             </a:r>
           </a:p>
           <a:p>
             <a:r>
-              <a:rPr lang="en-US" dirty="0" smtClean="0"/>
+              <a:rPr lang="en-US" dirty="0"/>
               <a:t>Cookies are sent only to same server who asked to set them</a:t>
             </a:r>
           </a:p>
           <a:p>
             <a:pPr lvl="1"/>
             <a:r>
-              <a:rPr lang="en-US" dirty="0" err="1" smtClean="0"/>
+              <a:rPr lang="en-US" dirty="0" err="1"/>
               <a:t>Eg</a:t>
             </a:r>
             <a:r>
-              <a:rPr lang="en-US" dirty="0" smtClean="0"/>
+              <a:rPr lang="en-US" dirty="0"/>
               <a:t>, cookies set from “foo.com” are not going to be sent when I do GET requests to “bar.org”</a:t>
             </a:r>
           </a:p>
           <a:p>
             <a:r>
-              <a:rPr lang="en-US" dirty="0" smtClean="0"/>
+              <a:rPr lang="en-US" dirty="0"/>
               <a:t>JavaScript can read those cookie values on the browser</a:t>
             </a:r>
           </a:p>
           <a:p>
             <a:r>
-              <a:rPr lang="en-US" dirty="0" smtClean="0"/>
+              <a:rPr lang="en-US" dirty="0"/>
               <a:t>What is the problem with it?</a:t>
             </a:r>
           </a:p>
           <a:p>
             <a:pPr lvl="1"/>
             <a:r>
-              <a:rPr lang="en-US" dirty="0" smtClean="0"/>
+              <a:rPr lang="en-US" dirty="0"/>
               <a:t>You can fabricate a web site with JS that reads all cookies, and then use them to access the user’s Google/Facebook/Bank accounts by doing AJAX calls… </a:t>
             </a:r>
           </a:p>
@@ -4067,10 +4023,9 @@
               <a:rPr lang="en-US" dirty="0"/>
               <a:t>usually up to 4K bytes per domain can be stored in a browser </a:t>
             </a:r>
-            <a:endParaRPr lang="en-US" dirty="0" smtClean="0"/>
-          </a:p>
-          <a:p>
-            <a:endParaRPr lang="en-US" dirty="0" smtClean="0"/>
+          </a:p>
+          <a:p>
+            <a:endParaRPr lang="en-US" dirty="0"/>
           </a:p>
           <a:p>
             <a:pPr marL="0" indent="0">
@@ -4126,11 +4081,11 @@
           <a:lstStyle/>
           <a:p>
             <a:r>
-              <a:rPr lang="en-US" dirty="0" smtClean="0"/>
+              <a:rPr lang="en-US" dirty="0"/>
               <a:t>Expires / Secure / </a:t>
             </a:r>
             <a:r>
-              <a:rPr lang="en-US" dirty="0" err="1" smtClean="0"/>
+              <a:rPr lang="en-US" dirty="0" err="1"/>
               <a:t>HttpOnly</a:t>
             </a:r>
             <a:endParaRPr lang="en-US" dirty="0"/>
@@ -4160,59 +4115,58 @@
           <a:lstStyle/>
           <a:p>
             <a:r>
-              <a:rPr lang="en-US" b="1" dirty="0" smtClean="0"/>
+              <a:rPr lang="en-US" b="1" dirty="0"/>
               <a:t>Set-Cookie: &lt;name&gt;=&lt;value&gt;; Expires=&lt;date&gt;; Secure; </a:t>
             </a:r>
             <a:r>
-              <a:rPr lang="en-US" b="1" dirty="0" err="1" smtClean="0"/>
+              <a:rPr lang="en-US" b="1" dirty="0" err="1"/>
               <a:t>HttpOnly</a:t>
             </a:r>
-            <a:endParaRPr lang="en-US" b="1" dirty="0" smtClean="0"/>
-          </a:p>
-          <a:p>
-            <a:r>
-              <a:rPr lang="en-US" i="1" dirty="0" smtClean="0"/>
+            <a:endParaRPr lang="en-US" b="1" dirty="0"/>
+          </a:p>
+          <a:p>
+            <a:r>
+              <a:rPr lang="en-US" i="1" dirty="0"/>
               <a:t>Expires</a:t>
             </a:r>
             <a:r>
-              <a:rPr lang="en-US" dirty="0" smtClean="0"/>
+              <a:rPr lang="en-US" dirty="0"/>
               <a:t>: for how long the cookie should be stored</a:t>
             </a:r>
           </a:p>
           <a:p>
             <a:r>
-              <a:rPr lang="en-US" i="1" dirty="0" smtClean="0"/>
+              <a:rPr lang="en-US" i="1" dirty="0"/>
               <a:t>Secure</a:t>
             </a:r>
             <a:r>
-              <a:rPr lang="en-US" dirty="0" smtClean="0"/>
+              <a:rPr lang="en-US" dirty="0"/>
               <a:t>: browser should send the cookie only over HTTPS, not HTTP</a:t>
             </a:r>
           </a:p>
           <a:p>
             <a:pPr lvl="1"/>
             <a:r>
-              <a:rPr lang="en-US" dirty="0" smtClean="0"/>
+              <a:rPr lang="en-US" dirty="0"/>
               <a:t>There are kinds of attacks to trick a page to make a HTTP toward the same server instead of HTTPS, and so could read authentication cookies in plain text on the network</a:t>
             </a:r>
           </a:p>
           <a:p>
             <a:r>
-              <a:rPr lang="en-US" i="1" dirty="0" err="1" smtClean="0"/>
+              <a:rPr lang="en-US" i="1" dirty="0" err="1"/>
               <a:t>HttpOnly</a:t>
             </a:r>
             <a:r>
-              <a:rPr lang="en-US" dirty="0" smtClean="0"/>
+              <a:rPr lang="en-US" dirty="0"/>
               <a:t>: do not allow JS in the browser to read such cookie. </a:t>
             </a:r>
           </a:p>
           <a:p>
             <a:pPr lvl="1"/>
             <a:r>
-              <a:rPr lang="en-US" dirty="0" smtClean="0"/>
+              <a:rPr lang="en-US" dirty="0"/>
               <a:t>This is critical for authentication cookies</a:t>
             </a:r>
-            <a:endParaRPr lang="en-US" dirty="0"/>
           </a:p>
         </p:txBody>
       </p:sp>
@@ -4269,10 +4223,9 @@
           <a:lstStyle/>
           <a:p>
             <a:r>
-              <a:rPr lang="en-US" dirty="0" smtClean="0"/>
+              <a:rPr lang="en-US" dirty="0"/>
               <a:t>Cookie Tracking</a:t>
             </a:r>
-            <a:endParaRPr lang="en-US" dirty="0"/>
           </a:p>
         </p:txBody>
       </p:sp>
@@ -4299,30 +4252,29 @@
           <a:lstStyle/>
           <a:p>
             <a:r>
-              <a:rPr lang="en-US" dirty="0" smtClean="0"/>
+              <a:rPr lang="en-US" dirty="0"/>
               <a:t>Besides session/login cookies that have an expiration date, server can setup further cookies (</a:t>
             </a:r>
             <a:r>
-              <a:rPr lang="en-US" dirty="0" err="1" smtClean="0"/>
+              <a:rPr lang="en-US" dirty="0" err="1"/>
               <a:t>ie</a:t>
             </a:r>
             <a:r>
-              <a:rPr lang="en-US" dirty="0" smtClean="0"/>
+              <a:rPr lang="en-US" dirty="0"/>
               <a:t> Set-Cookie header)</a:t>
             </a:r>
           </a:p>
           <a:p>
             <a:r>
-              <a:rPr lang="en-US" dirty="0" smtClean="0"/>
+              <a:rPr lang="en-US" dirty="0"/>
               <a:t>There are special laws regarding handling of cookies </a:t>
             </a:r>
           </a:p>
           <a:p>
             <a:r>
-              <a:rPr lang="en-US" dirty="0" smtClean="0"/>
+              <a:rPr lang="en-US" dirty="0"/>
               <a:t>Why? Tracking and privacy concerns…</a:t>
             </a:r>
-            <a:endParaRPr lang="en-US" dirty="0"/>
           </a:p>
         </p:txBody>
       </p:sp>
@@ -4396,10 +4348,9 @@
           <a:lstStyle/>
           <a:p>
             <a:r>
-              <a:rPr lang="en-US" dirty="0" smtClean="0"/>
+              <a:rPr lang="en-US" dirty="0"/>
               <a:t>Tracking</a:t>
             </a:r>
-            <a:endParaRPr lang="en-US" dirty="0"/>
           </a:p>
         </p:txBody>
       </p:sp>
@@ -4426,14 +4377,14 @@
           <a:lstStyle/>
           <a:p>
             <a:r>
-              <a:rPr lang="en-US" dirty="0" smtClean="0"/>
+              <a:rPr lang="en-US" dirty="0"/>
               <a:t>Many sites might rely on resources provided by other sites</a:t>
             </a:r>
           </a:p>
           <a:p>
             <a:pPr lvl="1"/>
             <a:r>
-              <a:rPr lang="en-US" dirty="0" smtClean="0"/>
+              <a:rPr lang="en-US" dirty="0"/>
               <a:t>Images, JavaScript files, CSS files, etc.</a:t>
             </a:r>
           </a:p>
@@ -4441,102 +4392,97 @@
             <a:pPr lvl="1"/>
             <a:r>
               <a:rPr lang="en-US" dirty="0" err="1"/>
-              <a:t>e</a:t>
-            </a:r>
-            <a:r>
-              <a:rPr lang="en-US" dirty="0" err="1" smtClean="0"/>
-              <a:t>g</a:t>
-            </a:r>
-            <a:r>
-              <a:rPr lang="en-US" dirty="0" smtClean="0"/>
+              <a:t>eg</a:t>
+            </a:r>
+            <a:r>
+              <a:rPr lang="en-US" dirty="0"/>
               <a:t>, Facebook “Like” button</a:t>
             </a:r>
           </a:p>
           <a:p>
             <a:r>
-              <a:rPr lang="en-US" dirty="0" smtClean="0"/>
+              <a:rPr lang="en-US" dirty="0"/>
               <a:t>When you download a HTML page from domain X (</a:t>
             </a:r>
             <a:r>
-              <a:rPr lang="en-US" dirty="0" err="1" smtClean="0"/>
+              <a:rPr lang="en-US" dirty="0" err="1"/>
               <a:t>eg</a:t>
             </a:r>
             <a:r>
-              <a:rPr lang="en-US" dirty="0" smtClean="0"/>
+              <a:rPr lang="en-US" dirty="0"/>
               <a:t> </a:t>
             </a:r>
             <a:r>
-              <a:rPr lang="en-US" i="1" dirty="0" smtClean="0"/>
+              <a:rPr lang="en-US" i="1" dirty="0"/>
               <a:t>finn.no</a:t>
             </a:r>
             <a:r>
-              <a:rPr lang="en-US" dirty="0" smtClean="0"/>
+              <a:rPr lang="en-US" dirty="0"/>
               <a:t>) which uses a resource from Y (</a:t>
             </a:r>
             <a:r>
-              <a:rPr lang="en-US" dirty="0" err="1" smtClean="0"/>
+              <a:rPr lang="en-US" dirty="0" err="1"/>
               <a:t>eg</a:t>
             </a:r>
             <a:r>
-              <a:rPr lang="en-US" dirty="0" smtClean="0"/>
+              <a:rPr lang="en-US" dirty="0"/>
               <a:t>, </a:t>
             </a:r>
             <a:r>
-              <a:rPr lang="en-US" i="1" dirty="0" smtClean="0"/>
+              <a:rPr lang="en-US" i="1" dirty="0"/>
               <a:t>facebook.com</a:t>
             </a:r>
             <a:r>
-              <a:rPr lang="en-US" dirty="0" smtClean="0"/>
+              <a:rPr lang="en-US" dirty="0"/>
               <a:t>), the HTTP GET request for Y will include previous cookies from Y</a:t>
             </a:r>
           </a:p>
           <a:p>
             <a:r>
-              <a:rPr lang="en-US" dirty="0" smtClean="0"/>
+              <a:rPr lang="en-US" dirty="0"/>
               <a:t>So, even if you are logged out from Facebook, FB can know which pages you visit (as long as they do use FB resources)</a:t>
             </a:r>
           </a:p>
           <a:p>
             <a:r>
-              <a:rPr lang="en-US" dirty="0" smtClean="0"/>
+              <a:rPr lang="en-US" dirty="0"/>
               <a:t>Even worse, FB can track your browser even if you have never used FB!!! </a:t>
             </a:r>
           </a:p>
           <a:p>
             <a:r>
-              <a:rPr lang="en-US" dirty="0" smtClean="0"/>
+              <a:rPr lang="en-US" dirty="0"/>
               <a:t>This happens by simply opening the page from X, no need to click anything!!!</a:t>
             </a:r>
           </a:p>
           <a:p>
             <a:r>
-              <a:rPr lang="en-US" i="1" dirty="0" err="1" smtClean="0"/>
+              <a:rPr lang="en-US" i="1" dirty="0" err="1"/>
               <a:t>referer</a:t>
             </a:r>
             <a:r>
-              <a:rPr lang="en-US" dirty="0" smtClean="0"/>
+              <a:rPr lang="en-US" dirty="0"/>
               <a:t> HTTP header: domain origin of request to Y from page not from Y</a:t>
             </a:r>
           </a:p>
           <a:p>
             <a:pPr lvl="1"/>
             <a:r>
-              <a:rPr lang="en-US" dirty="0" err="1" smtClean="0"/>
+              <a:rPr lang="en-US" dirty="0" err="1"/>
               <a:t>Eg</a:t>
             </a:r>
             <a:r>
-              <a:rPr lang="en-US" dirty="0" smtClean="0"/>
+              <a:rPr lang="en-US" dirty="0"/>
               <a:t>, “</a:t>
             </a:r>
             <a:r>
-              <a:rPr lang="en-US" dirty="0" err="1" smtClean="0"/>
+              <a:rPr lang="en-US" dirty="0" err="1"/>
               <a:t>Referer</a:t>
             </a:r>
             <a:r>
-              <a:rPr lang="en-US" dirty="0" smtClean="0"/>
+              <a:rPr lang="en-US" dirty="0"/>
               <a:t>: X” is added when page loaded from X ask for resource in Y </a:t>
             </a:r>
-            <a:endParaRPr lang="en-US" dirty="0"/>
           </a:p>
         </p:txBody>
       </p:sp>
@@ -4640,10 +4586,9 @@
           <a:lstStyle/>
           <a:p>
             <a:r>
-              <a:rPr lang="en-US" dirty="0" smtClean="0"/>
+              <a:rPr lang="en-US" dirty="0"/>
               <a:t>Passwords</a:t>
             </a:r>
-            <a:endParaRPr lang="en-US" dirty="0"/>
           </a:p>
         </p:txBody>
       </p:sp>
@@ -4670,53 +4615,52 @@
           <a:lstStyle/>
           <a:p>
             <a:r>
-              <a:rPr lang="en-US" dirty="0" smtClean="0"/>
+              <a:rPr lang="en-US" dirty="0"/>
               <a:t>Needed to verify identity of a user</a:t>
             </a:r>
           </a:p>
           <a:p>
             <a:r>
-              <a:rPr lang="en-US" dirty="0" smtClean="0"/>
+              <a:rPr lang="en-US" dirty="0"/>
               <a:t>Not too short or simple, otherwise too easy to crack with brute-force</a:t>
             </a:r>
           </a:p>
           <a:p>
             <a:r>
-              <a:rPr lang="en-US" i="1" dirty="0" smtClean="0"/>
+              <a:rPr lang="en-US" i="1" dirty="0"/>
               <a:t>Security</a:t>
             </a:r>
             <a:r>
-              <a:rPr lang="en-US" dirty="0" smtClean="0"/>
+              <a:rPr lang="en-US" dirty="0"/>
               <a:t> vs </a:t>
             </a:r>
             <a:r>
-              <a:rPr lang="en-US" i="1" dirty="0" smtClean="0"/>
+              <a:rPr lang="en-US" i="1" dirty="0"/>
               <a:t>Usability: </a:t>
             </a:r>
             <a:r>
-              <a:rPr lang="en-US" dirty="0" smtClean="0"/>
+              <a:rPr lang="en-US" dirty="0"/>
               <a:t>hard to get a good balance</a:t>
             </a:r>
           </a:p>
           <a:p>
             <a:pPr lvl="1"/>
             <a:r>
-              <a:rPr lang="en-US" dirty="0" err="1" smtClean="0"/>
+              <a:rPr lang="en-US" dirty="0" err="1"/>
               <a:t>eg</a:t>
             </a:r>
             <a:r>
-              <a:rPr lang="en-US" dirty="0" smtClean="0"/>
+              <a:rPr lang="en-US" dirty="0"/>
               <a:t>, ideally would have different passwords for each different site, and change them often, </a:t>
             </a:r>
             <a:r>
-              <a:rPr lang="en-US" dirty="0" err="1" smtClean="0"/>
+              <a:rPr lang="en-US" dirty="0" err="1"/>
               <a:t>eg</a:t>
             </a:r>
             <a:r>
-              <a:rPr lang="en-US" dirty="0" smtClean="0"/>
+              <a:rPr lang="en-US" dirty="0"/>
               <a:t> every week… but who the heck is going to do that???</a:t>
             </a:r>
-            <a:endParaRPr lang="en-US" dirty="0"/>
           </a:p>
         </p:txBody>
       </p:sp>
@@ -4790,10 +4734,9 @@
           <a:lstStyle/>
           <a:p>
             <a:r>
-              <a:rPr lang="en-US" dirty="0" smtClean="0"/>
+              <a:rPr lang="en-US" dirty="0"/>
               <a:t>Password Storage</a:t>
             </a:r>
-            <a:endParaRPr lang="en-US" dirty="0"/>
           </a:p>
         </p:txBody>
       </p:sp>
@@ -4820,75 +4763,74 @@
           <a:lstStyle/>
           <a:p>
             <a:r>
-              <a:rPr lang="en-US" dirty="0" smtClean="0"/>
+              <a:rPr lang="en-US" dirty="0"/>
               <a:t>When creating new user, need to save password somewhere, usually a database</a:t>
             </a:r>
           </a:p>
           <a:p>
             <a:r>
-              <a:rPr lang="en-US" b="1" dirty="0" smtClean="0"/>
+              <a:rPr lang="en-US" b="1" dirty="0"/>
               <a:t>NEVER SAVE A PASSWORD IN PLAIN TEXT</a:t>
             </a:r>
           </a:p>
           <a:p>
             <a:r>
-              <a:rPr lang="en-US" dirty="0" smtClean="0"/>
+              <a:rPr lang="en-US" dirty="0"/>
               <a:t>Passwords need to be </a:t>
             </a:r>
             <a:r>
-              <a:rPr lang="en-US" i="1" dirty="0" smtClean="0"/>
+              <a:rPr lang="en-US" i="1" dirty="0"/>
               <a:t>hashed</a:t>
             </a:r>
           </a:p>
           <a:p>
             <a:r>
-              <a:rPr lang="en-US" dirty="0" smtClean="0"/>
+              <a:rPr lang="en-US" dirty="0"/>
               <a:t>Even if an hacker has full access to database, shouldn’t be able to get the password</a:t>
             </a:r>
           </a:p>
           <a:p>
             <a:pPr lvl="1"/>
             <a:r>
-              <a:rPr lang="en-US" dirty="0" smtClean="0"/>
+              <a:rPr lang="en-US" dirty="0"/>
               <a:t>Typical case is a successful SQL Injection attack</a:t>
             </a:r>
           </a:p>
           <a:p>
             <a:pPr lvl="1"/>
             <a:r>
-              <a:rPr lang="en-US" dirty="0" smtClean="0"/>
+              <a:rPr lang="en-US" dirty="0"/>
               <a:t>But many more cases: </a:t>
             </a:r>
             <a:r>
-              <a:rPr lang="en-US" dirty="0" err="1" smtClean="0"/>
+              <a:rPr lang="en-US" dirty="0" err="1"/>
               <a:t>eg</a:t>
             </a:r>
             <a:r>
-              <a:rPr lang="en-US" dirty="0" smtClean="0"/>
+              <a:rPr lang="en-US" dirty="0"/>
               <a:t> disgruntled employee, recovery from broken thrown away hard-drive, etc.</a:t>
             </a:r>
           </a:p>
           <a:p>
             <a:r>
-              <a:rPr lang="en-US" dirty="0" smtClean="0"/>
+              <a:rPr lang="en-US" dirty="0"/>
               <a:t>Besides being able to impersonate a user, hacker can try the same password on other sites (Amazon/Facebook/</a:t>
             </a:r>
             <a:r>
-              <a:rPr lang="en-US" dirty="0" err="1" smtClean="0"/>
+              <a:rPr lang="en-US" dirty="0" err="1"/>
               <a:t>etc</a:t>
             </a:r>
             <a:r>
-              <a:rPr lang="en-US" dirty="0" smtClean="0"/>
+              <a:rPr lang="en-US" dirty="0"/>
               <a:t>)</a:t>
             </a:r>
-            <a:endParaRPr lang="en-US" dirty="0"/>
           </a:p>
           <a:p>
             <a:pPr marL="457200" lvl="1" indent="0">
               <a:buNone/>
             </a:pPr>
             <a:r>
-              <a:rPr lang="en-US" dirty="0" smtClean="0"/>
+              <a:rPr lang="en-US" dirty="0"/>
               <a:t> </a:t>
             </a:r>
           </a:p>
@@ -4950,10 +4892,9 @@
           <a:lstStyle/>
           <a:p>
             <a:r>
-              <a:rPr lang="en-US" dirty="0" smtClean="0"/>
+              <a:rPr lang="en-US" dirty="0"/>
               <a:t>Plain-text Passwords? GDPR fines…</a:t>
             </a:r>
-            <a:endParaRPr lang="en-US" dirty="0"/>
           </a:p>
         </p:txBody>
       </p:sp>
@@ -5027,10 +4968,9 @@
           <a:lstStyle/>
           <a:p>
             <a:r>
-              <a:rPr lang="en-US" dirty="0" smtClean="0"/>
+              <a:rPr lang="en-US" dirty="0"/>
               <a:t>Authentication/Authorization</a:t>
             </a:r>
-            <a:endParaRPr lang="en-US" dirty="0"/>
           </a:p>
         </p:txBody>
       </p:sp>
@@ -5050,18 +4990,18 @@
           <a:lstStyle/>
           <a:p>
             <a:r>
-              <a:rPr lang="en-US" b="1" dirty="0" smtClean="0"/>
+              <a:rPr lang="en-US" b="1" dirty="0"/>
               <a:t>Authentication</a:t>
             </a:r>
             <a:r>
-              <a:rPr lang="en-US" dirty="0" smtClean="0"/>
+              <a:rPr lang="en-US" dirty="0"/>
               <a:t>: </a:t>
             </a:r>
           </a:p>
           <a:p>
             <a:pPr lvl="1"/>
             <a:r>
-              <a:rPr lang="en-US" dirty="0" smtClean="0"/>
+              <a:rPr lang="en-US" dirty="0"/>
               <a:t>do I know who a user X is? </a:t>
             </a:r>
           </a:p>
@@ -5069,34 +5009,30 @@
             <a:pPr lvl="1"/>
             <a:r>
               <a:rPr lang="en-US" dirty="0"/>
-              <a:t>h</a:t>
-            </a:r>
-            <a:r>
-              <a:rPr lang="en-US" dirty="0" smtClean="0"/>
-              <a:t>ow to distinguish X from a different user Y?</a:t>
-            </a:r>
-          </a:p>
-          <a:p>
-            <a:r>
-              <a:rPr lang="en-US" b="1" dirty="0" smtClean="0"/>
+              <a:t>how to distinguish X from a different user Y?</a:t>
+            </a:r>
+          </a:p>
+          <a:p>
+            <a:r>
+              <a:rPr lang="en-US" b="1" dirty="0"/>
               <a:t>Authorization</a:t>
             </a:r>
             <a:r>
-              <a:rPr lang="en-US" dirty="0" smtClean="0"/>
+              <a:rPr lang="en-US" dirty="0"/>
               <a:t>: </a:t>
             </a:r>
           </a:p>
           <a:p>
             <a:pPr lvl="1"/>
             <a:r>
-              <a:rPr lang="en-US" dirty="0" smtClean="0"/>
+              <a:rPr lang="en-US" dirty="0"/>
               <a:t>once I know that the current user is X, what is X allowed to do?</a:t>
             </a:r>
           </a:p>
           <a:p>
             <a:pPr lvl="1"/>
             <a:r>
-              <a:rPr lang="en-US" dirty="0" smtClean="0"/>
+              <a:rPr lang="en-US" dirty="0"/>
               <a:t>can s/he delete data? </a:t>
             </a:r>
           </a:p>
@@ -5104,20 +5040,15 @@
             <a:pPr lvl="1"/>
             <a:r>
               <a:rPr lang="en-US" dirty="0"/>
-              <a:t>c</a:t>
-            </a:r>
-            <a:r>
-              <a:rPr lang="en-US" dirty="0" smtClean="0"/>
-              <a:t>an s/he see data of other users?</a:t>
+              <a:t>can s/he see data of other users?</a:t>
             </a:r>
           </a:p>
           <a:p>
             <a:pPr lvl="1"/>
             <a:r>
-              <a:rPr lang="en-US" dirty="0" smtClean="0"/>
+              <a:rPr lang="en-US" dirty="0"/>
               <a:t>etc. </a:t>
             </a:r>
-            <a:endParaRPr lang="en-US" dirty="0"/>
           </a:p>
         </p:txBody>
       </p:sp>
@@ -5167,10 +5098,9 @@
           <a:lstStyle/>
           <a:p>
             <a:r>
-              <a:rPr lang="en-US" dirty="0" smtClean="0"/>
+              <a:rPr lang="en-US" dirty="0"/>
               <a:t>Hash Functions</a:t>
             </a:r>
-            <a:endParaRPr lang="en-US" dirty="0"/>
           </a:p>
         </p:txBody>
       </p:sp>
@@ -5197,132 +5127,131 @@
           <a:lstStyle/>
           <a:p>
             <a:r>
-              <a:rPr lang="en-US" i="1" dirty="0" smtClean="0"/>
+              <a:rPr lang="en-US" i="1" dirty="0"/>
               <a:t>h(x) = y</a:t>
             </a:r>
           </a:p>
           <a:p>
             <a:r>
-              <a:rPr lang="en-US" dirty="0" smtClean="0"/>
+              <a:rPr lang="en-US" dirty="0"/>
               <a:t>It is just a mathematical function from </a:t>
             </a:r>
             <a:r>
-              <a:rPr lang="en-US" i="1" dirty="0" smtClean="0"/>
+              <a:rPr lang="en-US" i="1" dirty="0"/>
               <a:t>x</a:t>
             </a:r>
             <a:r>
-              <a:rPr lang="en-US" dirty="0" smtClean="0"/>
+              <a:rPr lang="en-US" dirty="0"/>
               <a:t> to </a:t>
             </a:r>
             <a:r>
-              <a:rPr lang="en-US" i="1" dirty="0" smtClean="0"/>
+              <a:rPr lang="en-US" i="1" dirty="0"/>
               <a:t>y</a:t>
             </a:r>
           </a:p>
           <a:p>
             <a:pPr lvl="1"/>
             <a:r>
-              <a:rPr lang="en-US" dirty="0" smtClean="0"/>
+              <a:rPr lang="en-US" dirty="0"/>
               <a:t>In our case, </a:t>
             </a:r>
             <a:r>
-              <a:rPr lang="en-US" i="1" dirty="0" smtClean="0"/>
+              <a:rPr lang="en-US" i="1" dirty="0"/>
               <a:t>x </a:t>
             </a:r>
             <a:r>
-              <a:rPr lang="en-US" dirty="0" smtClean="0"/>
+              <a:rPr lang="en-US" dirty="0"/>
               <a:t>is the password, and </a:t>
             </a:r>
             <a:r>
-              <a:rPr lang="en-US" i="1" dirty="0" smtClean="0"/>
+              <a:rPr lang="en-US" i="1" dirty="0"/>
               <a:t>y</a:t>
             </a:r>
             <a:r>
-              <a:rPr lang="en-US" dirty="0" smtClean="0"/>
+              <a:rPr lang="en-US" dirty="0"/>
               <a:t> is its hashed value</a:t>
             </a:r>
           </a:p>
           <a:p>
             <a:r>
-              <a:rPr lang="en-US" dirty="0" smtClean="0"/>
+              <a:rPr lang="en-US" dirty="0"/>
               <a:t>Deterministic: always same </a:t>
             </a:r>
             <a:r>
-              <a:rPr lang="en-US" i="1" dirty="0" smtClean="0"/>
+              <a:rPr lang="en-US" i="1" dirty="0"/>
               <a:t>y</a:t>
             </a:r>
             <a:r>
-              <a:rPr lang="en-US" dirty="0" smtClean="0"/>
+              <a:rPr lang="en-US" dirty="0"/>
               <a:t> from same input </a:t>
             </a:r>
             <a:r>
-              <a:rPr lang="en-US" i="1" dirty="0" smtClean="0"/>
+              <a:rPr lang="en-US" i="1" dirty="0"/>
               <a:t>x</a:t>
             </a:r>
-            <a:endParaRPr lang="en-US" dirty="0" smtClean="0"/>
-          </a:p>
-          <a:p>
-            <a:r>
-              <a:rPr lang="en-US" dirty="0" smtClean="0"/>
+            <a:endParaRPr lang="en-US" dirty="0"/>
+          </a:p>
+          <a:p>
+            <a:r>
+              <a:rPr lang="en-US" dirty="0"/>
               <a:t>Shouldn’t be able to recover </a:t>
             </a:r>
             <a:r>
-              <a:rPr lang="en-US" i="1" dirty="0" smtClean="0"/>
+              <a:rPr lang="en-US" i="1" dirty="0"/>
               <a:t>x </a:t>
             </a:r>
             <a:r>
-              <a:rPr lang="en-US" dirty="0" smtClean="0"/>
+              <a:rPr lang="en-US" dirty="0"/>
               <a:t>from </a:t>
             </a:r>
             <a:r>
-              <a:rPr lang="en-US" i="1" dirty="0" smtClean="0"/>
+              <a:rPr lang="en-US" i="1" dirty="0"/>
               <a:t>y, </a:t>
             </a:r>
             <a:r>
-              <a:rPr lang="en-US" dirty="0" smtClean="0"/>
+              <a:rPr lang="en-US" dirty="0"/>
               <a:t>even if you have full knowledge of how </a:t>
             </a:r>
             <a:r>
-              <a:rPr lang="en-US" i="1" dirty="0" smtClean="0"/>
+              <a:rPr lang="en-US" i="1" dirty="0"/>
               <a:t>h()</a:t>
             </a:r>
             <a:r>
-              <a:rPr lang="en-US" dirty="0" smtClean="0"/>
+              <a:rPr lang="en-US" dirty="0"/>
               <a:t> is implemented</a:t>
             </a:r>
-            <a:endParaRPr lang="en-US" dirty="0"/>
-          </a:p>
-          <a:p>
-            <a:r>
-              <a:rPr lang="en-US" dirty="0" smtClean="0"/>
+          </a:p>
+          <a:p>
+            <a:r>
+              <a:rPr lang="en-US" dirty="0"/>
               <a:t>Small change </a:t>
             </a:r>
             <a:r>
-              <a:rPr lang="en-US" i="1" dirty="0" smtClean="0"/>
+              <a:rPr lang="en-US" i="1" dirty="0"/>
               <a:t>x’ </a:t>
             </a:r>
             <a:r>
-              <a:rPr lang="en-US" dirty="0" smtClean="0"/>
+              <a:rPr lang="en-US" dirty="0"/>
               <a:t>to </a:t>
             </a:r>
             <a:r>
-              <a:rPr lang="en-US" i="1" dirty="0" smtClean="0"/>
+              <a:rPr lang="en-US" i="1" dirty="0"/>
               <a:t>x </a:t>
             </a:r>
             <a:r>
-              <a:rPr lang="en-US" dirty="0" smtClean="0"/>
+              <a:rPr lang="en-US" dirty="0"/>
               <a:t>should lead to big different between </a:t>
             </a:r>
             <a:r>
-              <a:rPr lang="en-US" i="1" dirty="0" smtClean="0"/>
+              <a:rPr lang="en-US" i="1" dirty="0"/>
               <a:t>y </a:t>
             </a:r>
             <a:r>
-              <a:rPr lang="en-US" dirty="0" smtClean="0"/>
+              <a:rPr lang="en-US" dirty="0"/>
               <a:t>and </a:t>
             </a:r>
             <a:r>
-              <a:rPr lang="en-US" i="1" dirty="0" smtClean="0"/>
+              <a:rPr lang="en-US" i="1" dirty="0"/>
               <a:t>y’</a:t>
             </a:r>
           </a:p>
@@ -5330,71 +5259,62 @@
             <a:pPr lvl="1"/>
             <a:r>
               <a:rPr lang="en-US" dirty="0" err="1"/>
-              <a:t>i</a:t>
-            </a:r>
-            <a:r>
-              <a:rPr lang="en-US" dirty="0" err="1" smtClean="0"/>
-              <a:t>e</a:t>
-            </a:r>
-            <a:r>
-              <a:rPr lang="en-US" dirty="0" smtClean="0"/>
+              <a:t>ie</a:t>
+            </a:r>
+            <a:r>
+              <a:rPr lang="en-US" dirty="0"/>
               <a:t>, </a:t>
             </a:r>
             <a:r>
-              <a:rPr lang="en-US" i="1" dirty="0" smtClean="0"/>
+              <a:rPr lang="en-US" i="1" dirty="0"/>
               <a:t>y </a:t>
             </a:r>
             <a:r>
-              <a:rPr lang="en-US" dirty="0" smtClean="0"/>
+              <a:rPr lang="en-US" dirty="0"/>
               <a:t>and </a:t>
             </a:r>
             <a:r>
-              <a:rPr lang="en-US" i="1" dirty="0" smtClean="0"/>
+              <a:rPr lang="en-US" i="1" dirty="0"/>
               <a:t>y’ </a:t>
             </a:r>
             <a:r>
-              <a:rPr lang="en-US" dirty="0" smtClean="0"/>
+              <a:rPr lang="en-US" dirty="0"/>
               <a:t>should look uncorrelated, and so cannot say if </a:t>
             </a:r>
             <a:r>
-              <a:rPr lang="en-US" i="1" dirty="0" smtClean="0"/>
+              <a:rPr lang="en-US" i="1" dirty="0"/>
               <a:t>x </a:t>
             </a:r>
             <a:r>
-              <a:rPr lang="en-US" dirty="0" smtClean="0"/>
+              <a:rPr lang="en-US" dirty="0"/>
               <a:t>and </a:t>
             </a:r>
             <a:r>
-              <a:rPr lang="en-US" i="1" dirty="0" smtClean="0"/>
+              <a:rPr lang="en-US" i="1" dirty="0"/>
               <a:t>x’</a:t>
             </a:r>
             <a:r>
-              <a:rPr lang="en-US" dirty="0" smtClean="0"/>
+              <a:rPr lang="en-US" dirty="0"/>
               <a:t> are similar </a:t>
             </a:r>
           </a:p>
           <a:p>
             <a:r>
-              <a:rPr lang="en-US" dirty="0" smtClean="0"/>
+              <a:rPr lang="en-US" dirty="0"/>
               <a:t>No collision: no two values should have same hash, </a:t>
             </a:r>
             <a:r>
-              <a:rPr lang="en-US" dirty="0" err="1" smtClean="0"/>
+              <a:rPr lang="en-US" dirty="0" err="1"/>
               <a:t>ie</a:t>
             </a:r>
             <a:r>
-              <a:rPr lang="en-US" dirty="0" smtClean="0"/>
+              <a:rPr lang="en-US" dirty="0"/>
               <a:t> </a:t>
             </a:r>
             <a:r>
               <a:rPr lang="en-US" i="1" dirty="0"/>
-              <a:t>h(x) = </a:t>
-            </a:r>
-            <a:r>
-              <a:rPr lang="en-US" i="1" dirty="0" smtClean="0"/>
-              <a:t>y = h(z)</a:t>
-            </a:r>
-            <a:endParaRPr lang="en-US" i="1" dirty="0"/>
+              <a:t>h(x) = y = h(z)</a:t>
+            </a:r>
           </a:p>
         </p:txBody>
       </p:sp>
@@ -5444,10 +5364,9 @@
           <a:lstStyle/>
           <a:p>
             <a:r>
-              <a:rPr lang="en-US" dirty="0" smtClean="0"/>
+              <a:rPr lang="en-US" dirty="0"/>
               <a:t>Login with Hashed Passwords</a:t>
             </a:r>
-            <a:endParaRPr lang="en-US" dirty="0"/>
           </a:p>
         </p:txBody>
       </p:sp>
@@ -5472,105 +5391,105 @@
           <a:lstStyle/>
           <a:p>
             <a:r>
-              <a:rPr lang="en-US" dirty="0" smtClean="0"/>
+              <a:rPr lang="en-US" dirty="0"/>
               <a:t>How can server verify the login of user </a:t>
             </a:r>
             <a:r>
-              <a:rPr lang="en-US" i="1" dirty="0" smtClean="0"/>
+              <a:rPr lang="en-US" i="1" dirty="0"/>
               <a:t>A</a:t>
             </a:r>
             <a:r>
-              <a:rPr lang="en-US" dirty="0" smtClean="0"/>
+              <a:rPr lang="en-US" dirty="0"/>
               <a:t> with password </a:t>
             </a:r>
             <a:r>
-              <a:rPr lang="en-US" i="1" dirty="0" smtClean="0"/>
+              <a:rPr lang="en-US" i="1" dirty="0"/>
               <a:t>X</a:t>
             </a:r>
             <a:r>
-              <a:rPr lang="en-US" dirty="0" smtClean="0"/>
+              <a:rPr lang="en-US" dirty="0"/>
               <a:t>, if the server does not know the password </a:t>
             </a:r>
             <a:r>
-              <a:rPr lang="en-US" i="1" dirty="0" smtClean="0"/>
+              <a:rPr lang="en-US" i="1" dirty="0"/>
               <a:t>X</a:t>
             </a:r>
             <a:r>
-              <a:rPr lang="en-US" dirty="0" smtClean="0"/>
+              <a:rPr lang="en-US" dirty="0"/>
               <a:t>, but only the hash </a:t>
             </a:r>
             <a:r>
-              <a:rPr lang="en-US" i="1" dirty="0" smtClean="0"/>
+              <a:rPr lang="en-US" i="1" dirty="0"/>
               <a:t>Y=h(X)</a:t>
             </a:r>
             <a:r>
-              <a:rPr lang="en-US" dirty="0" smtClean="0"/>
+              <a:rPr lang="en-US" dirty="0"/>
               <a:t>?</a:t>
             </a:r>
           </a:p>
           <a:p>
             <a:r>
-              <a:rPr lang="en-US" dirty="0" smtClean="0"/>
+              <a:rPr lang="en-US" dirty="0"/>
               <a:t>Server needs to retrieve from database the hash </a:t>
             </a:r>
             <a:r>
-              <a:rPr lang="en-US" i="1" dirty="0" smtClean="0"/>
+              <a:rPr lang="en-US" i="1" dirty="0"/>
               <a:t>Y</a:t>
             </a:r>
             <a:r>
-              <a:rPr lang="en-US" dirty="0" smtClean="0"/>
+              <a:rPr lang="en-US" dirty="0"/>
               <a:t> for given user </a:t>
             </a:r>
             <a:r>
-              <a:rPr lang="en-US" i="1" dirty="0" smtClean="0"/>
+              <a:rPr lang="en-US" i="1" dirty="0"/>
               <a:t>A</a:t>
             </a:r>
             <a:r>
-              <a:rPr lang="en-US" dirty="0" smtClean="0"/>
+              <a:rPr lang="en-US" dirty="0"/>
               <a:t>, </a:t>
             </a:r>
             <a:r>
-              <a:rPr lang="en-US" dirty="0" err="1" smtClean="0"/>
+              <a:rPr lang="en-US" dirty="0" err="1"/>
               <a:t>recompute</a:t>
             </a:r>
             <a:r>
-              <a:rPr lang="en-US" dirty="0" smtClean="0"/>
+              <a:rPr lang="en-US" dirty="0"/>
               <a:t> the hash </a:t>
             </a:r>
             <a:r>
-              <a:rPr lang="en-US" i="1" dirty="0" smtClean="0"/>
+              <a:rPr lang="en-US" i="1" dirty="0"/>
               <a:t>h(X)</a:t>
             </a:r>
             <a:r>
-              <a:rPr lang="en-US" dirty="0" smtClean="0"/>
+              <a:rPr lang="en-US" dirty="0"/>
               <a:t> from the input password </a:t>
             </a:r>
             <a:r>
-              <a:rPr lang="en-US" i="1" dirty="0" smtClean="0"/>
+              <a:rPr lang="en-US" i="1" dirty="0"/>
               <a:t>X</a:t>
             </a:r>
             <a:r>
-              <a:rPr lang="en-US" dirty="0" smtClean="0"/>
+              <a:rPr lang="en-US" dirty="0"/>
               <a:t>, and then verify that the new hash does match </a:t>
             </a:r>
             <a:r>
-              <a:rPr lang="en-US" i="1" dirty="0" smtClean="0"/>
+              <a:rPr lang="en-US" i="1" dirty="0"/>
               <a:t>Y</a:t>
             </a:r>
             <a:r>
-              <a:rPr lang="en-US" dirty="0" smtClean="0"/>
+              <a:rPr lang="en-US" dirty="0"/>
               <a:t>, </a:t>
             </a:r>
             <a:r>
-              <a:rPr lang="en-US" dirty="0" err="1" smtClean="0"/>
+              <a:rPr lang="en-US" dirty="0" err="1"/>
               <a:t>ie</a:t>
             </a:r>
             <a:r>
-              <a:rPr lang="en-US" dirty="0" smtClean="0"/>
+              <a:rPr lang="en-US" dirty="0"/>
               <a:t> </a:t>
             </a:r>
             <a:r>
-              <a:rPr lang="en-US" i="1" dirty="0" smtClean="0"/>
+              <a:rPr lang="en-US" i="1" dirty="0"/>
               <a:t>Y == h(X)</a:t>
             </a:r>
           </a:p>
@@ -5625,14 +5544,13 @@
           <a:lstStyle/>
           <a:p>
             <a:r>
-              <a:rPr lang="en-US" i="1" dirty="0" smtClean="0"/>
+              <a:rPr lang="en-US" i="1" dirty="0"/>
               <a:t>Salted</a:t>
             </a:r>
             <a:r>
-              <a:rPr lang="en-US" dirty="0" smtClean="0"/>
+              <a:rPr lang="en-US" dirty="0"/>
               <a:t> Passwords</a:t>
             </a:r>
-            <a:endParaRPr lang="en-US" dirty="0"/>
           </a:p>
         </p:txBody>
       </p:sp>
@@ -5659,118 +5577,113 @@
           <a:lstStyle/>
           <a:p>
             <a:r>
-              <a:rPr lang="en-US" dirty="0" smtClean="0"/>
+              <a:rPr lang="en-US" dirty="0"/>
               <a:t>Cannot expect users to have long passwords</a:t>
             </a:r>
           </a:p>
           <a:p>
             <a:r>
-              <a:rPr lang="en-US" dirty="0" smtClean="0"/>
+              <a:rPr lang="en-US" dirty="0"/>
               <a:t>If hacker has access to DB, from a hash </a:t>
             </a:r>
             <a:r>
-              <a:rPr lang="en-US" i="1" dirty="0" smtClean="0"/>
+              <a:rPr lang="en-US" i="1" dirty="0"/>
               <a:t>Y</a:t>
             </a:r>
             <a:r>
-              <a:rPr lang="en-US" dirty="0" smtClean="0"/>
+              <a:rPr lang="en-US" dirty="0"/>
               <a:t>, can calculate </a:t>
             </a:r>
             <a:r>
-              <a:rPr lang="en-US" i="1" dirty="0" smtClean="0"/>
+              <a:rPr lang="en-US" i="1" dirty="0"/>
               <a:t>h(K)</a:t>
             </a:r>
             <a:r>
-              <a:rPr lang="en-US" dirty="0" smtClean="0"/>
+              <a:rPr lang="en-US" dirty="0"/>
               <a:t> for all strings K up to certain length N, </a:t>
             </a:r>
             <a:r>
-              <a:rPr lang="en-US" dirty="0" err="1" smtClean="0"/>
+              <a:rPr lang="en-US" dirty="0" err="1"/>
               <a:t>eg</a:t>
             </a:r>
             <a:r>
-              <a:rPr lang="en-US" dirty="0" smtClean="0"/>
+              <a:rPr lang="en-US" dirty="0"/>
               <a:t> N=8, and check if any </a:t>
             </a:r>
             <a:r>
-              <a:rPr lang="en-US" i="1" dirty="0" smtClean="0"/>
+              <a:rPr lang="en-US" i="1" dirty="0"/>
               <a:t>h(K)</a:t>
             </a:r>
             <a:r>
-              <a:rPr lang="en-US" dirty="0" smtClean="0"/>
+              <a:rPr lang="en-US" dirty="0"/>
               <a:t> does match Y</a:t>
             </a:r>
           </a:p>
           <a:p>
             <a:r>
-              <a:rPr lang="en-US" dirty="0" smtClean="0"/>
+              <a:rPr lang="en-US" dirty="0"/>
               <a:t>For small N, this is doable. Do not even need to run </a:t>
             </a:r>
             <a:r>
-              <a:rPr lang="en-US" i="1" dirty="0" smtClean="0"/>
+              <a:rPr lang="en-US" i="1" dirty="0"/>
               <a:t>h(), </a:t>
             </a:r>
             <a:r>
-              <a:rPr lang="en-US" dirty="0" smtClean="0"/>
+              <a:rPr lang="en-US" dirty="0"/>
               <a:t>as those values can be pre-computed, </a:t>
             </a:r>
             <a:r>
-              <a:rPr lang="en-US" dirty="0" err="1" smtClean="0"/>
+              <a:rPr lang="en-US" dirty="0" err="1"/>
               <a:t>ie</a:t>
             </a:r>
             <a:r>
-              <a:rPr lang="en-US" dirty="0" smtClean="0"/>
+              <a:rPr lang="en-US" dirty="0"/>
               <a:t> </a:t>
             </a:r>
             <a:r>
-              <a:rPr lang="en-US" i="1" dirty="0" smtClean="0"/>
+              <a:rPr lang="en-US" i="1" dirty="0"/>
               <a:t>Rainbow Tables</a:t>
             </a:r>
           </a:p>
           <a:p>
             <a:r>
-              <a:rPr lang="en-US" dirty="0" smtClean="0"/>
+              <a:rPr lang="en-US" dirty="0"/>
               <a:t>Further issue: two users with same passwords will have same hash Y</a:t>
             </a:r>
           </a:p>
           <a:p>
             <a:r>
-              <a:rPr lang="en-US" dirty="0" smtClean="0"/>
+              <a:rPr lang="en-US" dirty="0"/>
               <a:t>Solution: add a random </a:t>
             </a:r>
             <a:r>
-              <a:rPr lang="en-US" i="1" dirty="0" smtClean="0"/>
+              <a:rPr lang="en-US" i="1" dirty="0"/>
               <a:t>salt</a:t>
             </a:r>
             <a:r>
               <a:rPr lang="en-US" dirty="0"/>
-              <a:t> </a:t>
-            </a:r>
-            <a:r>
-              <a:rPr lang="en-US" dirty="0" smtClean="0"/>
-              <a:t>S (</a:t>
-            </a:r>
-            <a:r>
-              <a:rPr lang="en-US" dirty="0" err="1" smtClean="0"/>
+              <a:t> S (</a:t>
+            </a:r>
+            <a:r>
+              <a:rPr lang="en-US" dirty="0" err="1"/>
               <a:t>eg</a:t>
             </a:r>
             <a:r>
-              <a:rPr lang="en-US" dirty="0" smtClean="0"/>
+              <a:rPr lang="en-US" dirty="0"/>
               <a:t> a random long string) to the password before hashing, and store the salt together with the hash in the database</a:t>
             </a:r>
           </a:p>
           <a:p>
             <a:r>
-              <a:rPr lang="en-US" i="1" dirty="0" smtClean="0"/>
+              <a:rPr lang="en-US" i="1" dirty="0"/>
               <a:t>h(X+S)=Y</a:t>
             </a:r>
           </a:p>
           <a:p>
             <a:r>
-              <a:rPr lang="en-US" dirty="0" smtClean="0"/>
+              <a:rPr lang="en-US" dirty="0"/>
               <a:t>Each user will have its own random salt</a:t>
             </a:r>
-            <a:endParaRPr lang="en-US" dirty="0"/>
           </a:p>
         </p:txBody>
       </p:sp>
@@ -5820,10 +5733,9 @@
           <a:lstStyle/>
           <a:p>
             <a:r>
-              <a:rPr lang="en-US" dirty="0" smtClean="0"/>
+              <a:rPr lang="en-US" dirty="0"/>
               <a:t>Pepper</a:t>
             </a:r>
-            <a:endParaRPr lang="en-US" dirty="0"/>
           </a:p>
         </p:txBody>
       </p:sp>
@@ -5850,72 +5762,71 @@
           <a:lstStyle/>
           <a:p>
             <a:r>
-              <a:rPr lang="en-US" dirty="0" smtClean="0"/>
+              <a:rPr lang="en-US" dirty="0"/>
               <a:t>If hacker has access to the database, s/he can read the </a:t>
             </a:r>
             <a:r>
-              <a:rPr lang="en-US" i="1" dirty="0" smtClean="0"/>
+              <a:rPr lang="en-US" i="1" dirty="0"/>
               <a:t>salt</a:t>
             </a:r>
             <a:r>
-              <a:rPr lang="en-US" dirty="0" smtClean="0"/>
+              <a:rPr lang="en-US" dirty="0"/>
               <a:t> values  </a:t>
             </a:r>
           </a:p>
           <a:p>
             <a:r>
-              <a:rPr lang="en-US" dirty="0" smtClean="0"/>
+              <a:rPr lang="en-US" dirty="0"/>
               <a:t>Still non-trivial to break the hash code, but doable</a:t>
             </a:r>
           </a:p>
           <a:p>
             <a:r>
-              <a:rPr lang="en-US" i="1" dirty="0" smtClean="0"/>
+              <a:rPr lang="en-US" i="1" dirty="0"/>
               <a:t>Pepper</a:t>
             </a:r>
             <a:r>
-              <a:rPr lang="en-US" dirty="0" smtClean="0"/>
+              <a:rPr lang="en-US" dirty="0"/>
               <a:t>: yet another random string added before calculating the hash</a:t>
             </a:r>
           </a:p>
           <a:p>
             <a:r>
-              <a:rPr lang="en-US" dirty="0" smtClean="0"/>
+              <a:rPr lang="en-US" dirty="0"/>
               <a:t>NOT stored in the database, just somewhere else</a:t>
             </a:r>
           </a:p>
           <a:p>
             <a:pPr lvl="1"/>
             <a:r>
-              <a:rPr lang="en-US" dirty="0" smtClean="0"/>
+              <a:rPr lang="en-US" dirty="0"/>
               <a:t>  files, remote server, hardcoded in the source code, </a:t>
             </a:r>
             <a:r>
-              <a:rPr lang="en-US" dirty="0" err="1" smtClean="0"/>
+              <a:rPr lang="en-US" dirty="0" err="1"/>
               <a:t>etc</a:t>
             </a:r>
-            <a:endParaRPr lang="en-US" dirty="0" smtClean="0"/>
-          </a:p>
-          <a:p>
-            <a:r>
-              <a:rPr lang="en-US" dirty="0" smtClean="0"/>
+            <a:endParaRPr lang="en-US" dirty="0"/>
+          </a:p>
+          <a:p>
+            <a:r>
+              <a:rPr lang="en-US" dirty="0"/>
               <a:t>One single pepper string for whole application (and not per user)</a:t>
             </a:r>
           </a:p>
           <a:p>
             <a:r>
-              <a:rPr lang="en-US" dirty="0" smtClean="0"/>
+              <a:rPr lang="en-US" dirty="0"/>
               <a:t>Help mitigating if hacker gets access to the database (</a:t>
             </a:r>
             <a:r>
-              <a:rPr lang="en-US" dirty="0" err="1" smtClean="0"/>
+              <a:rPr lang="en-US" dirty="0" err="1"/>
               <a:t>eg</a:t>
             </a:r>
             <a:r>
-              <a:rPr lang="en-US" dirty="0" smtClean="0"/>
+              <a:rPr lang="en-US" dirty="0"/>
               <a:t> via SQL Injection), as would not be able to read the pepper</a:t>
             </a:r>
-            <a:endParaRPr lang="en-US" dirty="0"/>
           </a:p>
         </p:txBody>
       </p:sp>
@@ -5965,10 +5876,9 @@
           <a:lstStyle/>
           <a:p>
             <a:r>
-              <a:rPr lang="en-US" dirty="0" smtClean="0"/>
+              <a:rPr lang="en-US" dirty="0"/>
               <a:t>Hash Function Speed</a:t>
             </a:r>
-            <a:endParaRPr lang="en-US" dirty="0"/>
           </a:p>
         </p:txBody>
       </p:sp>
@@ -5993,58 +5903,58 @@
           <a:lstStyle/>
           <a:p>
             <a:r>
-              <a:rPr lang="en-US" dirty="0" smtClean="0"/>
+              <a:rPr lang="en-US" dirty="0"/>
               <a:t>You want hash functions that are </a:t>
             </a:r>
             <a:r>
-              <a:rPr lang="en-US" i="1" dirty="0" smtClean="0"/>
+              <a:rPr lang="en-US" i="1" dirty="0"/>
               <a:t>slow, </a:t>
             </a:r>
             <a:r>
-              <a:rPr lang="en-US" dirty="0" smtClean="0"/>
+              <a:rPr lang="en-US" dirty="0"/>
               <a:t>to make it difficult for the hackers to break them </a:t>
             </a:r>
           </a:p>
           <a:p>
             <a:pPr lvl="1"/>
             <a:r>
-              <a:rPr lang="en-US" dirty="0" smtClean="0"/>
+              <a:rPr lang="en-US" dirty="0"/>
               <a:t>but still manageable time on server to do authentication</a:t>
             </a:r>
           </a:p>
           <a:p>
             <a:r>
-              <a:rPr lang="en-US" i="1" dirty="0" err="1" smtClean="0"/>
+              <a:rPr lang="en-US" i="1" dirty="0" err="1"/>
               <a:t>BCrypt</a:t>
             </a:r>
             <a:r>
-              <a:rPr lang="en-US" i="1" dirty="0" smtClean="0"/>
+              <a:rPr lang="en-US" i="1" dirty="0"/>
               <a:t> </a:t>
             </a:r>
             <a:r>
-              <a:rPr lang="en-US" dirty="0" smtClean="0"/>
+              <a:rPr lang="en-US" dirty="0"/>
               <a:t>is the most used hash function for passwords</a:t>
             </a:r>
           </a:p>
           <a:p>
             <a:r>
-              <a:rPr lang="en-US" dirty="0" smtClean="0"/>
+              <a:rPr lang="en-US" dirty="0"/>
               <a:t>However, you can make </a:t>
             </a:r>
             <a:r>
-              <a:rPr lang="en-US" i="1" dirty="0" smtClean="0"/>
+              <a:rPr lang="en-US" i="1" dirty="0"/>
               <a:t>slow</a:t>
             </a:r>
             <a:r>
-              <a:rPr lang="en-US" dirty="0" smtClean="0"/>
+              <a:rPr lang="en-US" dirty="0"/>
               <a:t> any hash function (</a:t>
             </a:r>
             <a:r>
-              <a:rPr lang="en-US" dirty="0" err="1" smtClean="0"/>
+              <a:rPr lang="en-US" dirty="0" err="1"/>
               <a:t>eg</a:t>
             </a:r>
             <a:r>
-              <a:rPr lang="en-US" dirty="0" smtClean="0"/>
+              <a:rPr lang="en-US" dirty="0"/>
               <a:t> SHA256) by using a loop, in which  the output is re-hashed N times</a:t>
             </a:r>
           </a:p>
@@ -6052,32 +5962,16 @@
             <a:pPr lvl="1"/>
             <a:r>
               <a:rPr lang="en-US" i="1" dirty="0" err="1"/>
-              <a:t>e</a:t>
-            </a:r>
-            <a:r>
-              <a:rPr lang="en-US" i="1" dirty="0" err="1" smtClean="0"/>
-              <a:t>g</a:t>
-            </a:r>
-            <a:r>
-              <a:rPr lang="en-US" i="1" dirty="0" smtClean="0"/>
-              <a:t>, N=6 </a:t>
-            </a:r>
-            <a:r>
-              <a:rPr lang="en-US" i="1" dirty="0" smtClean="0"/>
-              <a:t> -&gt;   h(h(h(h(h(h(x</a:t>
-            </a:r>
-            <a:r>
-              <a:rPr lang="en-US" i="1" dirty="0" smtClean="0"/>
-              <a:t>)))))) </a:t>
+              <a:t>eg</a:t>
             </a:r>
             <a:r>
               <a:rPr lang="en-US" i="1" dirty="0"/>
-              <a:t>= y</a:t>
+              <a:t>, N=6  -&gt;   h(h(h(h(h(h(x)))))) = y</a:t>
             </a:r>
           </a:p>
           <a:p>
             <a:pPr lvl="1"/>
-            <a:endParaRPr lang="en-US" dirty="0" smtClean="0"/>
+            <a:endParaRPr lang="en-US" dirty="0"/>
           </a:p>
           <a:p>
             <a:pPr lvl="1"/>
@@ -6131,10 +6025,9 @@
           <a:lstStyle/>
           <a:p>
             <a:r>
-              <a:rPr lang="en-US" dirty="0" smtClean="0"/>
+              <a:rPr lang="en-US" dirty="0"/>
               <a:t>Spring Security</a:t>
             </a:r>
-            <a:endParaRPr lang="en-US" dirty="0"/>
           </a:p>
         </p:txBody>
       </p:sp>
@@ -6184,10 +6077,9 @@
           <a:lstStyle/>
           <a:p>
             <a:r>
-              <a:rPr lang="en-US" dirty="0" smtClean="0"/>
+              <a:rPr lang="en-US" dirty="0"/>
               <a:t>About these slides</a:t>
             </a:r>
-            <a:endParaRPr lang="en-US" dirty="0"/>
           </a:p>
         </p:txBody>
       </p:sp>
@@ -6212,28 +6104,23 @@
           <a:lstStyle/>
           <a:p>
             <a:r>
-              <a:rPr lang="en-US" dirty="0" smtClean="0"/>
+              <a:rPr lang="en-US" dirty="0"/>
               <a:t>These few slides on Spring Security are just high level overviews of what covered in class</a:t>
             </a:r>
           </a:p>
           <a:p>
             <a:r>
               <a:rPr lang="en-US" dirty="0"/>
-              <a:t>T</a:t>
-            </a:r>
-            <a:r>
-              <a:rPr lang="en-US" dirty="0" smtClean="0"/>
-              <a:t>he details are directly in the code comments on the </a:t>
-            </a:r>
-            <a:r>
-              <a:rPr lang="en-US" dirty="0" err="1" smtClean="0"/>
+              <a:t>The details are directly in the code comments on the </a:t>
+            </a:r>
+            <a:r>
+              <a:rPr lang="en-US" dirty="0" err="1"/>
               <a:t>Git</a:t>
             </a:r>
             <a:r>
-              <a:rPr lang="en-US" dirty="0" smtClean="0"/>
+              <a:rPr lang="en-US" dirty="0"/>
               <a:t> repository</a:t>
             </a:r>
-            <a:endParaRPr lang="en-US" dirty="0"/>
           </a:p>
         </p:txBody>
       </p:sp>
@@ -6283,10 +6170,9 @@
           <a:lstStyle/>
           <a:p>
             <a:r>
-              <a:rPr lang="en-US" dirty="0" smtClean="0"/>
+              <a:rPr lang="en-US" dirty="0"/>
               <a:t>Security Is Hard</a:t>
             </a:r>
-            <a:endParaRPr lang="en-US" dirty="0"/>
           </a:p>
         </p:txBody>
       </p:sp>
@@ -6311,7 +6197,7 @@
           <a:lstStyle/>
           <a:p>
             <a:r>
-              <a:rPr lang="en-US" dirty="0" smtClean="0"/>
+              <a:rPr lang="en-US" dirty="0"/>
               <a:t>You should NOT roll out your own solutions for security</a:t>
             </a:r>
           </a:p>
@@ -6319,39 +6205,30 @@
             <a:pPr lvl="1"/>
             <a:r>
               <a:rPr lang="en-US" dirty="0"/>
-              <a:t>f</a:t>
-            </a:r>
-            <a:r>
-              <a:rPr lang="en-US" dirty="0" smtClean="0"/>
-              <a:t>ar too easy to make mistakes</a:t>
-            </a:r>
-          </a:p>
-          <a:p>
-            <a:r>
-              <a:rPr lang="en-US" dirty="0" smtClean="0"/>
+              <a:t>far too easy to make mistakes</a:t>
+            </a:r>
+          </a:p>
+          <a:p>
+            <a:r>
+              <a:rPr lang="en-US" dirty="0"/>
               <a:t>Need to use existing, battle-tested frameworks</a:t>
             </a:r>
           </a:p>
           <a:p>
             <a:r>
-              <a:rPr lang="en-US" i="1" dirty="0" smtClean="0"/>
+              <a:rPr lang="en-US" i="1" dirty="0"/>
               <a:t>Spring Security</a:t>
             </a:r>
             <a:r>
-              <a:rPr lang="en-US" dirty="0" smtClean="0"/>
+              <a:rPr lang="en-US" dirty="0"/>
               <a:t>: the module of Spring that deals with security</a:t>
             </a:r>
           </a:p>
           <a:p>
             <a:r>
               <a:rPr lang="en-US" dirty="0"/>
-              <a:t>However, still important to </a:t>
-            </a:r>
-            <a:r>
-              <a:rPr lang="en-US" dirty="0" smtClean="0"/>
-              <a:t>understand how they work internally</a:t>
-            </a:r>
-            <a:endParaRPr lang="en-US" dirty="0"/>
+              <a:t>However, still important to understand how they work internally</a:t>
+            </a:r>
           </a:p>
           <a:p>
             <a:endParaRPr lang="en-US" dirty="0"/>
@@ -6404,10 +6281,9 @@
           <a:lstStyle/>
           <a:p>
             <a:r>
-              <a:rPr lang="en-US" dirty="0" smtClean="0"/>
+              <a:rPr lang="en-US" dirty="0"/>
               <a:t>Configuration</a:t>
             </a:r>
-            <a:endParaRPr lang="en-US" dirty="0"/>
           </a:p>
         </p:txBody>
       </p:sp>
@@ -6432,49 +6308,41 @@
           <a:lstStyle/>
           <a:p>
             <a:r>
-              <a:rPr lang="en-US" dirty="0" smtClean="0"/>
+              <a:rPr lang="en-US" dirty="0"/>
               <a:t>Need to have a </a:t>
             </a:r>
             <a:r>
-              <a:rPr lang="en-US" i="1" dirty="0" smtClean="0"/>
+              <a:rPr lang="en-US" i="1" dirty="0"/>
               <a:t>@Configuration </a:t>
             </a:r>
             <a:r>
-              <a:rPr lang="en-US" dirty="0" smtClean="0"/>
-              <a:t>bean that </a:t>
-            </a:r>
-            <a:r>
-              <a:rPr lang="en-US" dirty="0"/>
-              <a:t>extends </a:t>
-            </a:r>
-            <a:r>
-              <a:rPr lang="en-US" i="1" dirty="0" err="1" smtClean="0"/>
+              <a:rPr lang="en-US" dirty="0"/>
+              <a:t>bean that extends </a:t>
+            </a:r>
+            <a:r>
+              <a:rPr lang="en-US" i="1" dirty="0" err="1"/>
               <a:t>WebSecurityConfigurerAdapter</a:t>
             </a:r>
-            <a:endParaRPr lang="en-US" i="1" dirty="0" smtClean="0"/>
-          </a:p>
-          <a:p>
-            <a:r>
-              <a:rPr lang="en-US" dirty="0" smtClean="0"/>
-              <a:t>Furthermore, need to use the </a:t>
-            </a:r>
-            <a:r>
-              <a:rPr lang="en-US" dirty="0"/>
-              <a:t>annotation </a:t>
+            <a:endParaRPr lang="en-US" i="1" dirty="0"/>
+          </a:p>
+          <a:p>
+            <a:r>
+              <a:rPr lang="en-US" dirty="0"/>
+              <a:t>Furthermore, need to use the annotation </a:t>
             </a:r>
             <a:r>
               <a:rPr lang="en-US" i="1" dirty="0"/>
               <a:t>@</a:t>
             </a:r>
             <a:r>
-              <a:rPr lang="en-US" i="1" dirty="0" err="1" smtClean="0"/>
+              <a:rPr lang="en-US" i="1" dirty="0" err="1"/>
               <a:t>EnableWebSecurity</a:t>
             </a:r>
-            <a:endParaRPr lang="en-US" i="1" dirty="0" smtClean="0"/>
-          </a:p>
-          <a:p>
-            <a:r>
-              <a:rPr lang="en-US" dirty="0" smtClean="0"/>
+            <a:endParaRPr lang="en-US" i="1" dirty="0"/>
+          </a:p>
+          <a:p>
+            <a:r>
+              <a:rPr lang="en-US" dirty="0"/>
               <a:t>Then, in such class you can override the methods:</a:t>
             </a:r>
           </a:p>
@@ -6497,73 +6365,64 @@
               <a:t>auth</a:t>
             </a:r>
             <a:r>
-              <a:rPr lang="en-US" i="1" dirty="0" smtClean="0"/>
+              <a:rPr lang="en-US" i="1" dirty="0"/>
               <a:t>) </a:t>
             </a:r>
             <a:r>
-              <a:rPr lang="en-US" dirty="0" smtClean="0"/>
+              <a:rPr lang="en-US" dirty="0"/>
               <a:t>for handling </a:t>
             </a:r>
             <a:r>
-              <a:rPr lang="en-US" i="1" dirty="0" smtClean="0"/>
+              <a:rPr lang="en-US" i="1" dirty="0"/>
               <a:t>authentication</a:t>
             </a:r>
             <a:r>
-              <a:rPr lang="en-US" dirty="0" smtClean="0"/>
+              <a:rPr lang="en-US" dirty="0"/>
               <a:t>, </a:t>
             </a:r>
             <a:r>
-              <a:rPr lang="en-US" dirty="0" err="1" smtClean="0"/>
+              <a:rPr lang="en-US" dirty="0" err="1"/>
               <a:t>ie</a:t>
             </a:r>
             <a:r>
-              <a:rPr lang="en-US" dirty="0" smtClean="0"/>
+              <a:rPr lang="en-US" dirty="0"/>
               <a:t> checking of users on database and password storage</a:t>
             </a:r>
           </a:p>
           <a:p>
             <a:pPr lvl="1"/>
             <a:r>
-              <a:rPr lang="en-US" i="1" dirty="0" smtClean="0"/>
+              <a:rPr lang="en-US" i="1" dirty="0"/>
               <a:t>configure(</a:t>
             </a:r>
             <a:r>
-              <a:rPr lang="en-US" i="1" dirty="0" err="1" smtClean="0"/>
+              <a:rPr lang="en-US" i="1" dirty="0" err="1"/>
               <a:t>HttpSecurity</a:t>
             </a:r>
             <a:r>
-              <a:rPr lang="en-US" i="1" dirty="0" smtClean="0"/>
-              <a:t> </a:t>
-            </a:r>
-            <a:r>
               <a:rPr lang="en-US" i="1" dirty="0"/>
-              <a:t>http</a:t>
-            </a:r>
-            <a:r>
-              <a:rPr lang="en-US" i="1" dirty="0" smtClean="0"/>
-              <a:t>) </a:t>
-            </a:r>
-            <a:r>
-              <a:rPr lang="en-US" dirty="0" smtClean="0"/>
+              <a:t> http) </a:t>
+            </a:r>
+            <a:r>
+              <a:rPr lang="en-US" dirty="0"/>
               <a:t>for handling </a:t>
             </a:r>
             <a:r>
-              <a:rPr lang="en-US" i="1" dirty="0" smtClean="0"/>
+              <a:rPr lang="en-US" i="1" dirty="0"/>
               <a:t>authorization</a:t>
             </a:r>
             <a:r>
-              <a:rPr lang="en-US" dirty="0" smtClean="0"/>
+              <a:rPr lang="en-US" dirty="0"/>
               <a:t>, </a:t>
             </a:r>
             <a:r>
-              <a:rPr lang="en-US" dirty="0" err="1" smtClean="0"/>
+              <a:rPr lang="en-US" dirty="0" err="1"/>
               <a:t>ie</a:t>
             </a:r>
             <a:r>
-              <a:rPr lang="en-US" dirty="0" smtClean="0"/>
+              <a:rPr lang="en-US" dirty="0"/>
               <a:t> the access policy rules </a:t>
             </a:r>
-            <a:endParaRPr lang="en-US" dirty="0"/>
           </a:p>
         </p:txBody>
       </p:sp>
@@ -6613,10 +6472,9 @@
           <a:lstStyle/>
           <a:p>
             <a:r>
-              <a:rPr lang="en-US" dirty="0" smtClean="0"/>
+              <a:rPr lang="en-US" dirty="0"/>
               <a:t>OWASP</a:t>
             </a:r>
-            <a:endParaRPr lang="en-US" dirty="0"/>
           </a:p>
         </p:txBody>
       </p:sp>
@@ -6673,10 +6531,9 @@
           <a:lstStyle/>
           <a:p>
             <a:r>
-              <a:rPr lang="en-US" dirty="0" smtClean="0"/>
+              <a:rPr lang="en-US" dirty="0"/>
               <a:t>Authentication/Authorization failures</a:t>
             </a:r>
-            <a:endParaRPr lang="en-US" dirty="0"/>
           </a:p>
         </p:txBody>
       </p:sp>
@@ -6703,7 +6560,7 @@
           <a:lstStyle/>
           <a:p>
             <a:r>
-              <a:rPr lang="en-US" sz="4400" dirty="0" smtClean="0"/>
+              <a:rPr lang="en-US" sz="4400" dirty="0"/>
               <a:t>If not authenticated, server can:</a:t>
             </a:r>
           </a:p>
@@ -6711,53 +6568,41 @@
             <a:pPr lvl="1"/>
             <a:r>
               <a:rPr lang="en-US" sz="3600" dirty="0"/>
-              <a:t>r</a:t>
-            </a:r>
-            <a:r>
-              <a:rPr lang="en-US" sz="3600" dirty="0" smtClean="0"/>
-              <a:t>edirect to login page, HTTP status code 3xx</a:t>
+              <a:t>redirect to login page, HTTP status code 3xx</a:t>
             </a:r>
           </a:p>
           <a:p>
             <a:pPr lvl="1"/>
             <a:r>
-              <a:rPr lang="en-US" sz="3600" dirty="0" smtClean="0"/>
-              <a:t>error page, </a:t>
-            </a:r>
-            <a:r>
               <a:rPr lang="en-US" sz="3600" dirty="0"/>
-              <a:t>HTTP status </a:t>
-            </a:r>
-            <a:r>
-              <a:rPr lang="en-US" sz="3600" dirty="0" smtClean="0"/>
-              <a:t>401 </a:t>
-            </a:r>
-            <a:r>
-              <a:rPr lang="en-US" sz="3600" i="1" dirty="0" smtClean="0"/>
+              <a:t>error page, HTTP status 401 </a:t>
+            </a:r>
+            <a:r>
+              <a:rPr lang="en-US" sz="3600" i="1" dirty="0"/>
               <a:t>Unauthorized</a:t>
             </a:r>
           </a:p>
           <a:p>
             <a:r>
-              <a:rPr lang="en-US" sz="4400" dirty="0" smtClean="0"/>
+              <a:rPr lang="en-US" sz="4400" dirty="0"/>
               <a:t>If authenticated but not authorized</a:t>
             </a:r>
           </a:p>
           <a:p>
             <a:pPr lvl="1"/>
             <a:r>
-              <a:rPr lang="en-US" sz="3600" dirty="0" err="1" smtClean="0"/>
+              <a:rPr lang="en-US" sz="3600" dirty="0" err="1"/>
               <a:t>eg</a:t>
             </a:r>
             <a:r>
-              <a:rPr lang="en-US" sz="3600" dirty="0" smtClean="0"/>
+              <a:rPr lang="en-US" sz="3600" dirty="0"/>
               <a:t> user X tries to access data of Y</a:t>
             </a:r>
           </a:p>
           <a:p>
             <a:pPr lvl="1"/>
             <a:r>
-              <a:rPr lang="en-US" sz="3600" dirty="0" smtClean="0"/>
+              <a:rPr lang="en-US" sz="3600" dirty="0"/>
               <a:t>3xx redirection</a:t>
             </a:r>
           </a:p>
@@ -6765,17 +6610,12 @@
             <a:pPr lvl="1"/>
             <a:r>
               <a:rPr lang="en-US" sz="3600" dirty="0"/>
-              <a:t>HTTP status </a:t>
-            </a:r>
-            <a:r>
-              <a:rPr lang="en-US" sz="3600" dirty="0" smtClean="0"/>
-              <a:t>403 </a:t>
+              <a:t>HTTP status 403 </a:t>
             </a:r>
             <a:r>
               <a:rPr lang="en-US" sz="3600" i="1" dirty="0"/>
               <a:t>Forbidden</a:t>
             </a:r>
-            <a:endParaRPr lang="en-US" sz="3600" i="1" dirty="0" smtClean="0"/>
           </a:p>
           <a:p>
             <a:pPr lvl="1"/>
@@ -6866,90 +6706,85 @@
           <a:lstStyle/>
           <a:p>
             <a:r>
-              <a:rPr lang="en-US" dirty="0" smtClean="0">
+              <a:rPr lang="en-US" dirty="0">
                 <a:hlinkClick r:id="rId2"/>
               </a:rPr>
               <a:t>www.owasp.org</a:t>
             </a:r>
-            <a:endParaRPr lang="en-US" dirty="0" smtClean="0"/>
-          </a:p>
-          <a:p>
-            <a:r>
-              <a:rPr lang="en-US" dirty="0" smtClean="0"/>
+            <a:endParaRPr lang="en-US" dirty="0"/>
+          </a:p>
+          <a:p>
+            <a:r>
+              <a:rPr lang="en-US" dirty="0"/>
               <a:t>A non-profit organization dedicated to software security</a:t>
             </a:r>
           </a:p>
           <a:p>
             <a:r>
-              <a:rPr lang="en-US" dirty="0" smtClean="0"/>
+              <a:rPr lang="en-US" dirty="0"/>
               <a:t>One of the main resources to learn about software security</a:t>
             </a:r>
           </a:p>
           <a:p>
             <a:r>
-              <a:rPr lang="en-US" dirty="0" smtClean="0"/>
+              <a:rPr lang="en-US" dirty="0"/>
               <a:t>Also produces some open-source tools (</a:t>
             </a:r>
             <a:r>
-              <a:rPr lang="en-US" dirty="0" err="1" smtClean="0"/>
+              <a:rPr lang="en-US" dirty="0" err="1"/>
               <a:t>eg</a:t>
             </a:r>
             <a:r>
-              <a:rPr lang="en-US" dirty="0" smtClean="0"/>
+              <a:rPr lang="en-US" dirty="0"/>
               <a:t> </a:t>
             </a:r>
             <a:r>
-              <a:rPr lang="en-US" i="1" dirty="0" smtClean="0"/>
+              <a:rPr lang="en-US" i="1" dirty="0"/>
               <a:t>ZAP</a:t>
             </a:r>
             <a:r>
-              <a:rPr lang="en-US" dirty="0" smtClean="0"/>
+              <a:rPr lang="en-US" dirty="0"/>
               <a:t> for penetration testing)</a:t>
             </a:r>
           </a:p>
           <a:p>
             <a:r>
-              <a:rPr lang="en-US" dirty="0" smtClean="0"/>
+              <a:rPr lang="en-US" dirty="0"/>
               <a:t>Maven plugin </a:t>
             </a:r>
             <a:r>
-              <a:rPr lang="en-US" i="1" dirty="0" smtClean="0"/>
+              <a:rPr lang="en-US" i="1" dirty="0"/>
               <a:t>dependency-check-maven</a:t>
             </a:r>
           </a:p>
           <a:p>
             <a:pPr lvl="1"/>
             <a:r>
-              <a:rPr lang="en-US" dirty="0" smtClean="0"/>
+              <a:rPr lang="en-US" dirty="0"/>
               <a:t>Scan your third-party dependency libraries for known vulnerability</a:t>
             </a:r>
           </a:p>
           <a:p>
             <a:pPr lvl="1"/>
             <a:r>
-              <a:rPr lang="en-US" dirty="0" smtClean="0"/>
-              <a:t>Automatically connect to an updated </a:t>
-            </a:r>
-            <a:r>
-              <a:rPr lang="en-US" dirty="0" smtClean="0"/>
-              <a:t>database</a:t>
+              <a:rPr lang="en-US" dirty="0"/>
+              <a:t>Automatically connect to an updated database</a:t>
             </a:r>
           </a:p>
           <a:p>
             <a:pPr lvl="1"/>
             <a:r>
-              <a:rPr lang="en-US" dirty="0" smtClean="0"/>
+              <a:rPr lang="en-US" dirty="0"/>
               <a:t>Note: nowadays hosting services like </a:t>
             </a:r>
             <a:r>
-              <a:rPr lang="en-US" i="1" dirty="0" smtClean="0"/>
+              <a:rPr lang="en-US" i="1" dirty="0"/>
               <a:t>GitHub</a:t>
             </a:r>
             <a:r>
-              <a:rPr lang="en-US" dirty="0" smtClean="0"/>
+              <a:rPr lang="en-US" dirty="0"/>
               <a:t> do dependency checks automatically</a:t>
             </a:r>
-            <a:endParaRPr lang="en-US" dirty="0"/>
           </a:p>
         </p:txBody>
       </p:sp>
@@ -6999,14 +6834,13 @@
           <a:lstStyle/>
           <a:p>
             <a:r>
-              <a:rPr lang="en-US" dirty="0" err="1" smtClean="0"/>
+              <a:rPr lang="en-US" dirty="0" err="1"/>
               <a:t>Git</a:t>
             </a:r>
             <a:r>
-              <a:rPr lang="en-US" dirty="0" smtClean="0"/>
+              <a:rPr lang="en-US" dirty="0"/>
               <a:t> Repository Modules</a:t>
             </a:r>
-            <a:endParaRPr lang="en-US" dirty="0"/>
           </a:p>
         </p:txBody>
       </p:sp>
@@ -7033,35 +6867,38 @@
           <a:lstStyle/>
           <a:p>
             <a:r>
-              <a:rPr lang="en-US" i="1" dirty="0" smtClean="0"/>
+              <a:rPr lang="en-US" i="1" dirty="0"/>
               <a:t>NOTE: most of the explanations will be directly in the code as comments, and not here in the slides</a:t>
             </a:r>
           </a:p>
           <a:p>
             <a:r>
-              <a:rPr lang="en-US" b="1" dirty="0" smtClean="0"/>
+              <a:rPr lang="en-US" b="1" dirty="0"/>
               <a:t>intro/spring/security/manual</a:t>
             </a:r>
           </a:p>
           <a:p>
             <a:r>
-              <a:rPr lang="en-US" b="1" dirty="0" smtClean="0"/>
-              <a:t>intro/spring/security/authorization</a:t>
-            </a:r>
+              <a:rPr lang="en-US" b="1" dirty="0"/>
+              <a:t>intro/spring/security</a:t>
+            </a:r>
+            <a:r>
+              <a:rPr lang="en-US" b="1"/>
+              <a:t>/framework</a:t>
+            </a:r>
+            <a:endParaRPr lang="en-US" b="1" dirty="0"/>
           </a:p>
           <a:p>
             <a:r>
               <a:rPr lang="en-US" b="1" dirty="0"/>
               <a:t>intro/spring/security/dependencies</a:t>
             </a:r>
-            <a:endParaRPr lang="en-US" b="1" dirty="0" smtClean="0"/>
-          </a:p>
-          <a:p>
-            <a:r>
-              <a:rPr lang="en-US" dirty="0" smtClean="0"/>
+          </a:p>
+          <a:p>
+            <a:r>
+              <a:rPr lang="en-US" dirty="0"/>
               <a:t>Exercises for Lesson 10 (see documentation)</a:t>
             </a:r>
-            <a:endParaRPr lang="en-US" dirty="0"/>
           </a:p>
         </p:txBody>
       </p:sp>
@@ -7111,10 +6948,9 @@
           <a:lstStyle/>
           <a:p>
             <a:r>
-              <a:rPr lang="en-US" dirty="0" smtClean="0"/>
+              <a:rPr lang="en-US" dirty="0"/>
               <a:t>Blacklisting vs Whitelisting</a:t>
             </a:r>
-            <a:endParaRPr lang="en-US" dirty="0"/>
           </a:p>
         </p:txBody>
       </p:sp>
@@ -7141,71 +6977,71 @@
           <a:lstStyle/>
           <a:p>
             <a:r>
-              <a:rPr lang="en-US" dirty="0" smtClean="0"/>
+              <a:rPr lang="en-US" dirty="0"/>
               <a:t>Authorization is done on the server, and will depend on the language/framework</a:t>
             </a:r>
           </a:p>
           <a:p>
             <a:pPr lvl="1"/>
             <a:r>
-              <a:rPr lang="en-US" dirty="0" smtClean="0"/>
+              <a:rPr lang="en-US" dirty="0"/>
               <a:t>JEE, Spring, </a:t>
             </a:r>
             <a:r>
-              <a:rPr lang="en-US" dirty="0" err="1" smtClean="0"/>
+              <a:rPr lang="en-US" dirty="0" err="1"/>
               <a:t>.Net</a:t>
             </a:r>
             <a:r>
-              <a:rPr lang="en-US" dirty="0" smtClean="0"/>
+              <a:rPr lang="en-US" dirty="0"/>
               <a:t>, </a:t>
             </a:r>
             <a:r>
-              <a:rPr lang="en-US" dirty="0" err="1" smtClean="0"/>
+              <a:rPr lang="en-US" dirty="0" err="1"/>
               <a:t>NodeJS</a:t>
             </a:r>
             <a:r>
-              <a:rPr lang="en-US" dirty="0" smtClean="0"/>
+              <a:rPr lang="en-US" dirty="0"/>
               <a:t>, etc.</a:t>
             </a:r>
           </a:p>
           <a:p>
             <a:pPr lvl="1"/>
             <a:r>
-              <a:rPr lang="en-US" dirty="0" smtClean="0"/>
+              <a:rPr lang="en-US" dirty="0"/>
               <a:t>user will just get either a 3xx or 403 response</a:t>
             </a:r>
           </a:p>
           <a:p>
             <a:r>
-              <a:rPr lang="en-US" i="1" dirty="0" smtClean="0"/>
+              <a:rPr lang="en-US" i="1" dirty="0"/>
               <a:t>Blacklisting</a:t>
             </a:r>
             <a:r>
-              <a:rPr lang="en-US" dirty="0" smtClean="0"/>
+              <a:rPr lang="en-US" dirty="0"/>
               <a:t>: everything is allowed by default. What is not allowed for a given user/group has to be explicitly stated</a:t>
             </a:r>
           </a:p>
           <a:p>
             <a:pPr lvl="1"/>
             <a:r>
-              <a:rPr lang="en-US" dirty="0" smtClean="0"/>
+              <a:rPr lang="en-US" dirty="0"/>
               <a:t>Usually not a good idea, as easy to forget to blacklist some critical operation</a:t>
             </a:r>
           </a:p>
           <a:p>
             <a:r>
-              <a:rPr lang="en-US" i="1" dirty="0" smtClean="0"/>
+              <a:rPr lang="en-US" i="1" dirty="0"/>
               <a:t>Whitelisting</a:t>
             </a:r>
             <a:r>
-              <a:rPr lang="en-US" dirty="0" smtClean="0"/>
+              <a:rPr lang="en-US" dirty="0"/>
               <a:t>: nothing is allowed by default. What is allowed has to be explicitly stated</a:t>
             </a:r>
           </a:p>
           <a:p>
             <a:pPr lvl="1"/>
             <a:r>
-              <a:rPr lang="en-US" dirty="0" smtClean="0"/>
+              <a:rPr lang="en-US" dirty="0"/>
               <a:t>“forgetting to allow something” (reduced functionality) is much, much better than “forgetting to forbid something” (security problem)</a:t>
             </a:r>
           </a:p>
@@ -7260,10 +7096,9 @@
           <a:lstStyle/>
           <a:p>
             <a:r>
-              <a:rPr lang="en-US" dirty="0" smtClean="0"/>
+              <a:rPr lang="en-US" dirty="0"/>
               <a:t>Authentication: first steps</a:t>
             </a:r>
-            <a:endParaRPr lang="en-US" dirty="0"/>
           </a:p>
         </p:txBody>
       </p:sp>
@@ -7290,63 +7125,62 @@
           <a:lstStyle/>
           <a:p>
             <a:r>
-              <a:rPr lang="en-US" dirty="0" smtClean="0"/>
+              <a:rPr lang="en-US" dirty="0"/>
               <a:t>Server does not know who the user is</a:t>
             </a:r>
           </a:p>
           <a:p>
             <a:r>
-              <a:rPr lang="en-US" dirty="0" smtClean="0"/>
+              <a:rPr lang="en-US" dirty="0"/>
               <a:t>Server only sees incoming HTTP/S messages</a:t>
             </a:r>
           </a:p>
           <a:p>
             <a:pPr lvl="1"/>
             <a:r>
-              <a:rPr lang="en-US" dirty="0" smtClean="0"/>
+              <a:rPr lang="en-US" dirty="0"/>
               <a:t>not necessarily from a browser… user can do direct TCP connections from scripts </a:t>
             </a:r>
           </a:p>
           <a:p>
             <a:r>
-              <a:rPr lang="en-US" dirty="0" smtClean="0"/>
+              <a:rPr lang="en-US" dirty="0"/>
               <a:t>HTTP/S is stateless</a:t>
             </a:r>
           </a:p>
           <a:p>
             <a:r>
-              <a:rPr lang="en-US" dirty="0" smtClean="0"/>
+              <a:rPr lang="en-US" dirty="0"/>
               <a:t>Need a way to tell that sequence of HTTP/S calls come from same user</a:t>
             </a:r>
           </a:p>
           <a:p>
             <a:r>
-              <a:rPr lang="en-US" dirty="0" smtClean="0"/>
+              <a:rPr lang="en-US" dirty="0"/>
               <a:t>User has to send information of who s/he is at EACH HTTP/S call </a:t>
             </a:r>
           </a:p>
           <a:p>
             <a:r>
-              <a:rPr lang="en-US" dirty="0" smtClean="0"/>
+              <a:rPr lang="en-US" dirty="0"/>
               <a:t>But users can </a:t>
             </a:r>
             <a:r>
-              <a:rPr lang="en-US" b="1" dirty="0" smtClean="0"/>
+              <a:rPr lang="en-US" b="1" dirty="0"/>
               <a:t>lie</a:t>
             </a:r>
             <a:r>
-              <a:rPr lang="en-US" dirty="0" smtClean="0"/>
+              <a:rPr lang="en-US" dirty="0"/>
               <a:t>… (</a:t>
             </a:r>
             <a:r>
-              <a:rPr lang="en-US" dirty="0" err="1" smtClean="0"/>
+              <a:rPr lang="en-US" dirty="0" err="1"/>
               <a:t>eg</a:t>
             </a:r>
             <a:r>
-              <a:rPr lang="en-US" dirty="0" smtClean="0"/>
+              <a:rPr lang="en-US" dirty="0"/>
               <a:t>, hackers)</a:t>
             </a:r>
-            <a:endParaRPr lang="en-US" dirty="0"/>
           </a:p>
         </p:txBody>
       </p:sp>
@@ -7396,10 +7230,9 @@
           <a:lstStyle/>
           <a:p>
             <a:r>
-              <a:rPr lang="en-US" dirty="0" smtClean="0"/>
+              <a:rPr lang="en-US" dirty="0"/>
               <a:t>Ids and Passwords</a:t>
             </a:r>
-            <a:endParaRPr lang="en-US" dirty="0"/>
           </a:p>
         </p:txBody>
       </p:sp>
@@ -7424,34 +7257,34 @@
           <a:lstStyle/>
           <a:p>
             <a:r>
-              <a:rPr lang="en-US" dirty="0" smtClean="0"/>
+              <a:rPr lang="en-US" dirty="0"/>
               <a:t>A user will be registered with a </a:t>
             </a:r>
             <a:r>
-              <a:rPr lang="en-US" i="1" dirty="0" smtClean="0"/>
+              <a:rPr lang="en-US" i="1" dirty="0"/>
               <a:t>unique</a:t>
             </a:r>
             <a:r>
-              <a:rPr lang="en-US" dirty="0" smtClean="0"/>
+              <a:rPr lang="en-US" dirty="0"/>
               <a:t> id</a:t>
             </a:r>
           </a:p>
           <a:p>
             <a:r>
-              <a:rPr lang="en-US" dirty="0" smtClean="0"/>
+              <a:rPr lang="en-US" dirty="0"/>
               <a:t>Need also secret password to login </a:t>
             </a:r>
           </a:p>
           <a:p>
             <a:pPr lvl="1"/>
             <a:r>
-              <a:rPr lang="en-US" dirty="0" smtClean="0"/>
+              <a:rPr lang="en-US" dirty="0"/>
               <a:t>Otherwise anyone could login with the ids of other users…</a:t>
             </a:r>
           </a:p>
           <a:p>
             <a:r>
-              <a:rPr lang="en-US" dirty="0" smtClean="0"/>
+              <a:rPr lang="en-US" dirty="0"/>
               <a:t>HTTP/S does not prevent attempts to login to accounts of other users</a:t>
             </a:r>
           </a:p>
@@ -7535,10 +7368,9 @@
           <a:lstStyle/>
           <a:p>
             <a:r>
-              <a:rPr lang="en-US" dirty="0" smtClean="0"/>
+              <a:rPr lang="en-US" dirty="0"/>
               <a:t>How to implement a login mechanism?</a:t>
             </a:r>
-            <a:endParaRPr lang="en-US" dirty="0"/>
           </a:p>
         </p:txBody>
       </p:sp>
@@ -7565,81 +7397,81 @@
           <a:lstStyle/>
           <a:p>
             <a:r>
-              <a:rPr lang="en-US" dirty="0" smtClean="0"/>
+              <a:rPr lang="en-US" dirty="0"/>
               <a:t>When talking about security and what to implement on the server, think about HTTP/S messages, not necessarily coming from browsers</a:t>
             </a:r>
           </a:p>
           <a:p>
             <a:r>
-              <a:rPr lang="en-US" dirty="0" smtClean="0"/>
+              <a:rPr lang="en-US" dirty="0"/>
               <a:t>Could have endpoint to get </a:t>
             </a:r>
             <a:r>
-              <a:rPr lang="en-US" i="1" dirty="0" smtClean="0"/>
+              <a:rPr lang="en-US" i="1" dirty="0"/>
               <a:t>token </a:t>
             </a:r>
             <a:r>
-              <a:rPr lang="en-US" dirty="0" smtClean="0"/>
+              <a:rPr lang="en-US" dirty="0"/>
               <a:t>from server given </a:t>
             </a:r>
             <a:r>
-              <a:rPr lang="en-US" dirty="0" err="1" smtClean="0"/>
+              <a:rPr lang="en-US" dirty="0" err="1"/>
               <a:t>userId</a:t>
             </a:r>
             <a:r>
-              <a:rPr lang="en-US" dirty="0" smtClean="0"/>
+              <a:rPr lang="en-US" dirty="0"/>
               <a:t>/password</a:t>
             </a:r>
           </a:p>
           <a:p>
             <a:pPr lvl="1"/>
             <a:r>
-              <a:rPr lang="en-US" dirty="0" smtClean="0"/>
+              <a:rPr lang="en-US" dirty="0"/>
               <a:t>Use such token on each following request as parameter</a:t>
             </a:r>
           </a:p>
           <a:p>
             <a:r>
-              <a:rPr lang="en-US" dirty="0" smtClean="0"/>
+              <a:rPr lang="en-US" dirty="0"/>
               <a:t>GET /</a:t>
             </a:r>
             <a:r>
-              <a:rPr lang="en-US" dirty="0" err="1" smtClean="0"/>
+              <a:rPr lang="en-US" dirty="0" err="1"/>
               <a:t>login?</a:t>
             </a:r>
             <a:r>
-              <a:rPr lang="en-US" b="1" dirty="0" err="1" smtClean="0"/>
+              <a:rPr lang="en-US" b="1" dirty="0" err="1"/>
               <a:t>userId</a:t>
             </a:r>
             <a:r>
-              <a:rPr lang="en-US" b="1" dirty="0" smtClean="0"/>
+              <a:rPr lang="en-US" b="1" dirty="0"/>
               <a:t>=</a:t>
             </a:r>
             <a:r>
-              <a:rPr lang="en-US" b="1" dirty="0" err="1" smtClean="0"/>
+              <a:rPr lang="en-US" b="1" dirty="0" err="1"/>
               <a:t>x</a:t>
             </a:r>
             <a:r>
-              <a:rPr lang="en-US" dirty="0" err="1" smtClean="0"/>
+              <a:rPr lang="en-US" dirty="0" err="1"/>
               <a:t>&amp;</a:t>
             </a:r>
             <a:r>
-              <a:rPr lang="en-US" b="1" dirty="0" err="1" smtClean="0"/>
+              <a:rPr lang="en-US" b="1" dirty="0" err="1"/>
               <a:t>password</a:t>
             </a:r>
             <a:r>
-              <a:rPr lang="en-US" b="1" dirty="0" smtClean="0"/>
+              <a:rPr lang="en-US" b="1" dirty="0"/>
               <a:t>=y</a:t>
             </a:r>
           </a:p>
           <a:p>
             <a:pPr lvl="1"/>
             <a:r>
-              <a:rPr lang="en-US" dirty="0" err="1" smtClean="0"/>
+              <a:rPr lang="en-US" dirty="0" err="1"/>
               <a:t>userId</a:t>
             </a:r>
             <a:r>
-              <a:rPr lang="en-US" dirty="0" smtClean="0"/>
+              <a:rPr lang="en-US" dirty="0"/>
               <a:t>/password as URL parameters to the /login endpoint</a:t>
             </a:r>
           </a:p>
@@ -7647,38 +7479,33 @@
             <a:pPr lvl="1"/>
             <a:r>
               <a:rPr lang="en-US" dirty="0"/>
-              <a:t>g</a:t>
-            </a:r>
-            <a:r>
-              <a:rPr lang="en-US" dirty="0" smtClean="0"/>
-              <a:t>et back new token Z associated to this user, as HTTP/S response body, no HTML page</a:t>
-            </a:r>
-          </a:p>
-          <a:p>
-            <a:r>
-              <a:rPr lang="en-US" dirty="0" smtClean="0"/>
+              <a:t>get back new token Z associated to this user, as HTTP/S response body, no HTML page</a:t>
+            </a:r>
+          </a:p>
+          <a:p>
+            <a:r>
+              <a:rPr lang="en-US" dirty="0"/>
               <a:t>GET /</a:t>
             </a:r>
             <a:r>
-              <a:rPr lang="en-US" dirty="0" err="1" smtClean="0"/>
+              <a:rPr lang="en-US" dirty="0" err="1"/>
               <a:t>somePageIWantToBrowse</a:t>
             </a:r>
             <a:r>
-              <a:rPr lang="en-US" b="1" dirty="0" err="1" smtClean="0"/>
+              <a:rPr lang="en-US" b="1" dirty="0" err="1"/>
               <a:t>?token</a:t>
             </a:r>
             <a:r>
-              <a:rPr lang="en-US" b="1" dirty="0" smtClean="0"/>
+              <a:rPr lang="en-US" b="1" dirty="0"/>
               <a:t>=z</a:t>
             </a:r>
           </a:p>
           <a:p>
             <a:pPr lvl="1"/>
             <a:r>
-              <a:rPr lang="en-US" dirty="0" smtClean="0"/>
+              <a:rPr lang="en-US" dirty="0"/>
               <a:t>pass “token=z” parameter to each HTTP/S request</a:t>
             </a:r>
-            <a:endParaRPr lang="en-US" dirty="0"/>
           </a:p>
         </p:txBody>
       </p:sp>
@@ -7728,10 +7555,9 @@
           <a:lstStyle/>
           <a:p>
             <a:r>
-              <a:rPr lang="en-US" dirty="0" smtClean="0"/>
+              <a:rPr lang="en-US" dirty="0"/>
               <a:t>Awful Solution</a:t>
             </a:r>
-            <a:endParaRPr lang="en-US" dirty="0"/>
           </a:p>
         </p:txBody>
       </p:sp>
@@ -7758,87 +7584,87 @@
           <a:lstStyle/>
           <a:p>
             <a:r>
-              <a:rPr lang="en-US" dirty="0" smtClean="0"/>
+              <a:rPr lang="en-US" dirty="0"/>
               <a:t>That solution would work with HTTPS, but…</a:t>
             </a:r>
           </a:p>
           <a:p>
             <a:r>
-              <a:rPr lang="en-US" dirty="0" smtClean="0"/>
+              <a:rPr lang="en-US" dirty="0"/>
               <a:t>“</a:t>
             </a:r>
             <a:r>
-              <a:rPr lang="en-US" i="1" dirty="0" smtClean="0"/>
+              <a:rPr lang="en-US" i="1" dirty="0"/>
               <a:t>/</a:t>
             </a:r>
             <a:r>
-              <a:rPr lang="en-US" i="1" dirty="0" err="1" smtClean="0"/>
+              <a:rPr lang="en-US" i="1" dirty="0" err="1"/>
               <a:t>login?userId</a:t>
             </a:r>
             <a:r>
-              <a:rPr lang="en-US" i="1" dirty="0" smtClean="0"/>
+              <a:rPr lang="en-US" i="1" dirty="0"/>
               <a:t>=</a:t>
             </a:r>
             <a:r>
-              <a:rPr lang="en-US" i="1" dirty="0" err="1" smtClean="0"/>
+              <a:rPr lang="en-US" i="1" dirty="0" err="1"/>
               <a:t>x&amp;password</a:t>
             </a:r>
             <a:r>
-              <a:rPr lang="en-US" i="1" dirty="0" smtClean="0"/>
+              <a:rPr lang="en-US" i="1" dirty="0"/>
               <a:t>=y</a:t>
             </a:r>
             <a:r>
-              <a:rPr lang="en-US" dirty="0" smtClean="0"/>
+              <a:rPr lang="en-US" dirty="0"/>
               <a:t>” would be cached in your browser history, even after you logout</a:t>
             </a:r>
           </a:p>
           <a:p>
             <a:r>
-              <a:rPr lang="en-US" dirty="0" smtClean="0"/>
+              <a:rPr lang="en-US" dirty="0"/>
               <a:t>How to handle the adding of “</a:t>
             </a:r>
             <a:r>
-              <a:rPr lang="en-US" i="1" dirty="0" smtClean="0"/>
+              <a:rPr lang="en-US" i="1" dirty="0"/>
               <a:t>?token=z</a:t>
             </a:r>
             <a:r>
-              <a:rPr lang="en-US" dirty="0" smtClean="0"/>
+              <a:rPr lang="en-US" dirty="0"/>
               <a:t>” to all your </a:t>
             </a:r>
             <a:r>
-              <a:rPr lang="en-US" i="1" dirty="0" smtClean="0"/>
+              <a:rPr lang="en-US" i="1" dirty="0"/>
               <a:t>&lt;a&gt; </a:t>
             </a:r>
             <a:r>
-              <a:rPr lang="en-US" dirty="0" smtClean="0"/>
+              <a:rPr lang="en-US" dirty="0"/>
               <a:t>tags in the HTML pages?</a:t>
             </a:r>
           </a:p>
           <a:p>
             <a:pPr lvl="1"/>
             <a:r>
-              <a:rPr lang="en-US" dirty="0" smtClean="0"/>
+              <a:rPr lang="en-US" dirty="0"/>
               <a:t>doable, but quite cumbersome</a:t>
             </a:r>
           </a:p>
           <a:p>
             <a:r>
-              <a:rPr lang="en-US" dirty="0" smtClean="0"/>
+              <a:rPr lang="en-US" dirty="0"/>
               <a:t>How to handle browser bookmarks?</a:t>
             </a:r>
           </a:p>
           <a:p>
             <a:pPr lvl="1"/>
             <a:r>
-              <a:rPr lang="en-US" dirty="0" smtClean="0"/>
+              <a:rPr lang="en-US" dirty="0"/>
               <a:t>tokens would be there, and made the links useless once they expire, </a:t>
             </a:r>
             <a:r>
-              <a:rPr lang="en-US" dirty="0" err="1" smtClean="0"/>
+              <a:rPr lang="en-US" dirty="0" err="1"/>
               <a:t>eg</a:t>
             </a:r>
             <a:r>
-              <a:rPr lang="en-US" dirty="0" smtClean="0"/>
+              <a:rPr lang="en-US" dirty="0"/>
               <a:t> after a logout </a:t>
             </a:r>
           </a:p>
@@ -7893,10 +7719,9 @@
           <a:lstStyle/>
           <a:p>
             <a:r>
-              <a:rPr lang="en-US" dirty="0" smtClean="0"/>
+              <a:rPr lang="en-US" dirty="0"/>
               <a:t>POST and Cookies</a:t>
             </a:r>
-            <a:endParaRPr lang="en-US" dirty="0"/>
           </a:p>
         </p:txBody>
       </p:sp>
@@ -7923,66 +7748,65 @@
           <a:lstStyle/>
           <a:p>
             <a:r>
-              <a:rPr lang="en-US" dirty="0" smtClean="0"/>
+              <a:rPr lang="en-US" dirty="0"/>
               <a:t>User ids and passwords should never be sent with a GET</a:t>
             </a:r>
           </a:p>
           <a:p>
             <a:pPr lvl="1"/>
             <a:r>
-              <a:rPr lang="en-US" dirty="0" smtClean="0"/>
+              <a:rPr lang="en-US" dirty="0"/>
               <a:t>GET specs do not allow body in the requests</a:t>
             </a:r>
           </a:p>
           <a:p>
             <a:r>
-              <a:rPr lang="en-US" dirty="0" smtClean="0"/>
+              <a:rPr lang="en-US" dirty="0"/>
               <a:t>Should be in HTTP body of a POST</a:t>
             </a:r>
           </a:p>
           <a:p>
             <a:pPr lvl="1"/>
             <a:r>
-              <a:rPr lang="en-US" dirty="0" smtClean="0"/>
+              <a:rPr lang="en-US" dirty="0"/>
               <a:t>This is also default behavior of </a:t>
             </a:r>
             <a:r>
-              <a:rPr lang="en-US" i="1" dirty="0" smtClean="0"/>
+              <a:rPr lang="en-US" i="1" dirty="0"/>
               <a:t>&lt;input&gt;</a:t>
             </a:r>
             <a:r>
-              <a:rPr lang="en-US" dirty="0" smtClean="0"/>
+              <a:rPr lang="en-US" dirty="0"/>
               <a:t> forms in HTML</a:t>
             </a:r>
           </a:p>
           <a:p>
             <a:r>
-              <a:rPr lang="en-US" dirty="0" smtClean="0"/>
+              <a:rPr lang="en-US" dirty="0"/>
               <a:t>Authentication “tokens” should not be in URLs, but in the HTTP Headers</a:t>
             </a:r>
           </a:p>
           <a:p>
             <a:r>
-              <a:rPr lang="en-US" b="1" dirty="0" smtClean="0"/>
+              <a:rPr lang="en-US" b="1" dirty="0"/>
               <a:t>Cookie</a:t>
             </a:r>
             <a:r>
-              <a:rPr lang="en-US" dirty="0" smtClean="0"/>
+              <a:rPr lang="en-US" dirty="0"/>
               <a:t>: special header that will be used to identify the user</a:t>
             </a:r>
           </a:p>
           <a:p>
             <a:r>
-              <a:rPr lang="en-US" dirty="0" smtClean="0"/>
+              <a:rPr lang="en-US" dirty="0"/>
               <a:t>The user does not choose the cookie, it is the server that assigns them</a:t>
             </a:r>
           </a:p>
           <a:p>
             <a:r>
-              <a:rPr lang="en-US" dirty="0" smtClean="0"/>
+              <a:rPr lang="en-US" dirty="0"/>
               <a:t>Recall: user can craft its own HTTP messages, so server needs to know if cookie values are valid</a:t>
             </a:r>
-            <a:endParaRPr lang="en-US" dirty="0"/>
           </a:p>
         </p:txBody>
       </p:sp>
